--- a/lesson06.pptx
+++ b/lesson06.pptx
@@ -5,7 +5,7 @@
     <p:sldMasterId id="2147483648" r:id="rId1"/>
   </p:sldMasterIdLst>
   <p:notesMasterIdLst>
-    <p:notesMasterId r:id="rId23"/>
+    <p:notesMasterId r:id="rId27"/>
   </p:notesMasterIdLst>
   <p:sldIdLst>
     <p:sldId id="496" r:id="rId2"/>
@@ -19,16 +19,20 @@
     <p:sldId id="423" r:id="rId10"/>
     <p:sldId id="424" r:id="rId11"/>
     <p:sldId id="566" r:id="rId12"/>
-    <p:sldId id="474" r:id="rId13"/>
-    <p:sldId id="475" r:id="rId14"/>
-    <p:sldId id="476" r:id="rId15"/>
-    <p:sldId id="425" r:id="rId16"/>
-    <p:sldId id="553" r:id="rId17"/>
-    <p:sldId id="375" r:id="rId18"/>
-    <p:sldId id="449" r:id="rId19"/>
-    <p:sldId id="559" r:id="rId20"/>
-    <p:sldId id="525" r:id="rId21"/>
-    <p:sldId id="527" r:id="rId22"/>
+    <p:sldId id="498" r:id="rId13"/>
+    <p:sldId id="499" r:id="rId14"/>
+    <p:sldId id="500" r:id="rId15"/>
+    <p:sldId id="501" r:id="rId16"/>
+    <p:sldId id="474" r:id="rId17"/>
+    <p:sldId id="475" r:id="rId18"/>
+    <p:sldId id="476" r:id="rId19"/>
+    <p:sldId id="425" r:id="rId20"/>
+    <p:sldId id="553" r:id="rId21"/>
+    <p:sldId id="375" r:id="rId22"/>
+    <p:sldId id="449" r:id="rId23"/>
+    <p:sldId id="559" r:id="rId24"/>
+    <p:sldId id="525" r:id="rId25"/>
+    <p:sldId id="527" r:id="rId26"/>
   </p:sldIdLst>
   <p:sldSz cx="12192000" cy="6858000"/>
   <p:notesSz cx="6858000" cy="9144000"/>
@@ -146,34 +150,1508 @@
 </p:presentation>
 </file>
 
+<file path=ppt/revisionInfo.xml><?xml version="1.0" encoding="utf-8"?>
+<p1510:revInfo xmlns:a="http://schemas.openxmlformats.org/drawingml/2006/main" xmlns:r="http://schemas.openxmlformats.org/officeDocument/2006/relationships" xmlns:p1510="http://schemas.microsoft.com/office/powerpoint/2015/10/main">
+  <p1510:revLst>
+    <p1510:client id="{009658F8-EC3F-4639-93EB-76429AFEA6B9}" v="1" dt="2023-12-29T17:45:16.069"/>
+  </p1510:revLst>
+</p1510:revInfo>
+</file>
+
 <file path=ppt/changesInfos/changesInfo1.xml><?xml version="1.0" encoding="utf-8"?>
 <pc:chgInfo xmlns:a="http://schemas.openxmlformats.org/drawingml/2006/main" xmlns:r="http://schemas.openxmlformats.org/officeDocument/2006/relationships" xmlns:ac="http://schemas.microsoft.com/office/drawing/2013/main/command" xmlns:pc="http://schemas.microsoft.com/office/powerpoint/2013/main/command">
   <pc:docChgLst>
-    <pc:chgData name="Anatoliy Kigel" userId="7432c6c4687b0a9c" providerId="LiveId" clId="{A5DF38CE-DE16-4ABA-B2F3-98D84F2E2290}"/>
-    <pc:docChg chg="delSld">
-      <pc:chgData name="Anatoliy Kigel" userId="7432c6c4687b0a9c" providerId="LiveId" clId="{A5DF38CE-DE16-4ABA-B2F3-98D84F2E2290}" dt="2023-05-19T18:54:19.026" v="0" actId="2696"/>
+    <pc:chgData name="Anatoliy Kigel" userId="7432c6c4687b0a9c" providerId="LiveId" clId="{905722A7-4D61-422B-8DD7-87BCBD5319E9}"/>
+    <pc:docChg chg="undo custSel addSld delSld modSld sldOrd">
+      <pc:chgData name="Anatoliy Kigel" userId="7432c6c4687b0a9c" providerId="LiveId" clId="{905722A7-4D61-422B-8DD7-87BCBD5319E9}" dt="2023-05-28T09:16:55.735" v="101" actId="20577"/>
       <pc:docMkLst>
         <pc:docMk/>
       </pc:docMkLst>
       <pc:sldChg chg="del">
-        <pc:chgData name="Anatoliy Kigel" userId="7432c6c4687b0a9c" providerId="LiveId" clId="{A5DF38CE-DE16-4ABA-B2F3-98D84F2E2290}" dt="2023-05-19T18:54:19.026" v="0" actId="2696"/>
+        <pc:chgData name="Anatoliy Kigel" userId="7432c6c4687b0a9c" providerId="LiveId" clId="{905722A7-4D61-422B-8DD7-87BCBD5319E9}" dt="2023-05-28T09:00:47.994" v="16" actId="47"/>
+        <pc:sldMkLst>
+          <pc:docMk/>
+          <pc:sldMk cId="0" sldId="341"/>
+        </pc:sldMkLst>
+      </pc:sldChg>
+      <pc:sldChg chg="del">
+        <pc:chgData name="Anatoliy Kigel" userId="7432c6c4687b0a9c" providerId="LiveId" clId="{905722A7-4D61-422B-8DD7-87BCBD5319E9}" dt="2023-05-28T09:00:47.994" v="16" actId="47"/>
+        <pc:sldMkLst>
+          <pc:docMk/>
+          <pc:sldMk cId="0" sldId="345"/>
+        </pc:sldMkLst>
+      </pc:sldChg>
+      <pc:sldChg chg="del">
+        <pc:chgData name="Anatoliy Kigel" userId="7432c6c4687b0a9c" providerId="LiveId" clId="{905722A7-4D61-422B-8DD7-87BCBD5319E9}" dt="2023-05-28T09:00:47.994" v="16" actId="47"/>
+        <pc:sldMkLst>
+          <pc:docMk/>
+          <pc:sldMk cId="0" sldId="346"/>
+        </pc:sldMkLst>
+      </pc:sldChg>
+      <pc:sldChg chg="del">
+        <pc:chgData name="Anatoliy Kigel" userId="7432c6c4687b0a9c" providerId="LiveId" clId="{905722A7-4D61-422B-8DD7-87BCBD5319E9}" dt="2023-05-28T09:00:47.994" v="16" actId="47"/>
+        <pc:sldMkLst>
+          <pc:docMk/>
+          <pc:sldMk cId="0" sldId="353"/>
+        </pc:sldMkLst>
+      </pc:sldChg>
+      <pc:sldChg chg="del">
+        <pc:chgData name="Anatoliy Kigel" userId="7432c6c4687b0a9c" providerId="LiveId" clId="{905722A7-4D61-422B-8DD7-87BCBD5319E9}" dt="2023-05-28T09:00:47.994" v="16" actId="47"/>
+        <pc:sldMkLst>
+          <pc:docMk/>
+          <pc:sldMk cId="0" sldId="355"/>
+        </pc:sldMkLst>
+      </pc:sldChg>
+      <pc:sldChg chg="del">
+        <pc:chgData name="Anatoliy Kigel" userId="7432c6c4687b0a9c" providerId="LiveId" clId="{905722A7-4D61-422B-8DD7-87BCBD5319E9}" dt="2023-05-28T09:00:47.994" v="16" actId="47"/>
+        <pc:sldMkLst>
+          <pc:docMk/>
+          <pc:sldMk cId="0" sldId="356"/>
+        </pc:sldMkLst>
+      </pc:sldChg>
+      <pc:sldChg chg="del">
+        <pc:chgData name="Anatoliy Kigel" userId="7432c6c4687b0a9c" providerId="LiveId" clId="{905722A7-4D61-422B-8DD7-87BCBD5319E9}" dt="2023-05-28T09:00:47.994" v="16" actId="47"/>
+        <pc:sldMkLst>
+          <pc:docMk/>
+          <pc:sldMk cId="0" sldId="357"/>
+        </pc:sldMkLst>
+      </pc:sldChg>
+      <pc:sldChg chg="addSp delSp modSp add mod">
+        <pc:chgData name="Anatoliy Kigel" userId="7432c6c4687b0a9c" providerId="LiveId" clId="{905722A7-4D61-422B-8DD7-87BCBD5319E9}" dt="2023-05-28T09:13:38.133" v="95" actId="1035"/>
+        <pc:sldMkLst>
+          <pc:docMk/>
+          <pc:sldMk cId="1969206996" sldId="375"/>
+        </pc:sldMkLst>
+        <pc:spChg chg="del">
+          <ac:chgData name="Anatoliy Kigel" userId="7432c6c4687b0a9c" providerId="LiveId" clId="{905722A7-4D61-422B-8DD7-87BCBD5319E9}" dt="2023-05-28T09:13:18.128" v="81" actId="478"/>
+          <ac:spMkLst>
+            <pc:docMk/>
+            <pc:sldMk cId="1969206996" sldId="375"/>
+            <ac:spMk id="2" creationId="{00000000-0000-0000-0000-000000000000}"/>
+          </ac:spMkLst>
+        </pc:spChg>
+        <pc:spChg chg="add del mod">
+          <ac:chgData name="Anatoliy Kigel" userId="7432c6c4687b0a9c" providerId="LiveId" clId="{905722A7-4D61-422B-8DD7-87BCBD5319E9}" dt="2023-05-28T09:12:30.905" v="54" actId="478"/>
+          <ac:spMkLst>
+            <pc:docMk/>
+            <pc:sldMk cId="1969206996" sldId="375"/>
+            <ac:spMk id="4" creationId="{2B47DAB7-A8B5-C584-EE16-8535A433B309}"/>
+          </ac:spMkLst>
+        </pc:spChg>
+        <pc:spChg chg="add del mod">
+          <ac:chgData name="Anatoliy Kigel" userId="7432c6c4687b0a9c" providerId="LiveId" clId="{905722A7-4D61-422B-8DD7-87BCBD5319E9}" dt="2023-05-28T09:12:44.924" v="73" actId="14100"/>
+          <ac:spMkLst>
+            <pc:docMk/>
+            <pc:sldMk cId="1969206996" sldId="375"/>
+            <ac:spMk id="5" creationId="{00000000-0000-0000-0000-000000000000}"/>
+          </ac:spMkLst>
+        </pc:spChg>
+        <pc:spChg chg="mod">
+          <ac:chgData name="Anatoliy Kigel" userId="7432c6c4687b0a9c" providerId="LiveId" clId="{905722A7-4D61-422B-8DD7-87BCBD5319E9}" dt="2023-05-28T09:13:03.321" v="77" actId="113"/>
+          <ac:spMkLst>
+            <pc:docMk/>
+            <pc:sldMk cId="1969206996" sldId="375"/>
+            <ac:spMk id="8" creationId="{00000000-0000-0000-0000-000000000000}"/>
+          </ac:spMkLst>
+        </pc:spChg>
+        <pc:spChg chg="mod">
+          <ac:chgData name="Anatoliy Kigel" userId="7432c6c4687b0a9c" providerId="LiveId" clId="{905722A7-4D61-422B-8DD7-87BCBD5319E9}" dt="2023-05-28T09:13:19.695" v="87" actId="1036"/>
+          <ac:spMkLst>
+            <pc:docMk/>
+            <pc:sldMk cId="1969206996" sldId="375"/>
+            <ac:spMk id="9" creationId="{00000000-0000-0000-0000-000000000000}"/>
+          </ac:spMkLst>
+        </pc:spChg>
+        <pc:spChg chg="mod">
+          <ac:chgData name="Anatoliy Kigel" userId="7432c6c4687b0a9c" providerId="LiveId" clId="{905722A7-4D61-422B-8DD7-87BCBD5319E9}" dt="2023-05-28T09:13:38.133" v="95" actId="1035"/>
+          <ac:spMkLst>
+            <pc:docMk/>
+            <pc:sldMk cId="1969206996" sldId="375"/>
+            <ac:spMk id="15" creationId="{00000000-0000-0000-0000-000000000000}"/>
+          </ac:spMkLst>
+        </pc:spChg>
+      </pc:sldChg>
+      <pc:sldChg chg="del">
+        <pc:chgData name="Anatoliy Kigel" userId="7432c6c4687b0a9c" providerId="LiveId" clId="{905722A7-4D61-422B-8DD7-87BCBD5319E9}" dt="2023-05-28T09:00:47.994" v="16" actId="47"/>
+        <pc:sldMkLst>
+          <pc:docMk/>
+          <pc:sldMk cId="3313378822" sldId="376"/>
+        </pc:sldMkLst>
+      </pc:sldChg>
+      <pc:sldChg chg="del">
+        <pc:chgData name="Anatoliy Kigel" userId="7432c6c4687b0a9c" providerId="LiveId" clId="{905722A7-4D61-422B-8DD7-87BCBD5319E9}" dt="2023-05-28T09:01:26.903" v="36" actId="47"/>
+        <pc:sldMkLst>
+          <pc:docMk/>
+          <pc:sldMk cId="1329061896" sldId="396"/>
+        </pc:sldMkLst>
+      </pc:sldChg>
+      <pc:sldChg chg="del">
+        <pc:chgData name="Anatoliy Kigel" userId="7432c6c4687b0a9c" providerId="LiveId" clId="{905722A7-4D61-422B-8DD7-87BCBD5319E9}" dt="2023-05-28T09:01:26.903" v="36" actId="47"/>
+        <pc:sldMkLst>
+          <pc:docMk/>
+          <pc:sldMk cId="653578417" sldId="397"/>
+        </pc:sldMkLst>
+      </pc:sldChg>
+      <pc:sldChg chg="del">
+        <pc:chgData name="Anatoliy Kigel" userId="7432c6c4687b0a9c" providerId="LiveId" clId="{905722A7-4D61-422B-8DD7-87BCBD5319E9}" dt="2023-05-28T09:01:59.057" v="39" actId="47"/>
+        <pc:sldMkLst>
+          <pc:docMk/>
+          <pc:sldMk cId="359246607" sldId="408"/>
+        </pc:sldMkLst>
+      </pc:sldChg>
+      <pc:sldChg chg="del">
+        <pc:chgData name="Anatoliy Kigel" userId="7432c6c4687b0a9c" providerId="LiveId" clId="{905722A7-4D61-422B-8DD7-87BCBD5319E9}" dt="2023-05-28T09:00:47.994" v="16" actId="47"/>
+        <pc:sldMkLst>
+          <pc:docMk/>
+          <pc:sldMk cId="3253847286" sldId="413"/>
+        </pc:sldMkLst>
+      </pc:sldChg>
+      <pc:sldChg chg="del">
+        <pc:chgData name="Anatoliy Kigel" userId="7432c6c4687b0a9c" providerId="LiveId" clId="{905722A7-4D61-422B-8DD7-87BCBD5319E9}" dt="2023-05-28T09:01:59.057" v="39" actId="47"/>
+        <pc:sldMkLst>
+          <pc:docMk/>
+          <pc:sldMk cId="1306185162" sldId="422"/>
+        </pc:sldMkLst>
+      </pc:sldChg>
+      <pc:sldChg chg="modSp mod">
+        <pc:chgData name="Anatoliy Kigel" userId="7432c6c4687b0a9c" providerId="LiveId" clId="{905722A7-4D61-422B-8DD7-87BCBD5319E9}" dt="2023-05-28T09:01:46.501" v="38" actId="20577"/>
+        <pc:sldMkLst>
+          <pc:docMk/>
+          <pc:sldMk cId="1892988636" sldId="423"/>
+        </pc:sldMkLst>
+        <pc:spChg chg="mod">
+          <ac:chgData name="Anatoliy Kigel" userId="7432c6c4687b0a9c" providerId="LiveId" clId="{905722A7-4D61-422B-8DD7-87BCBD5319E9}" dt="2023-05-28T09:01:46.501" v="38" actId="20577"/>
+          <ac:spMkLst>
+            <pc:docMk/>
+            <pc:sldMk cId="1892988636" sldId="423"/>
+            <ac:spMk id="5" creationId="{00000000-0000-0000-0000-000000000000}"/>
+          </ac:spMkLst>
+        </pc:spChg>
+      </pc:sldChg>
+      <pc:sldChg chg="modSp mod">
+        <pc:chgData name="Anatoliy Kigel" userId="7432c6c4687b0a9c" providerId="LiveId" clId="{905722A7-4D61-422B-8DD7-87BCBD5319E9}" dt="2023-05-28T09:16:55.735" v="101" actId="20577"/>
+        <pc:sldMkLst>
+          <pc:docMk/>
+          <pc:sldMk cId="236005783" sldId="425"/>
+        </pc:sldMkLst>
+        <pc:spChg chg="mod">
+          <ac:chgData name="Anatoliy Kigel" userId="7432c6c4687b0a9c" providerId="LiveId" clId="{905722A7-4D61-422B-8DD7-87BCBD5319E9}" dt="2023-05-28T09:16:55.735" v="101" actId="20577"/>
+          <ac:spMkLst>
+            <pc:docMk/>
+            <pc:sldMk cId="236005783" sldId="425"/>
+            <ac:spMk id="5" creationId="{00000000-0000-0000-0000-000000000000}"/>
+          </ac:spMkLst>
+        </pc:spChg>
+      </pc:sldChg>
+      <pc:sldChg chg="del">
+        <pc:chgData name="Anatoliy Kigel" userId="7432c6c4687b0a9c" providerId="LiveId" clId="{905722A7-4D61-422B-8DD7-87BCBD5319E9}" dt="2023-05-28T09:02:10.472" v="40" actId="47"/>
+        <pc:sldMkLst>
+          <pc:docMk/>
+          <pc:sldMk cId="1809769971" sldId="444"/>
+        </pc:sldMkLst>
+      </pc:sldChg>
+      <pc:sldChg chg="del">
+        <pc:chgData name="Anatoliy Kigel" userId="7432c6c4687b0a9c" providerId="LiveId" clId="{905722A7-4D61-422B-8DD7-87BCBD5319E9}" dt="2023-05-28T09:00:47.994" v="16" actId="47"/>
+        <pc:sldMkLst>
+          <pc:docMk/>
+          <pc:sldMk cId="1990921513" sldId="460"/>
+        </pc:sldMkLst>
+      </pc:sldChg>
+      <pc:sldChg chg="modSp add mod">
+        <pc:chgData name="Anatoliy Kigel" userId="7432c6c4687b0a9c" providerId="LiveId" clId="{905722A7-4D61-422B-8DD7-87BCBD5319E9}" dt="2023-05-28T09:16:50.739" v="100" actId="20577"/>
         <pc:sldMkLst>
           <pc:docMk/>
           <pc:sldMk cId="899785685" sldId="474"/>
         </pc:sldMkLst>
+        <pc:spChg chg="mod">
+          <ac:chgData name="Anatoliy Kigel" userId="7432c6c4687b0a9c" providerId="LiveId" clId="{905722A7-4D61-422B-8DD7-87BCBD5319E9}" dt="2023-05-28T09:16:50.739" v="100" actId="20577"/>
+          <ac:spMkLst>
+            <pc:docMk/>
+            <pc:sldMk cId="899785685" sldId="474"/>
+            <ac:spMk id="5" creationId="{00000000-0000-0000-0000-000000000000}"/>
+          </ac:spMkLst>
+        </pc:spChg>
+      </pc:sldChg>
+      <pc:sldChg chg="add">
+        <pc:chgData name="Anatoliy Kigel" userId="7432c6c4687b0a9c" providerId="LiveId" clId="{905722A7-4D61-422B-8DD7-87BCBD5319E9}" dt="2023-05-28T09:04:47.758" v="50"/>
+        <pc:sldMkLst>
+          <pc:docMk/>
+          <pc:sldMk cId="2765944910" sldId="475"/>
+        </pc:sldMkLst>
+      </pc:sldChg>
+      <pc:sldChg chg="add">
+        <pc:chgData name="Anatoliy Kigel" userId="7432c6c4687b0a9c" providerId="LiveId" clId="{905722A7-4D61-422B-8DD7-87BCBD5319E9}" dt="2023-05-28T09:04:47.758" v="50"/>
+        <pc:sldMkLst>
+          <pc:docMk/>
+          <pc:sldMk cId="316371881" sldId="476"/>
+        </pc:sldMkLst>
+      </pc:sldChg>
+      <pc:sldChg chg="modSp mod">
+        <pc:chgData name="Anatoliy Kigel" userId="7432c6c4687b0a9c" providerId="LiveId" clId="{905722A7-4D61-422B-8DD7-87BCBD5319E9}" dt="2023-05-28T08:59:29.122" v="15" actId="20577"/>
+        <pc:sldMkLst>
+          <pc:docMk/>
+          <pc:sldMk cId="2229591171" sldId="496"/>
+        </pc:sldMkLst>
+        <pc:spChg chg="mod">
+          <ac:chgData name="Anatoliy Kigel" userId="7432c6c4687b0a9c" providerId="LiveId" clId="{905722A7-4D61-422B-8DD7-87BCBD5319E9}" dt="2023-05-28T08:59:29.122" v="15" actId="20577"/>
+          <ac:spMkLst>
+            <pc:docMk/>
+            <pc:sldMk cId="2229591171" sldId="496"/>
+            <ac:spMk id="9" creationId="{00000000-0000-0000-0000-000000000000}"/>
+          </ac:spMkLst>
+        </pc:spChg>
       </pc:sldChg>
       <pc:sldChg chg="del">
-        <pc:chgData name="Anatoliy Kigel" userId="7432c6c4687b0a9c" providerId="LiveId" clId="{A5DF38CE-DE16-4ABA-B2F3-98D84F2E2290}" dt="2023-05-19T18:54:19.026" v="0" actId="2696"/>
+        <pc:chgData name="Anatoliy Kigel" userId="7432c6c4687b0a9c" providerId="LiveId" clId="{905722A7-4D61-422B-8DD7-87BCBD5319E9}" dt="2023-05-28T09:01:26.903" v="36" actId="47"/>
+        <pc:sldMkLst>
+          <pc:docMk/>
+          <pc:sldMk cId="2495425632" sldId="498"/>
+        </pc:sldMkLst>
+      </pc:sldChg>
+      <pc:sldChg chg="del">
+        <pc:chgData name="Anatoliy Kigel" userId="7432c6c4687b0a9c" providerId="LiveId" clId="{905722A7-4D61-422B-8DD7-87BCBD5319E9}" dt="2023-05-28T09:01:26.903" v="36" actId="47"/>
+        <pc:sldMkLst>
+          <pc:docMk/>
+          <pc:sldMk cId="1532842395" sldId="499"/>
+        </pc:sldMkLst>
+      </pc:sldChg>
+      <pc:sldChg chg="del">
+        <pc:chgData name="Anatoliy Kigel" userId="7432c6c4687b0a9c" providerId="LiveId" clId="{905722A7-4D61-422B-8DD7-87BCBD5319E9}" dt="2023-05-28T09:01:26.903" v="36" actId="47"/>
+        <pc:sldMkLst>
+          <pc:docMk/>
+          <pc:sldMk cId="2453015292" sldId="500"/>
+        </pc:sldMkLst>
+      </pc:sldChg>
+      <pc:sldChg chg="del">
+        <pc:chgData name="Anatoliy Kigel" userId="7432c6c4687b0a9c" providerId="LiveId" clId="{905722A7-4D61-422B-8DD7-87BCBD5319E9}" dt="2023-05-28T09:01:18.822" v="35" actId="47"/>
+        <pc:sldMkLst>
+          <pc:docMk/>
+          <pc:sldMk cId="1657804849" sldId="501"/>
+        </pc:sldMkLst>
+      </pc:sldChg>
+      <pc:sldChg chg="delSp modSp mod">
+        <pc:chgData name="Anatoliy Kigel" userId="7432c6c4687b0a9c" providerId="LiveId" clId="{905722A7-4D61-422B-8DD7-87BCBD5319E9}" dt="2023-05-28T09:01:05.004" v="34" actId="1035"/>
+        <pc:sldMkLst>
+          <pc:docMk/>
+          <pc:sldMk cId="1320399867" sldId="503"/>
+        </pc:sldMkLst>
+        <pc:spChg chg="del">
+          <ac:chgData name="Anatoliy Kigel" userId="7432c6c4687b0a9c" providerId="LiveId" clId="{905722A7-4D61-422B-8DD7-87BCBD5319E9}" dt="2023-05-28T09:00:59.846" v="19" actId="478"/>
+          <ac:spMkLst>
+            <pc:docMk/>
+            <pc:sldMk cId="1320399867" sldId="503"/>
+            <ac:spMk id="5" creationId="{00000000-0000-0000-0000-000000000000}"/>
+          </ac:spMkLst>
+        </pc:spChg>
+        <pc:spChg chg="mod">
+          <ac:chgData name="Anatoliy Kigel" userId="7432c6c4687b0a9c" providerId="LiveId" clId="{905722A7-4D61-422B-8DD7-87BCBD5319E9}" dt="2023-05-28T09:01:05.004" v="34" actId="1035"/>
+          <ac:spMkLst>
+            <pc:docMk/>
+            <pc:sldMk cId="1320399867" sldId="503"/>
+            <ac:spMk id="7" creationId="{00000000-0000-0000-0000-000000000000}"/>
+          </ac:spMkLst>
+        </pc:spChg>
+        <pc:spChg chg="mod">
+          <ac:chgData name="Anatoliy Kigel" userId="7432c6c4687b0a9c" providerId="LiveId" clId="{905722A7-4D61-422B-8DD7-87BCBD5319E9}" dt="2023-05-28T09:01:00.869" v="23" actId="1036"/>
+          <ac:spMkLst>
+            <pc:docMk/>
+            <pc:sldMk cId="1320399867" sldId="503"/>
+            <ac:spMk id="12" creationId="{00000000-0000-0000-0000-000000000000}"/>
+          </ac:spMkLst>
+        </pc:spChg>
+      </pc:sldChg>
+      <pc:sldChg chg="delSp mod">
+        <pc:chgData name="Anatoliy Kigel" userId="7432c6c4687b0a9c" providerId="LiveId" clId="{905722A7-4D61-422B-8DD7-87BCBD5319E9}" dt="2023-05-28T09:00:58.152" v="18" actId="478"/>
+        <pc:sldMkLst>
+          <pc:docMk/>
+          <pc:sldMk cId="4143157552" sldId="504"/>
+        </pc:sldMkLst>
+        <pc:spChg chg="del">
+          <ac:chgData name="Anatoliy Kigel" userId="7432c6c4687b0a9c" providerId="LiveId" clId="{905722A7-4D61-422B-8DD7-87BCBD5319E9}" dt="2023-05-28T09:00:58.152" v="18" actId="478"/>
+          <ac:spMkLst>
+            <pc:docMk/>
+            <pc:sldMk cId="4143157552" sldId="504"/>
+            <ac:spMk id="5" creationId="{00000000-0000-0000-0000-000000000000}"/>
+          </ac:spMkLst>
+        </pc:spChg>
+      </pc:sldChg>
+      <pc:sldChg chg="modSp mod">
+        <pc:chgData name="Anatoliy Kigel" userId="7432c6c4687b0a9c" providerId="LiveId" clId="{905722A7-4D61-422B-8DD7-87BCBD5319E9}" dt="2023-05-28T09:01:43.897" v="37" actId="20577"/>
+        <pc:sldMkLst>
+          <pc:docMk/>
+          <pc:sldMk cId="114327094" sldId="513"/>
+        </pc:sldMkLst>
+        <pc:spChg chg="mod">
+          <ac:chgData name="Anatoliy Kigel" userId="7432c6c4687b0a9c" providerId="LiveId" clId="{905722A7-4D61-422B-8DD7-87BCBD5319E9}" dt="2023-05-28T09:01:43.897" v="37" actId="20577"/>
+          <ac:spMkLst>
+            <pc:docMk/>
+            <pc:sldMk cId="114327094" sldId="513"/>
+            <ac:spMk id="5" creationId="{00000000-0000-0000-0000-000000000000}"/>
+          </ac:spMkLst>
+        </pc:spChg>
+      </pc:sldChg>
+      <pc:sldChg chg="modSp mod">
+        <pc:chgData name="Anatoliy Kigel" userId="7432c6c4687b0a9c" providerId="LiveId" clId="{905722A7-4D61-422B-8DD7-87BCBD5319E9}" dt="2023-05-28T09:14:03.012" v="99" actId="1035"/>
+        <pc:sldMkLst>
+          <pc:docMk/>
+          <pc:sldMk cId="4023351221" sldId="527"/>
+        </pc:sldMkLst>
+        <pc:spChg chg="mod">
+          <ac:chgData name="Anatoliy Kigel" userId="7432c6c4687b0a9c" providerId="LiveId" clId="{905722A7-4D61-422B-8DD7-87BCBD5319E9}" dt="2023-05-28T09:02:22.858" v="49" actId="403"/>
+          <ac:spMkLst>
+            <pc:docMk/>
+            <pc:sldMk cId="4023351221" sldId="527"/>
+            <ac:spMk id="3" creationId="{00000000-0000-0000-0000-000000000000}"/>
+          </ac:spMkLst>
+        </pc:spChg>
+        <pc:spChg chg="mod">
+          <ac:chgData name="Anatoliy Kigel" userId="7432c6c4687b0a9c" providerId="LiveId" clId="{905722A7-4D61-422B-8DD7-87BCBD5319E9}" dt="2023-05-28T09:14:03.012" v="99" actId="1035"/>
+          <ac:spMkLst>
+            <pc:docMk/>
+            <pc:sldMk cId="4023351221" sldId="527"/>
+            <ac:spMk id="27" creationId="{00000000-0000-0000-0000-000000000000}"/>
+          </ac:spMkLst>
+        </pc:spChg>
+      </pc:sldChg>
+      <pc:sldChg chg="modSp mod">
+        <pc:chgData name="Anatoliy Kigel" userId="7432c6c4687b0a9c" providerId="LiveId" clId="{905722A7-4D61-422B-8DD7-87BCBD5319E9}" dt="2023-05-28T09:00:49.842" v="17" actId="20577"/>
+        <pc:sldMkLst>
+          <pc:docMk/>
+          <pc:sldMk cId="508589481" sldId="530"/>
+        </pc:sldMkLst>
+        <pc:spChg chg="mod">
+          <ac:chgData name="Anatoliy Kigel" userId="7432c6c4687b0a9c" providerId="LiveId" clId="{905722A7-4D61-422B-8DD7-87BCBD5319E9}" dt="2023-05-28T09:00:49.842" v="17" actId="20577"/>
+          <ac:spMkLst>
+            <pc:docMk/>
+            <pc:sldMk cId="508589481" sldId="530"/>
+            <ac:spMk id="5" creationId="{00000000-0000-0000-0000-000000000000}"/>
+          </ac:spMkLst>
+        </pc:spChg>
+      </pc:sldChg>
+      <pc:sldChg chg="add ord">
+        <pc:chgData name="Anatoliy Kigel" userId="7432c6c4687b0a9c" providerId="LiveId" clId="{905722A7-4D61-422B-8DD7-87BCBD5319E9}" dt="2023-05-28T09:13:49.085" v="97"/>
+        <pc:sldMkLst>
+          <pc:docMk/>
+          <pc:sldMk cId="4087088411" sldId="553"/>
+        </pc:sldMkLst>
+      </pc:sldChg>
+    </pc:docChg>
+  </pc:docChgLst>
+  <pc:docChgLst>
+    <pc:chgData name="Anatoliy Kigel" userId="7432c6c4687b0a9c" providerId="LiveId" clId="{4DB424D7-841E-415E-ADA1-AC2EF07CF2C5}"/>
+    <pc:docChg chg="custSel modSld">
+      <pc:chgData name="Anatoliy Kigel" userId="7432c6c4687b0a9c" providerId="LiveId" clId="{4DB424D7-841E-415E-ADA1-AC2EF07CF2C5}" dt="2023-05-31T10:38:22.926" v="11" actId="478"/>
+      <pc:docMkLst>
+        <pc:docMk/>
+      </pc:docMkLst>
+      <pc:sldChg chg="delSp mod">
+        <pc:chgData name="Anatoliy Kigel" userId="7432c6c4687b0a9c" providerId="LiveId" clId="{4DB424D7-841E-415E-ADA1-AC2EF07CF2C5}" dt="2023-05-31T10:38:15.132" v="9" actId="478"/>
+        <pc:sldMkLst>
+          <pc:docMk/>
+          <pc:sldMk cId="3863989030" sldId="424"/>
+        </pc:sldMkLst>
+        <pc:spChg chg="del">
+          <ac:chgData name="Anatoliy Kigel" userId="7432c6c4687b0a9c" providerId="LiveId" clId="{4DB424D7-841E-415E-ADA1-AC2EF07CF2C5}" dt="2023-05-31T10:38:15.132" v="9" actId="478"/>
+          <ac:spMkLst>
+            <pc:docMk/>
+            <pc:sldMk cId="3863989030" sldId="424"/>
+            <ac:spMk id="11" creationId="{00000000-0000-0000-0000-000000000000}"/>
+          </ac:spMkLst>
+        </pc:spChg>
+      </pc:sldChg>
+      <pc:sldChg chg="delSp mod">
+        <pc:chgData name="Anatoliy Kigel" userId="7432c6c4687b0a9c" providerId="LiveId" clId="{4DB424D7-841E-415E-ADA1-AC2EF07CF2C5}" dt="2023-05-31T10:38:22.926" v="11" actId="478"/>
         <pc:sldMkLst>
           <pc:docMk/>
           <pc:sldMk cId="2765944910" sldId="475"/>
         </pc:sldMkLst>
+        <pc:spChg chg="del">
+          <ac:chgData name="Anatoliy Kigel" userId="7432c6c4687b0a9c" providerId="LiveId" clId="{4DB424D7-841E-415E-ADA1-AC2EF07CF2C5}" dt="2023-05-31T10:38:22.926" v="11" actId="478"/>
+          <ac:spMkLst>
+            <pc:docMk/>
+            <pc:sldMk cId="2765944910" sldId="475"/>
+            <ac:spMk id="8" creationId="{00000000-0000-0000-0000-000000000000}"/>
+          </ac:spMkLst>
+        </pc:spChg>
+      </pc:sldChg>
+      <pc:sldChg chg="delSp modSp mod">
+        <pc:chgData name="Anatoliy Kigel" userId="7432c6c4687b0a9c" providerId="LiveId" clId="{4DB424D7-841E-415E-ADA1-AC2EF07CF2C5}" dt="2023-05-31T10:38:10.988" v="8" actId="1036"/>
+        <pc:sldMkLst>
+          <pc:docMk/>
+          <pc:sldMk cId="1473843389" sldId="514"/>
+        </pc:sldMkLst>
+        <pc:spChg chg="del">
+          <ac:chgData name="Anatoliy Kigel" userId="7432c6c4687b0a9c" providerId="LiveId" clId="{4DB424D7-841E-415E-ADA1-AC2EF07CF2C5}" dt="2023-05-31T10:38:08.446" v="0" actId="478"/>
+          <ac:spMkLst>
+            <pc:docMk/>
+            <pc:sldMk cId="1473843389" sldId="514"/>
+            <ac:spMk id="6" creationId="{00000000-0000-0000-0000-000000000000}"/>
+          </ac:spMkLst>
+        </pc:spChg>
+        <pc:spChg chg="mod">
+          <ac:chgData name="Anatoliy Kigel" userId="7432c6c4687b0a9c" providerId="LiveId" clId="{4DB424D7-841E-415E-ADA1-AC2EF07CF2C5}" dt="2023-05-31T10:38:10.988" v="8" actId="1036"/>
+          <ac:spMkLst>
+            <pc:docMk/>
+            <pc:sldMk cId="1473843389" sldId="514"/>
+            <ac:spMk id="26" creationId="{00000000-0000-0000-0000-000000000000}"/>
+          </ac:spMkLst>
+        </pc:spChg>
+      </pc:sldChg>
+      <pc:sldChg chg="delSp mod">
+        <pc:chgData name="Anatoliy Kigel" userId="7432c6c4687b0a9c" providerId="LiveId" clId="{4DB424D7-841E-415E-ADA1-AC2EF07CF2C5}" dt="2023-05-31T10:38:17.790" v="10" actId="478"/>
+        <pc:sldMkLst>
+          <pc:docMk/>
+          <pc:sldMk cId="600371874" sldId="566"/>
+        </pc:sldMkLst>
+        <pc:spChg chg="del">
+          <ac:chgData name="Anatoliy Kigel" userId="7432c6c4687b0a9c" providerId="LiveId" clId="{4DB424D7-841E-415E-ADA1-AC2EF07CF2C5}" dt="2023-05-31T10:38:17.790" v="10" actId="478"/>
+          <ac:spMkLst>
+            <pc:docMk/>
+            <pc:sldMk cId="600371874" sldId="566"/>
+            <ac:spMk id="11" creationId="{00000000-0000-0000-0000-000000000000}"/>
+          </ac:spMkLst>
+        </pc:spChg>
+      </pc:sldChg>
+    </pc:docChg>
+  </pc:docChgLst>
+  <pc:docChgLst>
+    <pc:chgData name="Anatoliy Kigel" userId="7432c6c4687b0a9c" providerId="LiveId" clId="{847BB01A-A476-47BC-91DF-1E44C740529E}"/>
+    <pc:docChg chg="undo custSel addSld delSld modSld">
+      <pc:chgData name="Anatoliy Kigel" userId="7432c6c4687b0a9c" providerId="LiveId" clId="{847BB01A-A476-47BC-91DF-1E44C740529E}" dt="2021-06-10T20:52:11.724" v="254" actId="20577"/>
+      <pc:docMkLst>
+        <pc:docMk/>
+      </pc:docMkLst>
+      <pc:sldChg chg="add del">
+        <pc:chgData name="Anatoliy Kigel" userId="7432c6c4687b0a9c" providerId="LiveId" clId="{847BB01A-A476-47BC-91DF-1E44C740529E}" dt="2021-06-07T06:52:04.271" v="224" actId="47"/>
+        <pc:sldMkLst>
+          <pc:docMk/>
+          <pc:sldMk cId="235221471" sldId="461"/>
+        </pc:sldMkLst>
       </pc:sldChg>
       <pc:sldChg chg="del">
-        <pc:chgData name="Anatoliy Kigel" userId="7432c6c4687b0a9c" providerId="LiveId" clId="{A5DF38CE-DE16-4ABA-B2F3-98D84F2E2290}" dt="2023-05-19T18:54:19.026" v="0" actId="2696"/>
-        <pc:sldMkLst>
-          <pc:docMk/>
-          <pc:sldMk cId="316371881" sldId="476"/>
+        <pc:chgData name="Anatoliy Kigel" userId="7432c6c4687b0a9c" providerId="LiveId" clId="{847BB01A-A476-47BC-91DF-1E44C740529E}" dt="2021-06-07T06:48:33.205" v="4" actId="2696"/>
+        <pc:sldMkLst>
+          <pc:docMk/>
+          <pc:sldMk cId="4277329049" sldId="461"/>
+        </pc:sldMkLst>
+      </pc:sldChg>
+      <pc:sldChg chg="add del">
+        <pc:chgData name="Anatoliy Kigel" userId="7432c6c4687b0a9c" providerId="LiveId" clId="{847BB01A-A476-47BC-91DF-1E44C740529E}" dt="2021-06-07T06:52:04.271" v="224" actId="47"/>
+        <pc:sldMkLst>
+          <pc:docMk/>
+          <pc:sldMk cId="696302188" sldId="462"/>
+        </pc:sldMkLst>
+      </pc:sldChg>
+      <pc:sldChg chg="del">
+        <pc:chgData name="Anatoliy Kigel" userId="7432c6c4687b0a9c" providerId="LiveId" clId="{847BB01A-A476-47BC-91DF-1E44C740529E}" dt="2021-06-07T06:48:33.205" v="4" actId="2696"/>
+        <pc:sldMkLst>
+          <pc:docMk/>
+          <pc:sldMk cId="1070822381" sldId="462"/>
+        </pc:sldMkLst>
+      </pc:sldChg>
+      <pc:sldChg chg="add del">
+        <pc:chgData name="Anatoliy Kigel" userId="7432c6c4687b0a9c" providerId="LiveId" clId="{847BB01A-A476-47BC-91DF-1E44C740529E}" dt="2021-06-07T06:52:04.271" v="224" actId="47"/>
+        <pc:sldMkLst>
+          <pc:docMk/>
+          <pc:sldMk cId="2300718141" sldId="463"/>
+        </pc:sldMkLst>
+      </pc:sldChg>
+      <pc:sldChg chg="del">
+        <pc:chgData name="Anatoliy Kigel" userId="7432c6c4687b0a9c" providerId="LiveId" clId="{847BB01A-A476-47BC-91DF-1E44C740529E}" dt="2021-06-07T06:48:33.205" v="4" actId="2696"/>
+        <pc:sldMkLst>
+          <pc:docMk/>
+          <pc:sldMk cId="3639811883" sldId="463"/>
+        </pc:sldMkLst>
+      </pc:sldChg>
+      <pc:sldChg chg="modSp mod">
+        <pc:chgData name="Anatoliy Kigel" userId="7432c6c4687b0a9c" providerId="LiveId" clId="{847BB01A-A476-47BC-91DF-1E44C740529E}" dt="2021-06-07T06:48:30.637" v="3" actId="20577"/>
+        <pc:sldMkLst>
+          <pc:docMk/>
+          <pc:sldMk cId="899785685" sldId="474"/>
+        </pc:sldMkLst>
+        <pc:spChg chg="mod">
+          <ac:chgData name="Anatoliy Kigel" userId="7432c6c4687b0a9c" providerId="LiveId" clId="{847BB01A-A476-47BC-91DF-1E44C740529E}" dt="2021-06-07T06:48:30.637" v="3" actId="20577"/>
+          <ac:spMkLst>
+            <pc:docMk/>
+            <pc:sldMk cId="899785685" sldId="474"/>
+            <ac:spMk id="5" creationId="{00000000-0000-0000-0000-000000000000}"/>
+          </ac:spMkLst>
+        </pc:spChg>
+      </pc:sldChg>
+      <pc:sldChg chg="del">
+        <pc:chgData name="Anatoliy Kigel" userId="7432c6c4687b0a9c" providerId="LiveId" clId="{847BB01A-A476-47BC-91DF-1E44C740529E}" dt="2021-06-10T20:50:10.936" v="225" actId="47"/>
+        <pc:sldMkLst>
+          <pc:docMk/>
+          <pc:sldMk cId="3720006240" sldId="516"/>
+        </pc:sldMkLst>
+      </pc:sldChg>
+      <pc:sldChg chg="del">
+        <pc:chgData name="Anatoliy Kigel" userId="7432c6c4687b0a9c" providerId="LiveId" clId="{847BB01A-A476-47BC-91DF-1E44C740529E}" dt="2021-06-10T20:50:10.936" v="225" actId="47"/>
+        <pc:sldMkLst>
+          <pc:docMk/>
+          <pc:sldMk cId="503710912" sldId="517"/>
+        </pc:sldMkLst>
+      </pc:sldChg>
+      <pc:sldChg chg="del">
+        <pc:chgData name="Anatoliy Kigel" userId="7432c6c4687b0a9c" providerId="LiveId" clId="{847BB01A-A476-47BC-91DF-1E44C740529E}" dt="2021-06-10T20:50:10.936" v="225" actId="47"/>
+        <pc:sldMkLst>
+          <pc:docMk/>
+          <pc:sldMk cId="1302747808" sldId="518"/>
+        </pc:sldMkLst>
+      </pc:sldChg>
+      <pc:sldChg chg="delSp modSp mod">
+        <pc:chgData name="Anatoliy Kigel" userId="7432c6c4687b0a9c" providerId="LiveId" clId="{847BB01A-A476-47BC-91DF-1E44C740529E}" dt="2021-06-10T20:52:11.724" v="254" actId="20577"/>
+        <pc:sldMkLst>
+          <pc:docMk/>
+          <pc:sldMk cId="1506378298" sldId="528"/>
+        </pc:sldMkLst>
+        <pc:spChg chg="mod">
+          <ac:chgData name="Anatoliy Kigel" userId="7432c6c4687b0a9c" providerId="LiveId" clId="{847BB01A-A476-47BC-91DF-1E44C740529E}" dt="2021-06-10T20:52:04.514" v="249" actId="20577"/>
+          <ac:spMkLst>
+            <pc:docMk/>
+            <pc:sldMk cId="1506378298" sldId="528"/>
+            <ac:spMk id="2" creationId="{00000000-0000-0000-0000-000000000000}"/>
+          </ac:spMkLst>
+        </pc:spChg>
+        <pc:spChg chg="mod">
+          <ac:chgData name="Anatoliy Kigel" userId="7432c6c4687b0a9c" providerId="LiveId" clId="{847BB01A-A476-47BC-91DF-1E44C740529E}" dt="2021-06-10T20:52:11.724" v="254" actId="20577"/>
+          <ac:spMkLst>
+            <pc:docMk/>
+            <pc:sldMk cId="1506378298" sldId="528"/>
+            <ac:spMk id="4" creationId="{00000000-0000-0000-0000-000000000000}"/>
+          </ac:spMkLst>
+        </pc:spChg>
+        <pc:spChg chg="del">
+          <ac:chgData name="Anatoliy Kigel" userId="7432c6c4687b0a9c" providerId="LiveId" clId="{847BB01A-A476-47BC-91DF-1E44C740529E}" dt="2021-06-10T20:51:33.139" v="226" actId="478"/>
+          <ac:spMkLst>
+            <pc:docMk/>
+            <pc:sldMk cId="1506378298" sldId="528"/>
+            <ac:spMk id="5" creationId="{00000000-0000-0000-0000-000000000000}"/>
+          </ac:spMkLst>
+        </pc:spChg>
+      </pc:sldChg>
+      <pc:sldChg chg="modSp add mod">
+        <pc:chgData name="Anatoliy Kigel" userId="7432c6c4687b0a9c" providerId="LiveId" clId="{847BB01A-A476-47BC-91DF-1E44C740529E}" dt="2021-06-07T06:51:55.649" v="223" actId="207"/>
+        <pc:sldMkLst>
+          <pc:docMk/>
+          <pc:sldMk cId="1448568263" sldId="531"/>
+        </pc:sldMkLst>
+        <pc:spChg chg="mod">
+          <ac:chgData name="Anatoliy Kigel" userId="7432c6c4687b0a9c" providerId="LiveId" clId="{847BB01A-A476-47BC-91DF-1E44C740529E}" dt="2021-06-07T06:51:55.649" v="223" actId="207"/>
+          <ac:spMkLst>
+            <pc:docMk/>
+            <pc:sldMk cId="1448568263" sldId="531"/>
+            <ac:spMk id="3" creationId="{00000000-0000-0000-0000-000000000000}"/>
+          </ac:spMkLst>
+        </pc:spChg>
+        <pc:spChg chg="mod">
+          <ac:chgData name="Anatoliy Kigel" userId="7432c6c4687b0a9c" providerId="LiveId" clId="{847BB01A-A476-47BC-91DF-1E44C740529E}" dt="2021-06-07T06:51:47.868" v="222" actId="1035"/>
+          <ac:spMkLst>
+            <pc:docMk/>
+            <pc:sldMk cId="1448568263" sldId="531"/>
+            <ac:spMk id="5" creationId="{00000000-0000-0000-0000-000000000000}"/>
+          </ac:spMkLst>
+        </pc:spChg>
+      </pc:sldChg>
+    </pc:docChg>
+  </pc:docChgLst>
+  <pc:docChgLst>
+    <pc:chgData name="Anatoliy Kigel" userId="7432c6c4687b0a9c" providerId="LiveId" clId="{65B31AE5-D199-445F-8D30-9AB7516F2116}"/>
+    <pc:docChg chg="undo custSel addSld delSld modSld">
+      <pc:chgData name="Anatoliy Kigel" userId="7432c6c4687b0a9c" providerId="LiveId" clId="{65B31AE5-D199-445F-8D30-9AB7516F2116}" dt="2021-03-02T08:36:46.983" v="652" actId="1036"/>
+      <pc:docMkLst>
+        <pc:docMk/>
+      </pc:docMkLst>
+      <pc:sldChg chg="modSp mod">
+        <pc:chgData name="Anatoliy Kigel" userId="7432c6c4687b0a9c" providerId="LiveId" clId="{65B31AE5-D199-445F-8D30-9AB7516F2116}" dt="2021-03-02T08:24:25.473" v="394" actId="207"/>
+        <pc:sldMkLst>
+          <pc:docMk/>
+          <pc:sldMk cId="3313378822" sldId="376"/>
+        </pc:sldMkLst>
+        <pc:spChg chg="mod">
+          <ac:chgData name="Anatoliy Kigel" userId="7432c6c4687b0a9c" providerId="LiveId" clId="{65B31AE5-D199-445F-8D30-9AB7516F2116}" dt="2021-03-02T08:24:25.473" v="394" actId="207"/>
+          <ac:spMkLst>
+            <pc:docMk/>
+            <pc:sldMk cId="3313378822" sldId="376"/>
+            <ac:spMk id="5" creationId="{00000000-0000-0000-0000-000000000000}"/>
+          </ac:spMkLst>
+        </pc:spChg>
+      </pc:sldChg>
+      <pc:sldChg chg="modSp mod">
+        <pc:chgData name="Anatoliy Kigel" userId="7432c6c4687b0a9c" providerId="LiveId" clId="{65B31AE5-D199-445F-8D30-9AB7516F2116}" dt="2021-03-02T08:24:18.023" v="393" actId="207"/>
+        <pc:sldMkLst>
+          <pc:docMk/>
+          <pc:sldMk cId="1329061896" sldId="396"/>
+        </pc:sldMkLst>
+        <pc:spChg chg="mod">
+          <ac:chgData name="Anatoliy Kigel" userId="7432c6c4687b0a9c" providerId="LiveId" clId="{65B31AE5-D199-445F-8D30-9AB7516F2116}" dt="2021-03-02T08:24:18.023" v="393" actId="207"/>
+          <ac:spMkLst>
+            <pc:docMk/>
+            <pc:sldMk cId="1329061896" sldId="396"/>
+            <ac:spMk id="5" creationId="{00000000-0000-0000-0000-000000000000}"/>
+          </ac:spMkLst>
+        </pc:spChg>
+      </pc:sldChg>
+      <pc:sldChg chg="modSp mod">
+        <pc:chgData name="Anatoliy Kigel" userId="7432c6c4687b0a9c" providerId="LiveId" clId="{65B31AE5-D199-445F-8D30-9AB7516F2116}" dt="2021-03-02T08:11:26.847" v="294" actId="1036"/>
+        <pc:sldMkLst>
+          <pc:docMk/>
+          <pc:sldMk cId="653578417" sldId="397"/>
+        </pc:sldMkLst>
+        <pc:spChg chg="mod">
+          <ac:chgData name="Anatoliy Kigel" userId="7432c6c4687b0a9c" providerId="LiveId" clId="{65B31AE5-D199-445F-8D30-9AB7516F2116}" dt="2021-03-02T08:11:06.519" v="285" actId="1038"/>
+          <ac:spMkLst>
+            <pc:docMk/>
+            <pc:sldMk cId="653578417" sldId="397"/>
+            <ac:spMk id="7" creationId="{00000000-0000-0000-0000-000000000000}"/>
+          </ac:spMkLst>
+        </pc:spChg>
+        <pc:spChg chg="mod">
+          <ac:chgData name="Anatoliy Kigel" userId="7432c6c4687b0a9c" providerId="LiveId" clId="{65B31AE5-D199-445F-8D30-9AB7516F2116}" dt="2021-03-02T08:11:26.847" v="294" actId="1036"/>
+          <ac:spMkLst>
+            <pc:docMk/>
+            <pc:sldMk cId="653578417" sldId="397"/>
+            <ac:spMk id="12" creationId="{00000000-0000-0000-0000-000000000000}"/>
+          </ac:spMkLst>
+        </pc:spChg>
+      </pc:sldChg>
+      <pc:sldChg chg="modSp mod">
+        <pc:chgData name="Anatoliy Kigel" userId="7432c6c4687b0a9c" providerId="LiveId" clId="{65B31AE5-D199-445F-8D30-9AB7516F2116}" dt="2021-03-02T08:24:32.757" v="395" actId="207"/>
+        <pc:sldMkLst>
+          <pc:docMk/>
+          <pc:sldMk cId="3253847286" sldId="413"/>
+        </pc:sldMkLst>
+        <pc:spChg chg="mod">
+          <ac:chgData name="Anatoliy Kigel" userId="7432c6c4687b0a9c" providerId="LiveId" clId="{65B31AE5-D199-445F-8D30-9AB7516F2116}" dt="2021-03-02T08:24:32.757" v="395" actId="207"/>
+          <ac:spMkLst>
+            <pc:docMk/>
+            <pc:sldMk cId="3253847286" sldId="413"/>
+            <ac:spMk id="5" creationId="{00000000-0000-0000-0000-000000000000}"/>
+          </ac:spMkLst>
+        </pc:spChg>
+      </pc:sldChg>
+      <pc:sldChg chg="modSp add mod">
+        <pc:chgData name="Anatoliy Kigel" userId="7432c6c4687b0a9c" providerId="LiveId" clId="{65B31AE5-D199-445F-8D30-9AB7516F2116}" dt="2021-03-02T08:24:01.774" v="390" actId="207"/>
+        <pc:sldMkLst>
+          <pc:docMk/>
+          <pc:sldMk cId="486339162" sldId="431"/>
+        </pc:sldMkLst>
+        <pc:spChg chg="mod">
+          <ac:chgData name="Anatoliy Kigel" userId="7432c6c4687b0a9c" providerId="LiveId" clId="{65B31AE5-D199-445F-8D30-9AB7516F2116}" dt="2021-03-02T08:24:01.774" v="390" actId="207"/>
+          <ac:spMkLst>
+            <pc:docMk/>
+            <pc:sldMk cId="486339162" sldId="431"/>
+            <ac:spMk id="5" creationId="{00000000-0000-0000-0000-000000000000}"/>
+          </ac:spMkLst>
+        </pc:spChg>
+      </pc:sldChg>
+      <pc:sldChg chg="add">
+        <pc:chgData name="Anatoliy Kigel" userId="7432c6c4687b0a9c" providerId="LiveId" clId="{65B31AE5-D199-445F-8D30-9AB7516F2116}" dt="2021-03-02T08:13:09.119" v="297"/>
+        <pc:sldMkLst>
+          <pc:docMk/>
+          <pc:sldMk cId="1548793034" sldId="432"/>
+        </pc:sldMkLst>
+      </pc:sldChg>
+      <pc:sldChg chg="add">
+        <pc:chgData name="Anatoliy Kigel" userId="7432c6c4687b0a9c" providerId="LiveId" clId="{65B31AE5-D199-445F-8D30-9AB7516F2116}" dt="2021-03-02T08:13:09.119" v="297"/>
+        <pc:sldMkLst>
+          <pc:docMk/>
+          <pc:sldMk cId="3746723659" sldId="433"/>
+        </pc:sldMkLst>
+      </pc:sldChg>
+      <pc:sldChg chg="modSp add del mod">
+        <pc:chgData name="Anatoliy Kigel" userId="7432c6c4687b0a9c" providerId="LiveId" clId="{65B31AE5-D199-445F-8D30-9AB7516F2116}" dt="2021-03-02T08:23:56.486" v="389" actId="207"/>
+        <pc:sldMkLst>
+          <pc:docMk/>
+          <pc:sldMk cId="2585329170" sldId="440"/>
+        </pc:sldMkLst>
+        <pc:spChg chg="mod">
+          <ac:chgData name="Anatoliy Kigel" userId="7432c6c4687b0a9c" providerId="LiveId" clId="{65B31AE5-D199-445F-8D30-9AB7516F2116}" dt="2021-03-02T08:23:56.486" v="389" actId="207"/>
+          <ac:spMkLst>
+            <pc:docMk/>
+            <pc:sldMk cId="2585329170" sldId="440"/>
+            <ac:spMk id="5" creationId="{00000000-0000-0000-0000-000000000000}"/>
+          </ac:spMkLst>
+        </pc:spChg>
+      </pc:sldChg>
+      <pc:sldChg chg="modSp add del mod">
+        <pc:chgData name="Anatoliy Kigel" userId="7432c6c4687b0a9c" providerId="LiveId" clId="{65B31AE5-D199-445F-8D30-9AB7516F2116}" dt="2021-03-02T08:13:39.455" v="319" actId="403"/>
+        <pc:sldMkLst>
+          <pc:docMk/>
+          <pc:sldMk cId="894146141" sldId="441"/>
+        </pc:sldMkLst>
+        <pc:spChg chg="mod">
+          <ac:chgData name="Anatoliy Kigel" userId="7432c6c4687b0a9c" providerId="LiveId" clId="{65B31AE5-D199-445F-8D30-9AB7516F2116}" dt="2021-03-02T08:13:39.455" v="319" actId="403"/>
+          <ac:spMkLst>
+            <pc:docMk/>
+            <pc:sldMk cId="894146141" sldId="441"/>
+            <ac:spMk id="6" creationId="{00000000-0000-0000-0000-000000000000}"/>
+          </ac:spMkLst>
+        </pc:spChg>
+      </pc:sldChg>
+      <pc:sldChg chg="addSp delSp modSp add del mod">
+        <pc:chgData name="Anatoliy Kigel" userId="7432c6c4687b0a9c" providerId="LiveId" clId="{65B31AE5-D199-445F-8D30-9AB7516F2116}" dt="2021-03-02T08:36:32.550" v="638" actId="1036"/>
+        <pc:sldMkLst>
+          <pc:docMk/>
+          <pc:sldMk cId="1135077634" sldId="442"/>
+        </pc:sldMkLst>
+        <pc:spChg chg="mod">
+          <ac:chgData name="Anatoliy Kigel" userId="7432c6c4687b0a9c" providerId="LiveId" clId="{65B31AE5-D199-445F-8D30-9AB7516F2116}" dt="2021-03-02T08:36:32.039" v="636" actId="1036"/>
+          <ac:spMkLst>
+            <pc:docMk/>
+            <pc:sldMk cId="1135077634" sldId="442"/>
+            <ac:spMk id="5" creationId="{00000000-0000-0000-0000-000000000000}"/>
+          </ac:spMkLst>
+        </pc:spChg>
+        <pc:spChg chg="add mod">
+          <ac:chgData name="Anatoliy Kigel" userId="7432c6c4687b0a9c" providerId="LiveId" clId="{65B31AE5-D199-445F-8D30-9AB7516F2116}" dt="2021-03-02T08:36:27.729" v="627"/>
+          <ac:spMkLst>
+            <pc:docMk/>
+            <pc:sldMk cId="1135077634" sldId="442"/>
+            <ac:spMk id="7" creationId="{84A01DDD-6D23-482F-BE40-207AF1DE5706}"/>
+          </ac:spMkLst>
+        </pc:spChg>
+        <pc:spChg chg="mod">
+          <ac:chgData name="Anatoliy Kigel" userId="7432c6c4687b0a9c" providerId="LiveId" clId="{65B31AE5-D199-445F-8D30-9AB7516F2116}" dt="2021-03-02T08:36:30.661" v="632" actId="1036"/>
+          <ac:spMkLst>
+            <pc:docMk/>
+            <pc:sldMk cId="1135077634" sldId="442"/>
+            <ac:spMk id="9" creationId="{00000000-0000-0000-0000-000000000000}"/>
+          </ac:spMkLst>
+        </pc:spChg>
+        <pc:spChg chg="del">
+          <ac:chgData name="Anatoliy Kigel" userId="7432c6c4687b0a9c" providerId="LiveId" clId="{65B31AE5-D199-445F-8D30-9AB7516F2116}" dt="2021-03-02T08:36:27.480" v="626" actId="478"/>
+          <ac:spMkLst>
+            <pc:docMk/>
+            <pc:sldMk cId="1135077634" sldId="442"/>
+            <ac:spMk id="10" creationId="{00000000-0000-0000-0000-000000000000}"/>
+          </ac:spMkLst>
+        </pc:spChg>
+        <pc:picChg chg="mod">
+          <ac:chgData name="Anatoliy Kigel" userId="7432c6c4687b0a9c" providerId="LiveId" clId="{65B31AE5-D199-445F-8D30-9AB7516F2116}" dt="2021-03-02T08:36:32.550" v="638" actId="1036"/>
+          <ac:picMkLst>
+            <pc:docMk/>
+            <pc:sldMk cId="1135077634" sldId="442"/>
+            <ac:picMk id="2" creationId="{00000000-0000-0000-0000-000000000000}"/>
+          </ac:picMkLst>
+        </pc:picChg>
+      </pc:sldChg>
+      <pc:sldChg chg="addSp delSp modSp add del mod">
+        <pc:chgData name="Anatoliy Kigel" userId="7432c6c4687b0a9c" providerId="LiveId" clId="{65B31AE5-D199-445F-8D30-9AB7516F2116}" dt="2021-03-02T08:36:39.638" v="644" actId="1036"/>
+        <pc:sldMkLst>
+          <pc:docMk/>
+          <pc:sldMk cId="3044230651" sldId="443"/>
+        </pc:sldMkLst>
+        <pc:spChg chg="add mod">
+          <ac:chgData name="Anatoliy Kigel" userId="7432c6c4687b0a9c" providerId="LiveId" clId="{65B31AE5-D199-445F-8D30-9AB7516F2116}" dt="2021-03-02T08:36:36.944" v="641" actId="1036"/>
+          <ac:spMkLst>
+            <pc:docMk/>
+            <pc:sldMk cId="3044230651" sldId="443"/>
+            <ac:spMk id="8" creationId="{85A9E417-A8F2-4BCE-B6AC-EE4805AC1BD6}"/>
+          </ac:spMkLst>
+        </pc:spChg>
+        <pc:spChg chg="mod">
+          <ac:chgData name="Anatoliy Kigel" userId="7432c6c4687b0a9c" providerId="LiveId" clId="{65B31AE5-D199-445F-8D30-9AB7516F2116}" dt="2021-03-02T08:36:38.302" v="643" actId="1036"/>
+          <ac:spMkLst>
+            <pc:docMk/>
+            <pc:sldMk cId="3044230651" sldId="443"/>
+            <ac:spMk id="9" creationId="{00000000-0000-0000-0000-000000000000}"/>
+          </ac:spMkLst>
+        </pc:spChg>
+        <pc:spChg chg="del">
+          <ac:chgData name="Anatoliy Kigel" userId="7432c6c4687b0a9c" providerId="LiveId" clId="{65B31AE5-D199-445F-8D30-9AB7516F2116}" dt="2021-03-02T08:36:35.343" v="639" actId="478"/>
+          <ac:spMkLst>
+            <pc:docMk/>
+            <pc:sldMk cId="3044230651" sldId="443"/>
+            <ac:spMk id="10" creationId="{00000000-0000-0000-0000-000000000000}"/>
+          </ac:spMkLst>
+        </pc:spChg>
+        <pc:spChg chg="mod">
+          <ac:chgData name="Anatoliy Kigel" userId="7432c6c4687b0a9c" providerId="LiveId" clId="{65B31AE5-D199-445F-8D30-9AB7516F2116}" dt="2021-03-02T08:36:39.638" v="644" actId="1036"/>
+          <ac:spMkLst>
+            <pc:docMk/>
+            <pc:sldMk cId="3044230651" sldId="443"/>
+            <ac:spMk id="12" creationId="{00000000-0000-0000-0000-000000000000}"/>
+          </ac:spMkLst>
+        </pc:spChg>
+      </pc:sldChg>
+      <pc:sldChg chg="addSp delSp modSp add del mod">
+        <pc:chgData name="Anatoliy Kigel" userId="7432c6c4687b0a9c" providerId="LiveId" clId="{65B31AE5-D199-445F-8D30-9AB7516F2116}" dt="2021-03-02T08:36:46.983" v="652" actId="1036"/>
+        <pc:sldMkLst>
+          <pc:docMk/>
+          <pc:sldMk cId="1472899663" sldId="445"/>
+        </pc:sldMkLst>
+        <pc:spChg chg="add mod">
+          <ac:chgData name="Anatoliy Kigel" userId="7432c6c4687b0a9c" providerId="LiveId" clId="{65B31AE5-D199-445F-8D30-9AB7516F2116}" dt="2021-03-02T08:36:43.412" v="646"/>
+          <ac:spMkLst>
+            <pc:docMk/>
+            <pc:sldMk cId="1472899663" sldId="445"/>
+            <ac:spMk id="6" creationId="{401FAB0E-8148-42A5-93A4-F44DA5AC654C}"/>
+          </ac:spMkLst>
+        </pc:spChg>
+        <pc:spChg chg="mod">
+          <ac:chgData name="Anatoliy Kigel" userId="7432c6c4687b0a9c" providerId="LiveId" clId="{65B31AE5-D199-445F-8D30-9AB7516F2116}" dt="2021-03-02T08:36:46.301" v="651" actId="1036"/>
+          <ac:spMkLst>
+            <pc:docMk/>
+            <pc:sldMk cId="1472899663" sldId="445"/>
+            <ac:spMk id="9" creationId="{00000000-0000-0000-0000-000000000000}"/>
+          </ac:spMkLst>
+        </pc:spChg>
+        <pc:spChg chg="del">
+          <ac:chgData name="Anatoliy Kigel" userId="7432c6c4687b0a9c" providerId="LiveId" clId="{65B31AE5-D199-445F-8D30-9AB7516F2116}" dt="2021-03-02T08:36:42.248" v="645" actId="478"/>
+          <ac:spMkLst>
+            <pc:docMk/>
+            <pc:sldMk cId="1472899663" sldId="445"/>
+            <ac:spMk id="10" creationId="{00000000-0000-0000-0000-000000000000}"/>
+          </ac:spMkLst>
+        </pc:spChg>
+        <pc:picChg chg="mod">
+          <ac:chgData name="Anatoliy Kigel" userId="7432c6c4687b0a9c" providerId="LiveId" clId="{65B31AE5-D199-445F-8D30-9AB7516F2116}" dt="2021-03-02T08:36:46.983" v="652" actId="1036"/>
+          <ac:picMkLst>
+            <pc:docMk/>
+            <pc:sldMk cId="1472899663" sldId="445"/>
+            <ac:picMk id="2" creationId="{00000000-0000-0000-0000-000000000000}"/>
+          </ac:picMkLst>
+        </pc:picChg>
+      </pc:sldChg>
+      <pc:sldChg chg="modSp add del mod">
+        <pc:chgData name="Anatoliy Kigel" userId="7432c6c4687b0a9c" providerId="LiveId" clId="{65B31AE5-D199-445F-8D30-9AB7516F2116}" dt="2021-03-02T08:31:05.110" v="400" actId="47"/>
+        <pc:sldMkLst>
+          <pc:docMk/>
+          <pc:sldMk cId="1920490204" sldId="446"/>
+        </pc:sldMkLst>
+        <pc:spChg chg="mod">
+          <ac:chgData name="Anatoliy Kigel" userId="7432c6c4687b0a9c" providerId="LiveId" clId="{65B31AE5-D199-445F-8D30-9AB7516F2116}" dt="2021-03-02T08:23:49.193" v="388" actId="207"/>
+          <ac:spMkLst>
+            <pc:docMk/>
+            <pc:sldMk cId="1920490204" sldId="446"/>
+            <ac:spMk id="5" creationId="{00000000-0000-0000-0000-000000000000}"/>
+          </ac:spMkLst>
+        </pc:spChg>
+      </pc:sldChg>
+      <pc:sldChg chg="modSp add del mod">
+        <pc:chgData name="Anatoliy Kigel" userId="7432c6c4687b0a9c" providerId="LiveId" clId="{65B31AE5-D199-445F-8D30-9AB7516F2116}" dt="2021-03-02T08:31:05.110" v="400" actId="47"/>
+        <pc:sldMkLst>
+          <pc:docMk/>
+          <pc:sldMk cId="1162178873" sldId="447"/>
+        </pc:sldMkLst>
+        <pc:spChg chg="mod">
+          <ac:chgData name="Anatoliy Kigel" userId="7432c6c4687b0a9c" providerId="LiveId" clId="{65B31AE5-D199-445F-8D30-9AB7516F2116}" dt="2021-03-02T08:14:33.167" v="330" actId="1036"/>
+          <ac:spMkLst>
+            <pc:docMk/>
+            <pc:sldMk cId="1162178873" sldId="447"/>
+            <ac:spMk id="7" creationId="{00000000-0000-0000-0000-000000000000}"/>
+          </ac:spMkLst>
+        </pc:spChg>
+        <pc:spChg chg="mod">
+          <ac:chgData name="Anatoliy Kigel" userId="7432c6c4687b0a9c" providerId="LiveId" clId="{65B31AE5-D199-445F-8D30-9AB7516F2116}" dt="2021-03-02T08:14:33.167" v="330" actId="1036"/>
+          <ac:spMkLst>
+            <pc:docMk/>
+            <pc:sldMk cId="1162178873" sldId="447"/>
+            <ac:spMk id="13" creationId="{00000000-0000-0000-0000-000000000000}"/>
+          </ac:spMkLst>
+        </pc:spChg>
+        <pc:picChg chg="mod">
+          <ac:chgData name="Anatoliy Kigel" userId="7432c6c4687b0a9c" providerId="LiveId" clId="{65B31AE5-D199-445F-8D30-9AB7516F2116}" dt="2021-03-02T08:14:33.167" v="330" actId="1036"/>
+          <ac:picMkLst>
+            <pc:docMk/>
+            <pc:sldMk cId="1162178873" sldId="447"/>
+            <ac:picMk id="2" creationId="{00000000-0000-0000-0000-000000000000}"/>
+          </ac:picMkLst>
+        </pc:picChg>
+      </pc:sldChg>
+      <pc:sldChg chg="add del">
+        <pc:chgData name="Anatoliy Kigel" userId="7432c6c4687b0a9c" providerId="LiveId" clId="{65B31AE5-D199-445F-8D30-9AB7516F2116}" dt="2021-03-02T08:31:05.110" v="400" actId="47"/>
+        <pc:sldMkLst>
+          <pc:docMk/>
+          <pc:sldMk cId="3662453619" sldId="448"/>
+        </pc:sldMkLst>
+      </pc:sldChg>
+      <pc:sldChg chg="modSp mod">
+        <pc:chgData name="Anatoliy Kigel" userId="7432c6c4687b0a9c" providerId="LiveId" clId="{65B31AE5-D199-445F-8D30-9AB7516F2116}" dt="2021-03-02T08:23:34.790" v="386" actId="207"/>
+        <pc:sldMkLst>
+          <pc:docMk/>
+          <pc:sldMk cId="4277329049" sldId="461"/>
+        </pc:sldMkLst>
+        <pc:spChg chg="mod">
+          <ac:chgData name="Anatoliy Kigel" userId="7432c6c4687b0a9c" providerId="LiveId" clId="{65B31AE5-D199-445F-8D30-9AB7516F2116}" dt="2021-03-02T08:23:34.790" v="386" actId="207"/>
+          <ac:spMkLst>
+            <pc:docMk/>
+            <pc:sldMk cId="4277329049" sldId="461"/>
+            <ac:spMk id="5" creationId="{00000000-0000-0000-0000-000000000000}"/>
+          </ac:spMkLst>
+        </pc:spChg>
+      </pc:sldChg>
+      <pc:sldChg chg="modSp mod">
+        <pc:chgData name="Anatoliy Kigel" userId="7432c6c4687b0a9c" providerId="LiveId" clId="{65B31AE5-D199-445F-8D30-9AB7516F2116}" dt="2021-03-02T08:23:08.843" v="385" actId="207"/>
+        <pc:sldMkLst>
+          <pc:docMk/>
+          <pc:sldMk cId="899785685" sldId="474"/>
+        </pc:sldMkLst>
+        <pc:spChg chg="mod">
+          <ac:chgData name="Anatoliy Kigel" userId="7432c6c4687b0a9c" providerId="LiveId" clId="{65B31AE5-D199-445F-8D30-9AB7516F2116}" dt="2021-03-02T08:23:08.843" v="385" actId="207"/>
+          <ac:spMkLst>
+            <pc:docMk/>
+            <pc:sldMk cId="899785685" sldId="474"/>
+            <ac:spMk id="5" creationId="{00000000-0000-0000-0000-000000000000}"/>
+          </ac:spMkLst>
+        </pc:spChg>
+      </pc:sldChg>
+      <pc:sldChg chg="modSp mod">
+        <pc:chgData name="Anatoliy Kigel" userId="7432c6c4687b0a9c" providerId="LiveId" clId="{65B31AE5-D199-445F-8D30-9AB7516F2116}" dt="2021-03-02T08:25:09.754" v="399" actId="404"/>
+        <pc:sldMkLst>
+          <pc:docMk/>
+          <pc:sldMk cId="2229591171" sldId="496"/>
+        </pc:sldMkLst>
+        <pc:spChg chg="mod">
+          <ac:chgData name="Anatoliy Kigel" userId="7432c6c4687b0a9c" providerId="LiveId" clId="{65B31AE5-D199-445F-8D30-9AB7516F2116}" dt="2021-03-02T08:25:09.754" v="399" actId="404"/>
+          <ac:spMkLst>
+            <pc:docMk/>
+            <pc:sldMk cId="2229591171" sldId="496"/>
+            <ac:spMk id="9" creationId="{00000000-0000-0000-0000-000000000000}"/>
+          </ac:spMkLst>
+        </pc:spChg>
+      </pc:sldChg>
+      <pc:sldChg chg="modSp mod">
+        <pc:chgData name="Anatoliy Kigel" userId="7432c6c4687b0a9c" providerId="LiveId" clId="{65B31AE5-D199-445F-8D30-9AB7516F2116}" dt="2021-03-02T08:24:12.805" v="392" actId="207"/>
+        <pc:sldMkLst>
+          <pc:docMk/>
+          <pc:sldMk cId="2495425632" sldId="498"/>
+        </pc:sldMkLst>
+        <pc:spChg chg="mod">
+          <ac:chgData name="Anatoliy Kigel" userId="7432c6c4687b0a9c" providerId="LiveId" clId="{65B31AE5-D199-445F-8D30-9AB7516F2116}" dt="2021-03-02T08:24:12.805" v="392" actId="207"/>
+          <ac:spMkLst>
+            <pc:docMk/>
+            <pc:sldMk cId="2495425632" sldId="498"/>
+            <ac:spMk id="5" creationId="{00000000-0000-0000-0000-000000000000}"/>
+          </ac:spMkLst>
+        </pc:spChg>
+      </pc:sldChg>
+      <pc:sldChg chg="modSp mod">
+        <pc:chgData name="Anatoliy Kigel" userId="7432c6c4687b0a9c" providerId="LiveId" clId="{65B31AE5-D199-445F-8D30-9AB7516F2116}" dt="2021-03-02T08:23:42.157" v="387" actId="207"/>
+        <pc:sldMkLst>
+          <pc:docMk/>
+          <pc:sldMk cId="114327094" sldId="513"/>
+        </pc:sldMkLst>
+        <pc:spChg chg="mod">
+          <ac:chgData name="Anatoliy Kigel" userId="7432c6c4687b0a9c" providerId="LiveId" clId="{65B31AE5-D199-445F-8D30-9AB7516F2116}" dt="2021-03-02T08:23:42.157" v="387" actId="207"/>
+          <ac:spMkLst>
+            <pc:docMk/>
+            <pc:sldMk cId="114327094" sldId="513"/>
+            <ac:spMk id="5" creationId="{00000000-0000-0000-0000-000000000000}"/>
+          </ac:spMkLst>
+        </pc:spChg>
+      </pc:sldChg>
+      <pc:sldChg chg="modSp mod">
+        <pc:chgData name="Anatoliy Kigel" userId="7432c6c4687b0a9c" providerId="LiveId" clId="{65B31AE5-D199-445F-8D30-9AB7516F2116}" dt="2021-03-02T08:17:14.982" v="338" actId="1035"/>
+        <pc:sldMkLst>
+          <pc:docMk/>
+          <pc:sldMk cId="3111026985" sldId="524"/>
+        </pc:sldMkLst>
+        <pc:spChg chg="mod">
+          <ac:chgData name="Anatoliy Kigel" userId="7432c6c4687b0a9c" providerId="LiveId" clId="{65B31AE5-D199-445F-8D30-9AB7516F2116}" dt="2021-03-02T08:17:14.982" v="338" actId="1035"/>
+          <ac:spMkLst>
+            <pc:docMk/>
+            <pc:sldMk cId="3111026985" sldId="524"/>
+            <ac:spMk id="3" creationId="{00000000-0000-0000-0000-000000000000}"/>
+          </ac:spMkLst>
+        </pc:spChg>
+      </pc:sldChg>
+      <pc:sldChg chg="delSp mod">
+        <pc:chgData name="Anatoliy Kigel" userId="7432c6c4687b0a9c" providerId="LiveId" clId="{65B31AE5-D199-445F-8D30-9AB7516F2116}" dt="2021-03-02T08:16:44.710" v="331" actId="478"/>
+        <pc:sldMkLst>
+          <pc:docMk/>
+          <pc:sldMk cId="4023351221" sldId="527"/>
+        </pc:sldMkLst>
+        <pc:spChg chg="del">
+          <ac:chgData name="Anatoliy Kigel" userId="7432c6c4687b0a9c" providerId="LiveId" clId="{65B31AE5-D199-445F-8D30-9AB7516F2116}" dt="2021-03-02T08:16:44.710" v="331" actId="478"/>
+          <ac:spMkLst>
+            <pc:docMk/>
+            <pc:sldMk cId="4023351221" sldId="527"/>
+            <ac:spMk id="2" creationId="{00000000-0000-0000-0000-000000000000}"/>
+          </ac:spMkLst>
+        </pc:spChg>
+      </pc:sldChg>
+      <pc:sldChg chg="addSp delSp modSp mod">
+        <pc:chgData name="Anatoliy Kigel" userId="7432c6c4687b0a9c" providerId="LiveId" clId="{65B31AE5-D199-445F-8D30-9AB7516F2116}" dt="2021-03-02T08:34:54.721" v="625" actId="1076"/>
+        <pc:sldMkLst>
+          <pc:docMk/>
+          <pc:sldMk cId="1506378298" sldId="528"/>
+        </pc:sldMkLst>
+        <pc:spChg chg="mod">
+          <ac:chgData name="Anatoliy Kigel" userId="7432c6c4687b0a9c" providerId="LiveId" clId="{65B31AE5-D199-445F-8D30-9AB7516F2116}" dt="2021-03-02T08:34:34.410" v="620" actId="14100"/>
+          <ac:spMkLst>
+            <pc:docMk/>
+            <pc:sldMk cId="1506378298" sldId="528"/>
+            <ac:spMk id="2" creationId="{00000000-0000-0000-0000-000000000000}"/>
+          </ac:spMkLst>
+        </pc:spChg>
+        <pc:spChg chg="add del mod">
+          <ac:chgData name="Anatoliy Kigel" userId="7432c6c4687b0a9c" providerId="LiveId" clId="{65B31AE5-D199-445F-8D30-9AB7516F2116}" dt="2021-03-02T08:34:15.503" v="612" actId="1037"/>
+          <ac:spMkLst>
+            <pc:docMk/>
+            <pc:sldMk cId="1506378298" sldId="528"/>
+            <ac:spMk id="4" creationId="{00000000-0000-0000-0000-000000000000}"/>
+          </ac:spMkLst>
+        </pc:spChg>
+        <pc:spChg chg="mod">
+          <ac:chgData name="Anatoliy Kigel" userId="7432c6c4687b0a9c" providerId="LiveId" clId="{65B31AE5-D199-445F-8D30-9AB7516F2116}" dt="2021-03-02T08:34:49.854" v="624" actId="14100"/>
+          <ac:spMkLst>
+            <pc:docMk/>
+            <pc:sldMk cId="1506378298" sldId="528"/>
+            <ac:spMk id="5" creationId="{00000000-0000-0000-0000-000000000000}"/>
+          </ac:spMkLst>
+        </pc:spChg>
+        <pc:spChg chg="mod">
+          <ac:chgData name="Anatoliy Kigel" userId="7432c6c4687b0a9c" providerId="LiveId" clId="{65B31AE5-D199-445F-8D30-9AB7516F2116}" dt="2021-03-02T08:34:15.503" v="612" actId="1037"/>
+          <ac:spMkLst>
+            <pc:docMk/>
+            <pc:sldMk cId="1506378298" sldId="528"/>
+            <ac:spMk id="6" creationId="{00000000-0000-0000-0000-000000000000}"/>
+          </ac:spMkLst>
+        </pc:spChg>
+        <pc:spChg chg="del">
+          <ac:chgData name="Anatoliy Kigel" userId="7432c6c4687b0a9c" providerId="LiveId" clId="{65B31AE5-D199-445F-8D30-9AB7516F2116}" dt="2021-03-02T08:31:45.519" v="402" actId="478"/>
+          <ac:spMkLst>
+            <pc:docMk/>
+            <pc:sldMk cId="1506378298" sldId="528"/>
+            <ac:spMk id="7" creationId="{00000000-0000-0000-0000-000000000000}"/>
+          </ac:spMkLst>
+        </pc:spChg>
+        <pc:spChg chg="del">
+          <ac:chgData name="Anatoliy Kigel" userId="7432c6c4687b0a9c" providerId="LiveId" clId="{65B31AE5-D199-445F-8D30-9AB7516F2116}" dt="2021-03-02T08:31:42.455" v="401" actId="478"/>
+          <ac:spMkLst>
+            <pc:docMk/>
+            <pc:sldMk cId="1506378298" sldId="528"/>
+            <ac:spMk id="9" creationId="{00000000-0000-0000-0000-000000000000}"/>
+          </ac:spMkLst>
+        </pc:spChg>
+        <pc:spChg chg="add del">
+          <ac:chgData name="Anatoliy Kigel" userId="7432c6c4687b0a9c" providerId="LiveId" clId="{65B31AE5-D199-445F-8D30-9AB7516F2116}" dt="2021-03-02T08:32:32.277" v="452" actId="22"/>
+          <ac:spMkLst>
+            <pc:docMk/>
+            <pc:sldMk cId="1506378298" sldId="528"/>
+            <ac:spMk id="11" creationId="{419196FC-0A22-4FE0-9846-C56628F73EEF}"/>
+          </ac:spMkLst>
+        </pc:spChg>
+        <pc:spChg chg="add del mod">
+          <ac:chgData name="Anatoliy Kigel" userId="7432c6c4687b0a9c" providerId="LiveId" clId="{65B31AE5-D199-445F-8D30-9AB7516F2116}" dt="2021-03-02T08:34:54.721" v="625" actId="1076"/>
+          <ac:spMkLst>
+            <pc:docMk/>
+            <pc:sldMk cId="1506378298" sldId="528"/>
+            <ac:spMk id="13" creationId="{55ACA334-FFE4-4BCB-93DA-73FB6DF38681}"/>
+          </ac:spMkLst>
+        </pc:spChg>
+        <pc:picChg chg="add del mod">
+          <ac:chgData name="Anatoliy Kigel" userId="7432c6c4687b0a9c" providerId="LiveId" clId="{65B31AE5-D199-445F-8D30-9AB7516F2116}" dt="2021-03-02T08:34:54.721" v="625" actId="1076"/>
+          <ac:picMkLst>
+            <pc:docMk/>
+            <pc:sldMk cId="1506378298" sldId="528"/>
+            <ac:picMk id="12" creationId="{472C972D-1F84-41A3-B7F6-CC5CDC78C192}"/>
+          </ac:picMkLst>
+        </pc:picChg>
+        <pc:cxnChg chg="add mod">
+          <ac:chgData name="Anatoliy Kigel" userId="7432c6c4687b0a9c" providerId="LiveId" clId="{65B31AE5-D199-445F-8D30-9AB7516F2116}" dt="2021-03-02T08:34:44.950" v="623" actId="1582"/>
+          <ac:cxnSpMkLst>
+            <pc:docMk/>
+            <pc:sldMk cId="1506378298" sldId="528"/>
+            <ac:cxnSpMk id="15" creationId="{CB196E59-6280-487A-8822-B1E11CC93F53}"/>
+          </ac:cxnSpMkLst>
+        </pc:cxnChg>
+      </pc:sldChg>
+      <pc:sldChg chg="modSp mod">
+        <pc:chgData name="Anatoliy Kigel" userId="7432c6c4687b0a9c" providerId="LiveId" clId="{65B31AE5-D199-445F-8D30-9AB7516F2116}" dt="2021-03-02T08:24:07.505" v="391" actId="207"/>
+        <pc:sldMkLst>
+          <pc:docMk/>
+          <pc:sldMk cId="665538273" sldId="530"/>
+        </pc:sldMkLst>
+        <pc:spChg chg="mod">
+          <ac:chgData name="Anatoliy Kigel" userId="7432c6c4687b0a9c" providerId="LiveId" clId="{65B31AE5-D199-445F-8D30-9AB7516F2116}" dt="2021-03-02T08:24:07.505" v="391" actId="207"/>
+          <ac:spMkLst>
+            <pc:docMk/>
+            <pc:sldMk cId="665538273" sldId="530"/>
+            <ac:spMk id="5" creationId="{00000000-0000-0000-0000-000000000000}"/>
+          </ac:spMkLst>
+        </pc:spChg>
+      </pc:sldChg>
+    </pc:docChg>
+  </pc:docChgLst>
+  <pc:docChgLst>
+    <pc:chgData name="Anatoliy Kigel" userId="7432c6c4687b0a9c" providerId="LiveId" clId="{4D706A2C-F85E-42B1-8ADD-5537800B2C38}"/>
+    <pc:docChg chg="undo redo custSel addSld delSld modSld">
+      <pc:chgData name="Anatoliy Kigel" userId="7432c6c4687b0a9c" providerId="LiveId" clId="{4D706A2C-F85E-42B1-8ADD-5537800B2C38}" dt="2022-01-29T18:22:09.229" v="329" actId="47"/>
+      <pc:docMkLst>
+        <pc:docMk/>
+      </pc:docMkLst>
+      <pc:sldChg chg="add del">
+        <pc:chgData name="Anatoliy Kigel" userId="7432c6c4687b0a9c" providerId="LiveId" clId="{4D706A2C-F85E-42B1-8ADD-5537800B2C38}" dt="2022-01-24T07:33:01.235" v="89" actId="47"/>
+        <pc:sldMkLst>
+          <pc:docMk/>
+          <pc:sldMk cId="1023776530" sldId="362"/>
+        </pc:sldMkLst>
+      </pc:sldChg>
+      <pc:sldChg chg="delSp modSp add del mod">
+        <pc:chgData name="Anatoliy Kigel" userId="7432c6c4687b0a9c" providerId="LiveId" clId="{4D706A2C-F85E-42B1-8ADD-5537800B2C38}" dt="2022-01-29T18:22:09.229" v="329" actId="47"/>
+        <pc:sldMkLst>
+          <pc:docMk/>
+          <pc:sldMk cId="3522936592" sldId="387"/>
+        </pc:sldMkLst>
+        <pc:spChg chg="mod">
+          <ac:chgData name="Anatoliy Kigel" userId="7432c6c4687b0a9c" providerId="LiveId" clId="{4D706A2C-F85E-42B1-8ADD-5537800B2C38}" dt="2022-01-24T07:30:33.650" v="80" actId="1036"/>
+          <ac:spMkLst>
+            <pc:docMk/>
+            <pc:sldMk cId="3522936592" sldId="387"/>
+            <ac:spMk id="2" creationId="{00000000-0000-0000-0000-000000000000}"/>
+          </ac:spMkLst>
+        </pc:spChg>
+        <pc:spChg chg="mod">
+          <ac:chgData name="Anatoliy Kigel" userId="7432c6c4687b0a9c" providerId="LiveId" clId="{4D706A2C-F85E-42B1-8ADD-5537800B2C38}" dt="2022-01-24T07:30:33.650" v="80" actId="1036"/>
+          <ac:spMkLst>
+            <pc:docMk/>
+            <pc:sldMk cId="3522936592" sldId="387"/>
+            <ac:spMk id="3" creationId="{00000000-0000-0000-0000-000000000000}"/>
+          </ac:spMkLst>
+        </pc:spChg>
+        <pc:spChg chg="mod">
+          <ac:chgData name="Anatoliy Kigel" userId="7432c6c4687b0a9c" providerId="LiveId" clId="{4D706A2C-F85E-42B1-8ADD-5537800B2C38}" dt="2022-01-24T07:30:33.650" v="80" actId="1036"/>
+          <ac:spMkLst>
+            <pc:docMk/>
+            <pc:sldMk cId="3522936592" sldId="387"/>
+            <ac:spMk id="4" creationId="{00000000-0000-0000-0000-000000000000}"/>
+          </ac:spMkLst>
+        </pc:spChg>
+        <pc:spChg chg="mod">
+          <ac:chgData name="Anatoliy Kigel" userId="7432c6c4687b0a9c" providerId="LiveId" clId="{4D706A2C-F85E-42B1-8ADD-5537800B2C38}" dt="2022-01-24T07:30:33.650" v="80" actId="1036"/>
+          <ac:spMkLst>
+            <pc:docMk/>
+            <pc:sldMk cId="3522936592" sldId="387"/>
+            <ac:spMk id="6" creationId="{00000000-0000-0000-0000-000000000000}"/>
+          </ac:spMkLst>
+        </pc:spChg>
+        <pc:spChg chg="del">
+          <ac:chgData name="Anatoliy Kigel" userId="7432c6c4687b0a9c" providerId="LiveId" clId="{4D706A2C-F85E-42B1-8ADD-5537800B2C38}" dt="2022-01-24T07:30:06.945" v="70" actId="478"/>
+          <ac:spMkLst>
+            <pc:docMk/>
+            <pc:sldMk cId="3522936592" sldId="387"/>
+            <ac:spMk id="7" creationId="{00000000-0000-0000-0000-000000000000}"/>
+          </ac:spMkLst>
+        </pc:spChg>
+        <pc:spChg chg="mod">
+          <ac:chgData name="Anatoliy Kigel" userId="7432c6c4687b0a9c" providerId="LiveId" clId="{4D706A2C-F85E-42B1-8ADD-5537800B2C38}" dt="2022-01-24T07:30:53.732" v="86" actId="20577"/>
+          <ac:spMkLst>
+            <pc:docMk/>
+            <pc:sldMk cId="3522936592" sldId="387"/>
+            <ac:spMk id="10" creationId="{00000000-0000-0000-0000-000000000000}"/>
+          </ac:spMkLst>
+        </pc:spChg>
+        <pc:spChg chg="mod">
+          <ac:chgData name="Anatoliy Kigel" userId="7432c6c4687b0a9c" providerId="LiveId" clId="{4D706A2C-F85E-42B1-8ADD-5537800B2C38}" dt="2022-01-24T07:30:29.991" v="76" actId="1076"/>
+          <ac:spMkLst>
+            <pc:docMk/>
+            <pc:sldMk cId="3522936592" sldId="387"/>
+            <ac:spMk id="11" creationId="{00000000-0000-0000-0000-000000000000}"/>
+          </ac:spMkLst>
+        </pc:spChg>
+        <pc:spChg chg="mod">
+          <ac:chgData name="Anatoliy Kigel" userId="7432c6c4687b0a9c" providerId="LiveId" clId="{4D706A2C-F85E-42B1-8ADD-5537800B2C38}" dt="2022-01-24T07:30:33.650" v="80" actId="1036"/>
+          <ac:spMkLst>
+            <pc:docMk/>
+            <pc:sldMk cId="3522936592" sldId="387"/>
+            <ac:spMk id="12" creationId="{00000000-0000-0000-0000-000000000000}"/>
+          </ac:spMkLst>
+        </pc:spChg>
+        <pc:spChg chg="mod">
+          <ac:chgData name="Anatoliy Kigel" userId="7432c6c4687b0a9c" providerId="LiveId" clId="{4D706A2C-F85E-42B1-8ADD-5537800B2C38}" dt="2022-01-24T07:30:33.650" v="80" actId="1036"/>
+          <ac:spMkLst>
+            <pc:docMk/>
+            <pc:sldMk cId="3522936592" sldId="387"/>
+            <ac:spMk id="13" creationId="{00000000-0000-0000-0000-000000000000}"/>
+          </ac:spMkLst>
+        </pc:spChg>
+      </pc:sldChg>
+      <pc:sldChg chg="modSp mod">
+        <pc:chgData name="Anatoliy Kigel" userId="7432c6c4687b0a9c" providerId="LiveId" clId="{4D706A2C-F85E-42B1-8ADD-5537800B2C38}" dt="2022-01-29T18:20:13.593" v="278" actId="20577"/>
+        <pc:sldMkLst>
+          <pc:docMk/>
+          <pc:sldMk cId="3253847286" sldId="413"/>
+        </pc:sldMkLst>
+        <pc:spChg chg="mod">
+          <ac:chgData name="Anatoliy Kigel" userId="7432c6c4687b0a9c" providerId="LiveId" clId="{4D706A2C-F85E-42B1-8ADD-5537800B2C38}" dt="2022-01-29T18:20:13.593" v="278" actId="20577"/>
+          <ac:spMkLst>
+            <pc:docMk/>
+            <pc:sldMk cId="3253847286" sldId="413"/>
+            <ac:spMk id="5" creationId="{00000000-0000-0000-0000-000000000000}"/>
+          </ac:spMkLst>
+        </pc:spChg>
+      </pc:sldChg>
+      <pc:sldChg chg="modSp mod">
+        <pc:chgData name="Anatoliy Kigel" userId="7432c6c4687b0a9c" providerId="LiveId" clId="{4D706A2C-F85E-42B1-8ADD-5537800B2C38}" dt="2022-01-24T07:42:29.964" v="166" actId="20577"/>
+        <pc:sldMkLst>
+          <pc:docMk/>
+          <pc:sldMk cId="1306185162" sldId="422"/>
+        </pc:sldMkLst>
+        <pc:spChg chg="mod">
+          <ac:chgData name="Anatoliy Kigel" userId="7432c6c4687b0a9c" providerId="LiveId" clId="{4D706A2C-F85E-42B1-8ADD-5537800B2C38}" dt="2022-01-24T07:42:29.964" v="166" actId="20577"/>
+          <ac:spMkLst>
+            <pc:docMk/>
+            <pc:sldMk cId="1306185162" sldId="422"/>
+            <ac:spMk id="11" creationId="{00000000-0000-0000-0000-000000000000}"/>
+          </ac:spMkLst>
+        </pc:spChg>
+      </pc:sldChg>
+      <pc:sldChg chg="modSp add mod">
+        <pc:chgData name="Anatoliy Kigel" userId="7432c6c4687b0a9c" providerId="LiveId" clId="{4D706A2C-F85E-42B1-8ADD-5537800B2C38}" dt="2022-01-24T07:35:44.351" v="115" actId="20577"/>
+        <pc:sldMkLst>
+          <pc:docMk/>
+          <pc:sldMk cId="1892988636" sldId="423"/>
+        </pc:sldMkLst>
+        <pc:spChg chg="mod">
+          <ac:chgData name="Anatoliy Kigel" userId="7432c6c4687b0a9c" providerId="LiveId" clId="{4D706A2C-F85E-42B1-8ADD-5537800B2C38}" dt="2022-01-24T07:35:44.351" v="115" actId="20577"/>
+          <ac:spMkLst>
+            <pc:docMk/>
+            <pc:sldMk cId="1892988636" sldId="423"/>
+            <ac:spMk id="5" creationId="{00000000-0000-0000-0000-000000000000}"/>
+          </ac:spMkLst>
+        </pc:spChg>
+      </pc:sldChg>
+      <pc:sldChg chg="add del">
+        <pc:chgData name="Anatoliy Kigel" userId="7432c6c4687b0a9c" providerId="LiveId" clId="{4D706A2C-F85E-42B1-8ADD-5537800B2C38}" dt="2022-01-24T07:33:01.235" v="89" actId="47"/>
+        <pc:sldMkLst>
+          <pc:docMk/>
+          <pc:sldMk cId="1104923429" sldId="424"/>
+        </pc:sldMkLst>
+      </pc:sldChg>
+      <pc:sldChg chg="add">
+        <pc:chgData name="Anatoliy Kigel" userId="7432c6c4687b0a9c" providerId="LiveId" clId="{4D706A2C-F85E-42B1-8ADD-5537800B2C38}" dt="2022-01-24T07:35:38.747" v="113"/>
+        <pc:sldMkLst>
+          <pc:docMk/>
+          <pc:sldMk cId="3863989030" sldId="424"/>
+        </pc:sldMkLst>
+      </pc:sldChg>
+      <pc:sldChg chg="modSp mod">
+        <pc:chgData name="Anatoliy Kigel" userId="7432c6c4687b0a9c" providerId="LiveId" clId="{4D706A2C-F85E-42B1-8ADD-5537800B2C38}" dt="2022-01-29T18:22:02.362" v="328" actId="20577"/>
+        <pc:sldMkLst>
+          <pc:docMk/>
+          <pc:sldMk cId="236005783" sldId="425"/>
+        </pc:sldMkLst>
+        <pc:spChg chg="mod">
+          <ac:chgData name="Anatoliy Kigel" userId="7432c6c4687b0a9c" providerId="LiveId" clId="{4D706A2C-F85E-42B1-8ADD-5537800B2C38}" dt="2022-01-29T18:22:02.362" v="328" actId="20577"/>
+          <ac:spMkLst>
+            <pc:docMk/>
+            <pc:sldMk cId="236005783" sldId="425"/>
+            <ac:spMk id="5" creationId="{00000000-0000-0000-0000-000000000000}"/>
+          </ac:spMkLst>
+        </pc:spChg>
+      </pc:sldChg>
+      <pc:sldChg chg="modSp add del mod">
+        <pc:chgData name="Anatoliy Kigel" userId="7432c6c4687b0a9c" providerId="LiveId" clId="{4D706A2C-F85E-42B1-8ADD-5537800B2C38}" dt="2022-01-24T07:43:48.842" v="261" actId="47"/>
+        <pc:sldMkLst>
+          <pc:docMk/>
+          <pc:sldMk cId="1809769971" sldId="444"/>
+        </pc:sldMkLst>
+        <pc:spChg chg="mod">
+          <ac:chgData name="Anatoliy Kigel" userId="7432c6c4687b0a9c" providerId="LiveId" clId="{4D706A2C-F85E-42B1-8ADD-5537800B2C38}" dt="2022-01-24T07:43:18.899" v="259" actId="20577"/>
+          <ac:spMkLst>
+            <pc:docMk/>
+            <pc:sldMk cId="1809769971" sldId="444"/>
+            <ac:spMk id="7" creationId="{00000000-0000-0000-0000-000000000000}"/>
+          </ac:spMkLst>
+        </pc:spChg>
+      </pc:sldChg>
+      <pc:sldChg chg="modSp del mod">
+        <pc:chgData name="Anatoliy Kigel" userId="7432c6c4687b0a9c" providerId="LiveId" clId="{4D706A2C-F85E-42B1-8ADD-5537800B2C38}" dt="2022-01-24T07:43:50.784" v="262" actId="47"/>
+        <pc:sldMkLst>
+          <pc:docMk/>
+          <pc:sldMk cId="1245348439" sldId="445"/>
+        </pc:sldMkLst>
+        <pc:spChg chg="mod">
+          <ac:chgData name="Anatoliy Kigel" userId="7432c6c4687b0a9c" providerId="LiveId" clId="{4D706A2C-F85E-42B1-8ADD-5537800B2C38}" dt="2022-01-24T07:37:47.367" v="155" actId="20577"/>
+          <ac:spMkLst>
+            <pc:docMk/>
+            <pc:sldMk cId="1245348439" sldId="445"/>
+            <ac:spMk id="3" creationId="{00000000-0000-0000-0000-000000000000}"/>
+          </ac:spMkLst>
+        </pc:spChg>
+      </pc:sldChg>
+      <pc:sldChg chg="add">
+        <pc:chgData name="Anatoliy Kigel" userId="7432c6c4687b0a9c" providerId="LiveId" clId="{4D706A2C-F85E-42B1-8ADD-5537800B2C38}" dt="2022-01-24T07:36:32.081" v="127"/>
+        <pc:sldMkLst>
+          <pc:docMk/>
+          <pc:sldMk cId="4058259034" sldId="449"/>
+        </pc:sldMkLst>
+      </pc:sldChg>
+      <pc:sldChg chg="modSp mod">
+        <pc:chgData name="Anatoliy Kigel" userId="7432c6c4687b0a9c" providerId="LiveId" clId="{4D706A2C-F85E-42B1-8ADD-5537800B2C38}" dt="2022-01-24T07:35:49.299" v="117" actId="20577"/>
+        <pc:sldMkLst>
+          <pc:docMk/>
+          <pc:sldMk cId="899785685" sldId="474"/>
+        </pc:sldMkLst>
+        <pc:spChg chg="mod">
+          <ac:chgData name="Anatoliy Kigel" userId="7432c6c4687b0a9c" providerId="LiveId" clId="{4D706A2C-F85E-42B1-8ADD-5537800B2C38}" dt="2022-01-24T07:35:49.299" v="117" actId="20577"/>
+          <ac:spMkLst>
+            <pc:docMk/>
+            <pc:sldMk cId="899785685" sldId="474"/>
+            <ac:spMk id="5" creationId="{00000000-0000-0000-0000-000000000000}"/>
+          </ac:spMkLst>
+        </pc:spChg>
+      </pc:sldChg>
+      <pc:sldChg chg="modSp mod">
+        <pc:chgData name="Anatoliy Kigel" userId="7432c6c4687b0a9c" providerId="LiveId" clId="{4D706A2C-F85E-42B1-8ADD-5537800B2C38}" dt="2022-01-24T07:28:23.808" v="13" actId="1036"/>
+        <pc:sldMkLst>
+          <pc:docMk/>
+          <pc:sldMk cId="4143157552" sldId="504"/>
+        </pc:sldMkLst>
+        <pc:spChg chg="mod">
+          <ac:chgData name="Anatoliy Kigel" userId="7432c6c4687b0a9c" providerId="LiveId" clId="{4D706A2C-F85E-42B1-8ADD-5537800B2C38}" dt="2022-01-24T07:28:23.808" v="13" actId="1036"/>
+          <ac:spMkLst>
+            <pc:docMk/>
+            <pc:sldMk cId="4143157552" sldId="504"/>
+            <ac:spMk id="7" creationId="{00000000-0000-0000-0000-000000000000}"/>
+          </ac:spMkLst>
+        </pc:spChg>
+      </pc:sldChg>
+      <pc:sldChg chg="modSp mod">
+        <pc:chgData name="Anatoliy Kigel" userId="7432c6c4687b0a9c" providerId="LiveId" clId="{4D706A2C-F85E-42B1-8ADD-5537800B2C38}" dt="2022-01-29T18:21:11.392" v="324" actId="20577"/>
+        <pc:sldMkLst>
+          <pc:docMk/>
+          <pc:sldMk cId="1473843389" sldId="514"/>
+        </pc:sldMkLst>
+        <pc:spChg chg="mod">
+          <ac:chgData name="Anatoliy Kigel" userId="7432c6c4687b0a9c" providerId="LiveId" clId="{4D706A2C-F85E-42B1-8ADD-5537800B2C38}" dt="2022-01-29T18:21:05.282" v="311" actId="403"/>
+          <ac:spMkLst>
+            <pc:docMk/>
+            <pc:sldMk cId="1473843389" sldId="514"/>
+            <ac:spMk id="25" creationId="{00000000-0000-0000-0000-000000000000}"/>
+          </ac:spMkLst>
+        </pc:spChg>
+        <pc:spChg chg="mod">
+          <ac:chgData name="Anatoliy Kigel" userId="7432c6c4687b0a9c" providerId="LiveId" clId="{4D706A2C-F85E-42B1-8ADD-5537800B2C38}" dt="2022-01-29T18:21:11.392" v="324" actId="20577"/>
+          <ac:spMkLst>
+            <pc:docMk/>
+            <pc:sldMk cId="1473843389" sldId="514"/>
+            <ac:spMk id="26" creationId="{00000000-0000-0000-0000-000000000000}"/>
+          </ac:spMkLst>
+        </pc:spChg>
+      </pc:sldChg>
+      <pc:sldChg chg="del">
+        <pc:chgData name="Anatoliy Kigel" userId="7432c6c4687b0a9c" providerId="LiveId" clId="{4D706A2C-F85E-42B1-8ADD-5537800B2C38}" dt="2022-01-29T18:21:16.467" v="325" actId="47"/>
+        <pc:sldMkLst>
+          <pc:docMk/>
+          <pc:sldMk cId="2592369890" sldId="519"/>
+        </pc:sldMkLst>
+      </pc:sldChg>
+      <pc:sldChg chg="modSp mod">
+        <pc:chgData name="Anatoliy Kigel" userId="7432c6c4687b0a9c" providerId="LiveId" clId="{4D706A2C-F85E-42B1-8ADD-5537800B2C38}" dt="2022-01-24T07:34:40.119" v="112" actId="1036"/>
+        <pc:sldMkLst>
+          <pc:docMk/>
+          <pc:sldMk cId="747592639" sldId="526"/>
+        </pc:sldMkLst>
+        <pc:spChg chg="mod">
+          <ac:chgData name="Anatoliy Kigel" userId="7432c6c4687b0a9c" providerId="LiveId" clId="{4D706A2C-F85E-42B1-8ADD-5537800B2C38}" dt="2022-01-24T07:34:37.434" v="110" actId="403"/>
+          <ac:spMkLst>
+            <pc:docMk/>
+            <pc:sldMk cId="747592639" sldId="526"/>
+            <ac:spMk id="3" creationId="{00000000-0000-0000-0000-000000000000}"/>
+          </ac:spMkLst>
+        </pc:spChg>
+        <pc:spChg chg="mod">
+          <ac:chgData name="Anatoliy Kigel" userId="7432c6c4687b0a9c" providerId="LiveId" clId="{4D706A2C-F85E-42B1-8ADD-5537800B2C38}" dt="2022-01-24T07:34:33.350" v="104" actId="1036"/>
+          <ac:spMkLst>
+            <pc:docMk/>
+            <pc:sldMk cId="747592639" sldId="526"/>
+            <ac:spMk id="5" creationId="{00000000-0000-0000-0000-000000000000}"/>
+          </ac:spMkLst>
+        </pc:spChg>
+        <pc:picChg chg="mod">
+          <ac:chgData name="Anatoliy Kigel" userId="7432c6c4687b0a9c" providerId="LiveId" clId="{4D706A2C-F85E-42B1-8ADD-5537800B2C38}" dt="2022-01-24T07:34:40.119" v="112" actId="1036"/>
+          <ac:picMkLst>
+            <pc:docMk/>
+            <pc:sldMk cId="747592639" sldId="526"/>
+            <ac:picMk id="1026" creationId="{00000000-0000-0000-0000-000000000000}"/>
+          </ac:picMkLst>
+        </pc:picChg>
+      </pc:sldChg>
+      <pc:sldChg chg="modSp mod">
+        <pc:chgData name="Anatoliy Kigel" userId="7432c6c4687b0a9c" providerId="LiveId" clId="{4D706A2C-F85E-42B1-8ADD-5537800B2C38}" dt="2022-01-24T07:44:08.898" v="264" actId="1076"/>
+        <pc:sldMkLst>
+          <pc:docMk/>
+          <pc:sldMk cId="4023351221" sldId="527"/>
+        </pc:sldMkLst>
+        <pc:spChg chg="mod">
+          <ac:chgData name="Anatoliy Kigel" userId="7432c6c4687b0a9c" providerId="LiveId" clId="{4D706A2C-F85E-42B1-8ADD-5537800B2C38}" dt="2022-01-24T07:44:06.752" v="263" actId="1076"/>
+          <ac:spMkLst>
+            <pc:docMk/>
+            <pc:sldMk cId="4023351221" sldId="527"/>
+            <ac:spMk id="8" creationId="{00000000-0000-0000-0000-000000000000}"/>
+          </ac:spMkLst>
+        </pc:spChg>
+        <pc:spChg chg="mod">
+          <ac:chgData name="Anatoliy Kigel" userId="7432c6c4687b0a9c" providerId="LiveId" clId="{4D706A2C-F85E-42B1-8ADD-5537800B2C38}" dt="2022-01-24T07:44:08.898" v="264" actId="1076"/>
+          <ac:spMkLst>
+            <pc:docMk/>
+            <pc:sldMk cId="4023351221" sldId="527"/>
+            <ac:spMk id="27" creationId="{00000000-0000-0000-0000-000000000000}"/>
+          </ac:spMkLst>
+        </pc:spChg>
+        <pc:picChg chg="mod">
+          <ac:chgData name="Anatoliy Kigel" userId="7432c6c4687b0a9c" providerId="LiveId" clId="{4D706A2C-F85E-42B1-8ADD-5537800B2C38}" dt="2022-01-24T07:44:06.752" v="263" actId="1076"/>
+          <ac:picMkLst>
+            <pc:docMk/>
+            <pc:sldMk cId="4023351221" sldId="527"/>
+            <ac:picMk id="2050" creationId="{00000000-0000-0000-0000-000000000000}"/>
+          </ac:picMkLst>
+        </pc:picChg>
+      </pc:sldChg>
+      <pc:sldChg chg="modSp mod">
+        <pc:chgData name="Anatoliy Kigel" userId="7432c6c4687b0a9c" providerId="LiveId" clId="{4D706A2C-F85E-42B1-8ADD-5537800B2C38}" dt="2022-01-24T07:44:19.487" v="270" actId="1035"/>
+        <pc:sldMkLst>
+          <pc:docMk/>
+          <pc:sldMk cId="1460045381" sldId="559"/>
+        </pc:sldMkLst>
+        <pc:spChg chg="mod">
+          <ac:chgData name="Anatoliy Kigel" userId="7432c6c4687b0a9c" providerId="LiveId" clId="{4D706A2C-F85E-42B1-8ADD-5537800B2C38}" dt="2022-01-24T07:44:19.487" v="270" actId="1035"/>
+          <ac:spMkLst>
+            <pc:docMk/>
+            <pc:sldMk cId="1460045381" sldId="559"/>
+            <ac:spMk id="3" creationId="{00000000-0000-0000-0000-000000000000}"/>
+          </ac:spMkLst>
+        </pc:spChg>
+        <pc:spChg chg="mod">
+          <ac:chgData name="Anatoliy Kigel" userId="7432c6c4687b0a9c" providerId="LiveId" clId="{4D706A2C-F85E-42B1-8ADD-5537800B2C38}" dt="2022-01-24T07:37:29.255" v="151" actId="1035"/>
+          <ac:spMkLst>
+            <pc:docMk/>
+            <pc:sldMk cId="1460045381" sldId="559"/>
+            <ac:spMk id="5" creationId="{00000000-0000-0000-0000-000000000000}"/>
+          </ac:spMkLst>
+        </pc:spChg>
+      </pc:sldChg>
+      <pc:sldChg chg="del">
+        <pc:chgData name="Anatoliy Kigel" userId="7432c6c4687b0a9c" providerId="LiveId" clId="{4D706A2C-F85E-42B1-8ADD-5537800B2C38}" dt="2022-01-24T07:36:40.572" v="128" actId="47"/>
+        <pc:sldMkLst>
+          <pc:docMk/>
+          <pc:sldMk cId="81633327" sldId="564"/>
+        </pc:sldMkLst>
+      </pc:sldChg>
+      <pc:sldChg chg="modSp add del mod">
+        <pc:chgData name="Anatoliy Kigel" userId="7432c6c4687b0a9c" providerId="LiveId" clId="{4D706A2C-F85E-42B1-8ADD-5537800B2C38}" dt="2022-01-29T18:22:09.229" v="329" actId="47"/>
+        <pc:sldMkLst>
+          <pc:docMk/>
+          <pc:sldMk cId="417739081" sldId="565"/>
+        </pc:sldMkLst>
+        <pc:spChg chg="mod">
+          <ac:chgData name="Anatoliy Kigel" userId="7432c6c4687b0a9c" providerId="LiveId" clId="{4D706A2C-F85E-42B1-8ADD-5537800B2C38}" dt="2022-01-24T07:35:59.202" v="126" actId="20577"/>
+          <ac:spMkLst>
+            <pc:docMk/>
+            <pc:sldMk cId="417739081" sldId="565"/>
+            <ac:spMk id="5" creationId="{00000000-0000-0000-0000-000000000000}"/>
+          </ac:spMkLst>
+        </pc:spChg>
+      </pc:sldChg>
+      <pc:sldChg chg="add">
+        <pc:chgData name="Anatoliy Kigel" userId="7432c6c4687b0a9c" providerId="LiveId" clId="{4D706A2C-F85E-42B1-8ADD-5537800B2C38}" dt="2022-01-24T07:35:38.747" v="113"/>
+        <pc:sldMkLst>
+          <pc:docMk/>
+          <pc:sldMk cId="600371874" sldId="566"/>
         </pc:sldMkLst>
       </pc:sldChg>
     </pc:docChg>
@@ -202,92 +1680,6 @@
     </pc:docChg>
   </pc:docChgLst>
   <pc:docChgLst>
-    <pc:chgData name="Anatoliy Kigel" userId="7432c6c4687b0a9c" providerId="LiveId" clId="{2CF95A32-0F97-44A2-B483-D24C11343829}"/>
-    <pc:docChg chg="custSel modSld">
-      <pc:chgData name="Anatoliy Kigel" userId="7432c6c4687b0a9c" providerId="LiveId" clId="{2CF95A32-0F97-44A2-B483-D24C11343829}" dt="2022-09-15T07:15:30.239" v="59" actId="1036"/>
-      <pc:docMkLst>
-        <pc:docMk/>
-      </pc:docMkLst>
-      <pc:sldChg chg="modSp mod">
-        <pc:chgData name="Anatoliy Kigel" userId="7432c6c4687b0a9c" providerId="LiveId" clId="{2CF95A32-0F97-44A2-B483-D24C11343829}" dt="2022-09-15T07:14:40.278" v="14" actId="20577"/>
-        <pc:sldMkLst>
-          <pc:docMk/>
-          <pc:sldMk cId="1320399867" sldId="503"/>
-        </pc:sldMkLst>
-        <pc:spChg chg="mod">
-          <ac:chgData name="Anatoliy Kigel" userId="7432c6c4687b0a9c" providerId="LiveId" clId="{2CF95A32-0F97-44A2-B483-D24C11343829}" dt="2022-09-15T07:14:40.278" v="14" actId="20577"/>
-          <ac:spMkLst>
-            <pc:docMk/>
-            <pc:sldMk cId="1320399867" sldId="503"/>
-            <ac:spMk id="7" creationId="{00000000-0000-0000-0000-000000000000}"/>
-          </ac:spMkLst>
-        </pc:spChg>
-      </pc:sldChg>
-      <pc:sldChg chg="modSp mod">
-        <pc:chgData name="Anatoliy Kigel" userId="7432c6c4687b0a9c" providerId="LiveId" clId="{2CF95A32-0F97-44A2-B483-D24C11343829}" dt="2022-09-15T07:15:02.916" v="32" actId="20577"/>
-        <pc:sldMkLst>
-          <pc:docMk/>
-          <pc:sldMk cId="4143157552" sldId="504"/>
-        </pc:sldMkLst>
-        <pc:spChg chg="mod">
-          <ac:chgData name="Anatoliy Kigel" userId="7432c6c4687b0a9c" providerId="LiveId" clId="{2CF95A32-0F97-44A2-B483-D24C11343829}" dt="2022-09-15T07:15:02.916" v="32" actId="20577"/>
-          <ac:spMkLst>
-            <pc:docMk/>
-            <pc:sldMk cId="4143157552" sldId="504"/>
-            <ac:spMk id="7" creationId="{00000000-0000-0000-0000-000000000000}"/>
-          </ac:spMkLst>
-        </pc:spChg>
-      </pc:sldChg>
-      <pc:sldChg chg="addSp delSp modSp mod">
-        <pc:chgData name="Anatoliy Kigel" userId="7432c6c4687b0a9c" providerId="LiveId" clId="{2CF95A32-0F97-44A2-B483-D24C11343829}" dt="2022-09-15T07:15:30.239" v="59" actId="1036"/>
-        <pc:sldMkLst>
-          <pc:docMk/>
-          <pc:sldMk cId="2257415676" sldId="505"/>
-        </pc:sldMkLst>
-        <pc:spChg chg="del">
-          <ac:chgData name="Anatoliy Kigel" userId="7432c6c4687b0a9c" providerId="LiveId" clId="{2CF95A32-0F97-44A2-B483-D24C11343829}" dt="2022-09-15T07:15:09.441" v="33" actId="478"/>
-          <ac:spMkLst>
-            <pc:docMk/>
-            <pc:sldMk cId="2257415676" sldId="505"/>
-            <ac:spMk id="2" creationId="{00000000-0000-0000-0000-000000000000}"/>
-          </ac:spMkLst>
-        </pc:spChg>
-        <pc:spChg chg="add mod">
-          <ac:chgData name="Anatoliy Kigel" userId="7432c6c4687b0a9c" providerId="LiveId" clId="{2CF95A32-0F97-44A2-B483-D24C11343829}" dt="2022-09-15T07:15:30.239" v="59" actId="1036"/>
-          <ac:spMkLst>
-            <pc:docMk/>
-            <pc:sldMk cId="2257415676" sldId="505"/>
-            <ac:spMk id="4" creationId="{F92D6A71-79C3-499A-16AE-589A3ACF1374}"/>
-          </ac:spMkLst>
-        </pc:spChg>
-        <pc:spChg chg="del">
-          <ac:chgData name="Anatoliy Kigel" userId="7432c6c4687b0a9c" providerId="LiveId" clId="{2CF95A32-0F97-44A2-B483-D24C11343829}" dt="2022-09-15T07:15:21.003" v="47" actId="478"/>
-          <ac:spMkLst>
-            <pc:docMk/>
-            <pc:sldMk cId="2257415676" sldId="505"/>
-            <ac:spMk id="5" creationId="{00000000-0000-0000-0000-000000000000}"/>
-          </ac:spMkLst>
-        </pc:spChg>
-        <pc:spChg chg="del">
-          <ac:chgData name="Anatoliy Kigel" userId="7432c6c4687b0a9c" providerId="LiveId" clId="{2CF95A32-0F97-44A2-B483-D24C11343829}" dt="2022-09-15T07:15:21.969" v="48" actId="478"/>
-          <ac:spMkLst>
-            <pc:docMk/>
-            <pc:sldMk cId="2257415676" sldId="505"/>
-            <ac:spMk id="7" creationId="{00000000-0000-0000-0000-000000000000}"/>
-          </ac:spMkLst>
-        </pc:spChg>
-        <pc:spChg chg="mod">
-          <ac:chgData name="Anatoliy Kigel" userId="7432c6c4687b0a9c" providerId="LiveId" clId="{2CF95A32-0F97-44A2-B483-D24C11343829}" dt="2022-09-15T07:15:28.680" v="56" actId="1035"/>
-          <ac:spMkLst>
-            <pc:docMk/>
-            <pc:sldMk cId="2257415676" sldId="505"/>
-            <ac:spMk id="12" creationId="{00000000-0000-0000-0000-000000000000}"/>
-          </ac:spMkLst>
-        </pc:spChg>
-      </pc:sldChg>
-    </pc:docChg>
-  </pc:docChgLst>
-  <pc:docChgLst>
     <pc:chgData name="Anatoliy Kigel" userId="7432c6c4687b0a9c" providerId="LiveId" clId="{8F1FDCB9-098F-4DE3-BE15-A662176DA672}"/>
     <pc:docChg chg="undo custSel addSld delSld modSld sldOrd">
       <pc:chgData name="Anatoliy Kigel" userId="7432c6c4687b0a9c" providerId="LiveId" clId="{8F1FDCB9-098F-4DE3-BE15-A662176DA672}" dt="2021-10-20T13:39:43.338" v="198" actId="47"/>
@@ -786,1502 +2178,6 @@
     </pc:docChg>
   </pc:docChgLst>
   <pc:docChgLst>
-    <pc:chgData name="Anatoliy Kigel" userId="7432c6c4687b0a9c" providerId="LiveId" clId="{4D706A2C-F85E-42B1-8ADD-5537800B2C38}"/>
-    <pc:docChg chg="undo redo custSel addSld delSld modSld">
-      <pc:chgData name="Anatoliy Kigel" userId="7432c6c4687b0a9c" providerId="LiveId" clId="{4D706A2C-F85E-42B1-8ADD-5537800B2C38}" dt="2022-01-29T18:22:09.229" v="329" actId="47"/>
-      <pc:docMkLst>
-        <pc:docMk/>
-      </pc:docMkLst>
-      <pc:sldChg chg="add del">
-        <pc:chgData name="Anatoliy Kigel" userId="7432c6c4687b0a9c" providerId="LiveId" clId="{4D706A2C-F85E-42B1-8ADD-5537800B2C38}" dt="2022-01-24T07:33:01.235" v="89" actId="47"/>
-        <pc:sldMkLst>
-          <pc:docMk/>
-          <pc:sldMk cId="1023776530" sldId="362"/>
-        </pc:sldMkLst>
-      </pc:sldChg>
-      <pc:sldChg chg="delSp modSp add del mod">
-        <pc:chgData name="Anatoliy Kigel" userId="7432c6c4687b0a9c" providerId="LiveId" clId="{4D706A2C-F85E-42B1-8ADD-5537800B2C38}" dt="2022-01-29T18:22:09.229" v="329" actId="47"/>
-        <pc:sldMkLst>
-          <pc:docMk/>
-          <pc:sldMk cId="3522936592" sldId="387"/>
-        </pc:sldMkLst>
-        <pc:spChg chg="mod">
-          <ac:chgData name="Anatoliy Kigel" userId="7432c6c4687b0a9c" providerId="LiveId" clId="{4D706A2C-F85E-42B1-8ADD-5537800B2C38}" dt="2022-01-24T07:30:33.650" v="80" actId="1036"/>
-          <ac:spMkLst>
-            <pc:docMk/>
-            <pc:sldMk cId="3522936592" sldId="387"/>
-            <ac:spMk id="2" creationId="{00000000-0000-0000-0000-000000000000}"/>
-          </ac:spMkLst>
-        </pc:spChg>
-        <pc:spChg chg="mod">
-          <ac:chgData name="Anatoliy Kigel" userId="7432c6c4687b0a9c" providerId="LiveId" clId="{4D706A2C-F85E-42B1-8ADD-5537800B2C38}" dt="2022-01-24T07:30:33.650" v="80" actId="1036"/>
-          <ac:spMkLst>
-            <pc:docMk/>
-            <pc:sldMk cId="3522936592" sldId="387"/>
-            <ac:spMk id="3" creationId="{00000000-0000-0000-0000-000000000000}"/>
-          </ac:spMkLst>
-        </pc:spChg>
-        <pc:spChg chg="mod">
-          <ac:chgData name="Anatoliy Kigel" userId="7432c6c4687b0a9c" providerId="LiveId" clId="{4D706A2C-F85E-42B1-8ADD-5537800B2C38}" dt="2022-01-24T07:30:33.650" v="80" actId="1036"/>
-          <ac:spMkLst>
-            <pc:docMk/>
-            <pc:sldMk cId="3522936592" sldId="387"/>
-            <ac:spMk id="4" creationId="{00000000-0000-0000-0000-000000000000}"/>
-          </ac:spMkLst>
-        </pc:spChg>
-        <pc:spChg chg="mod">
-          <ac:chgData name="Anatoliy Kigel" userId="7432c6c4687b0a9c" providerId="LiveId" clId="{4D706A2C-F85E-42B1-8ADD-5537800B2C38}" dt="2022-01-24T07:30:33.650" v="80" actId="1036"/>
-          <ac:spMkLst>
-            <pc:docMk/>
-            <pc:sldMk cId="3522936592" sldId="387"/>
-            <ac:spMk id="6" creationId="{00000000-0000-0000-0000-000000000000}"/>
-          </ac:spMkLst>
-        </pc:spChg>
-        <pc:spChg chg="del">
-          <ac:chgData name="Anatoliy Kigel" userId="7432c6c4687b0a9c" providerId="LiveId" clId="{4D706A2C-F85E-42B1-8ADD-5537800B2C38}" dt="2022-01-24T07:30:06.945" v="70" actId="478"/>
-          <ac:spMkLst>
-            <pc:docMk/>
-            <pc:sldMk cId="3522936592" sldId="387"/>
-            <ac:spMk id="7" creationId="{00000000-0000-0000-0000-000000000000}"/>
-          </ac:spMkLst>
-        </pc:spChg>
-        <pc:spChg chg="mod">
-          <ac:chgData name="Anatoliy Kigel" userId="7432c6c4687b0a9c" providerId="LiveId" clId="{4D706A2C-F85E-42B1-8ADD-5537800B2C38}" dt="2022-01-24T07:30:53.732" v="86" actId="20577"/>
-          <ac:spMkLst>
-            <pc:docMk/>
-            <pc:sldMk cId="3522936592" sldId="387"/>
-            <ac:spMk id="10" creationId="{00000000-0000-0000-0000-000000000000}"/>
-          </ac:spMkLst>
-        </pc:spChg>
-        <pc:spChg chg="mod">
-          <ac:chgData name="Anatoliy Kigel" userId="7432c6c4687b0a9c" providerId="LiveId" clId="{4D706A2C-F85E-42B1-8ADD-5537800B2C38}" dt="2022-01-24T07:30:29.991" v="76" actId="1076"/>
-          <ac:spMkLst>
-            <pc:docMk/>
-            <pc:sldMk cId="3522936592" sldId="387"/>
-            <ac:spMk id="11" creationId="{00000000-0000-0000-0000-000000000000}"/>
-          </ac:spMkLst>
-        </pc:spChg>
-        <pc:spChg chg="mod">
-          <ac:chgData name="Anatoliy Kigel" userId="7432c6c4687b0a9c" providerId="LiveId" clId="{4D706A2C-F85E-42B1-8ADD-5537800B2C38}" dt="2022-01-24T07:30:33.650" v="80" actId="1036"/>
-          <ac:spMkLst>
-            <pc:docMk/>
-            <pc:sldMk cId="3522936592" sldId="387"/>
-            <ac:spMk id="12" creationId="{00000000-0000-0000-0000-000000000000}"/>
-          </ac:spMkLst>
-        </pc:spChg>
-        <pc:spChg chg="mod">
-          <ac:chgData name="Anatoliy Kigel" userId="7432c6c4687b0a9c" providerId="LiveId" clId="{4D706A2C-F85E-42B1-8ADD-5537800B2C38}" dt="2022-01-24T07:30:33.650" v="80" actId="1036"/>
-          <ac:spMkLst>
-            <pc:docMk/>
-            <pc:sldMk cId="3522936592" sldId="387"/>
-            <ac:spMk id="13" creationId="{00000000-0000-0000-0000-000000000000}"/>
-          </ac:spMkLst>
-        </pc:spChg>
-      </pc:sldChg>
-      <pc:sldChg chg="modSp mod">
-        <pc:chgData name="Anatoliy Kigel" userId="7432c6c4687b0a9c" providerId="LiveId" clId="{4D706A2C-F85E-42B1-8ADD-5537800B2C38}" dt="2022-01-29T18:20:13.593" v="278" actId="20577"/>
-        <pc:sldMkLst>
-          <pc:docMk/>
-          <pc:sldMk cId="3253847286" sldId="413"/>
-        </pc:sldMkLst>
-        <pc:spChg chg="mod">
-          <ac:chgData name="Anatoliy Kigel" userId="7432c6c4687b0a9c" providerId="LiveId" clId="{4D706A2C-F85E-42B1-8ADD-5537800B2C38}" dt="2022-01-29T18:20:13.593" v="278" actId="20577"/>
-          <ac:spMkLst>
-            <pc:docMk/>
-            <pc:sldMk cId="3253847286" sldId="413"/>
-            <ac:spMk id="5" creationId="{00000000-0000-0000-0000-000000000000}"/>
-          </ac:spMkLst>
-        </pc:spChg>
-      </pc:sldChg>
-      <pc:sldChg chg="modSp mod">
-        <pc:chgData name="Anatoliy Kigel" userId="7432c6c4687b0a9c" providerId="LiveId" clId="{4D706A2C-F85E-42B1-8ADD-5537800B2C38}" dt="2022-01-24T07:42:29.964" v="166" actId="20577"/>
-        <pc:sldMkLst>
-          <pc:docMk/>
-          <pc:sldMk cId="1306185162" sldId="422"/>
-        </pc:sldMkLst>
-        <pc:spChg chg="mod">
-          <ac:chgData name="Anatoliy Kigel" userId="7432c6c4687b0a9c" providerId="LiveId" clId="{4D706A2C-F85E-42B1-8ADD-5537800B2C38}" dt="2022-01-24T07:42:29.964" v="166" actId="20577"/>
-          <ac:spMkLst>
-            <pc:docMk/>
-            <pc:sldMk cId="1306185162" sldId="422"/>
-            <ac:spMk id="11" creationId="{00000000-0000-0000-0000-000000000000}"/>
-          </ac:spMkLst>
-        </pc:spChg>
-      </pc:sldChg>
-      <pc:sldChg chg="modSp add mod">
-        <pc:chgData name="Anatoliy Kigel" userId="7432c6c4687b0a9c" providerId="LiveId" clId="{4D706A2C-F85E-42B1-8ADD-5537800B2C38}" dt="2022-01-24T07:35:44.351" v="115" actId="20577"/>
-        <pc:sldMkLst>
-          <pc:docMk/>
-          <pc:sldMk cId="1892988636" sldId="423"/>
-        </pc:sldMkLst>
-        <pc:spChg chg="mod">
-          <ac:chgData name="Anatoliy Kigel" userId="7432c6c4687b0a9c" providerId="LiveId" clId="{4D706A2C-F85E-42B1-8ADD-5537800B2C38}" dt="2022-01-24T07:35:44.351" v="115" actId="20577"/>
-          <ac:spMkLst>
-            <pc:docMk/>
-            <pc:sldMk cId="1892988636" sldId="423"/>
-            <ac:spMk id="5" creationId="{00000000-0000-0000-0000-000000000000}"/>
-          </ac:spMkLst>
-        </pc:spChg>
-      </pc:sldChg>
-      <pc:sldChg chg="add del">
-        <pc:chgData name="Anatoliy Kigel" userId="7432c6c4687b0a9c" providerId="LiveId" clId="{4D706A2C-F85E-42B1-8ADD-5537800B2C38}" dt="2022-01-24T07:33:01.235" v="89" actId="47"/>
-        <pc:sldMkLst>
-          <pc:docMk/>
-          <pc:sldMk cId="1104923429" sldId="424"/>
-        </pc:sldMkLst>
-      </pc:sldChg>
-      <pc:sldChg chg="add">
-        <pc:chgData name="Anatoliy Kigel" userId="7432c6c4687b0a9c" providerId="LiveId" clId="{4D706A2C-F85E-42B1-8ADD-5537800B2C38}" dt="2022-01-24T07:35:38.747" v="113"/>
-        <pc:sldMkLst>
-          <pc:docMk/>
-          <pc:sldMk cId="3863989030" sldId="424"/>
-        </pc:sldMkLst>
-      </pc:sldChg>
-      <pc:sldChg chg="modSp mod">
-        <pc:chgData name="Anatoliy Kigel" userId="7432c6c4687b0a9c" providerId="LiveId" clId="{4D706A2C-F85E-42B1-8ADD-5537800B2C38}" dt="2022-01-29T18:22:02.362" v="328" actId="20577"/>
-        <pc:sldMkLst>
-          <pc:docMk/>
-          <pc:sldMk cId="236005783" sldId="425"/>
-        </pc:sldMkLst>
-        <pc:spChg chg="mod">
-          <ac:chgData name="Anatoliy Kigel" userId="7432c6c4687b0a9c" providerId="LiveId" clId="{4D706A2C-F85E-42B1-8ADD-5537800B2C38}" dt="2022-01-29T18:22:02.362" v="328" actId="20577"/>
-          <ac:spMkLst>
-            <pc:docMk/>
-            <pc:sldMk cId="236005783" sldId="425"/>
-            <ac:spMk id="5" creationId="{00000000-0000-0000-0000-000000000000}"/>
-          </ac:spMkLst>
-        </pc:spChg>
-      </pc:sldChg>
-      <pc:sldChg chg="modSp add del mod">
-        <pc:chgData name="Anatoliy Kigel" userId="7432c6c4687b0a9c" providerId="LiveId" clId="{4D706A2C-F85E-42B1-8ADD-5537800B2C38}" dt="2022-01-24T07:43:48.842" v="261" actId="47"/>
-        <pc:sldMkLst>
-          <pc:docMk/>
-          <pc:sldMk cId="1809769971" sldId="444"/>
-        </pc:sldMkLst>
-        <pc:spChg chg="mod">
-          <ac:chgData name="Anatoliy Kigel" userId="7432c6c4687b0a9c" providerId="LiveId" clId="{4D706A2C-F85E-42B1-8ADD-5537800B2C38}" dt="2022-01-24T07:43:18.899" v="259" actId="20577"/>
-          <ac:spMkLst>
-            <pc:docMk/>
-            <pc:sldMk cId="1809769971" sldId="444"/>
-            <ac:spMk id="7" creationId="{00000000-0000-0000-0000-000000000000}"/>
-          </ac:spMkLst>
-        </pc:spChg>
-      </pc:sldChg>
-      <pc:sldChg chg="modSp del mod">
-        <pc:chgData name="Anatoliy Kigel" userId="7432c6c4687b0a9c" providerId="LiveId" clId="{4D706A2C-F85E-42B1-8ADD-5537800B2C38}" dt="2022-01-24T07:43:50.784" v="262" actId="47"/>
-        <pc:sldMkLst>
-          <pc:docMk/>
-          <pc:sldMk cId="1245348439" sldId="445"/>
-        </pc:sldMkLst>
-        <pc:spChg chg="mod">
-          <ac:chgData name="Anatoliy Kigel" userId="7432c6c4687b0a9c" providerId="LiveId" clId="{4D706A2C-F85E-42B1-8ADD-5537800B2C38}" dt="2022-01-24T07:37:47.367" v="155" actId="20577"/>
-          <ac:spMkLst>
-            <pc:docMk/>
-            <pc:sldMk cId="1245348439" sldId="445"/>
-            <ac:spMk id="3" creationId="{00000000-0000-0000-0000-000000000000}"/>
-          </ac:spMkLst>
-        </pc:spChg>
-      </pc:sldChg>
-      <pc:sldChg chg="add">
-        <pc:chgData name="Anatoliy Kigel" userId="7432c6c4687b0a9c" providerId="LiveId" clId="{4D706A2C-F85E-42B1-8ADD-5537800B2C38}" dt="2022-01-24T07:36:32.081" v="127"/>
-        <pc:sldMkLst>
-          <pc:docMk/>
-          <pc:sldMk cId="4058259034" sldId="449"/>
-        </pc:sldMkLst>
-      </pc:sldChg>
-      <pc:sldChg chg="modSp mod">
-        <pc:chgData name="Anatoliy Kigel" userId="7432c6c4687b0a9c" providerId="LiveId" clId="{4D706A2C-F85E-42B1-8ADD-5537800B2C38}" dt="2022-01-24T07:35:49.299" v="117" actId="20577"/>
-        <pc:sldMkLst>
-          <pc:docMk/>
-          <pc:sldMk cId="899785685" sldId="474"/>
-        </pc:sldMkLst>
-        <pc:spChg chg="mod">
-          <ac:chgData name="Anatoliy Kigel" userId="7432c6c4687b0a9c" providerId="LiveId" clId="{4D706A2C-F85E-42B1-8ADD-5537800B2C38}" dt="2022-01-24T07:35:49.299" v="117" actId="20577"/>
-          <ac:spMkLst>
-            <pc:docMk/>
-            <pc:sldMk cId="899785685" sldId="474"/>
-            <ac:spMk id="5" creationId="{00000000-0000-0000-0000-000000000000}"/>
-          </ac:spMkLst>
-        </pc:spChg>
-      </pc:sldChg>
-      <pc:sldChg chg="modSp mod">
-        <pc:chgData name="Anatoliy Kigel" userId="7432c6c4687b0a9c" providerId="LiveId" clId="{4D706A2C-F85E-42B1-8ADD-5537800B2C38}" dt="2022-01-24T07:28:23.808" v="13" actId="1036"/>
-        <pc:sldMkLst>
-          <pc:docMk/>
-          <pc:sldMk cId="4143157552" sldId="504"/>
-        </pc:sldMkLst>
-        <pc:spChg chg="mod">
-          <ac:chgData name="Anatoliy Kigel" userId="7432c6c4687b0a9c" providerId="LiveId" clId="{4D706A2C-F85E-42B1-8ADD-5537800B2C38}" dt="2022-01-24T07:28:23.808" v="13" actId="1036"/>
-          <ac:spMkLst>
-            <pc:docMk/>
-            <pc:sldMk cId="4143157552" sldId="504"/>
-            <ac:spMk id="7" creationId="{00000000-0000-0000-0000-000000000000}"/>
-          </ac:spMkLst>
-        </pc:spChg>
-      </pc:sldChg>
-      <pc:sldChg chg="modSp mod">
-        <pc:chgData name="Anatoliy Kigel" userId="7432c6c4687b0a9c" providerId="LiveId" clId="{4D706A2C-F85E-42B1-8ADD-5537800B2C38}" dt="2022-01-29T18:21:11.392" v="324" actId="20577"/>
-        <pc:sldMkLst>
-          <pc:docMk/>
-          <pc:sldMk cId="1473843389" sldId="514"/>
-        </pc:sldMkLst>
-        <pc:spChg chg="mod">
-          <ac:chgData name="Anatoliy Kigel" userId="7432c6c4687b0a9c" providerId="LiveId" clId="{4D706A2C-F85E-42B1-8ADD-5537800B2C38}" dt="2022-01-29T18:21:05.282" v="311" actId="403"/>
-          <ac:spMkLst>
-            <pc:docMk/>
-            <pc:sldMk cId="1473843389" sldId="514"/>
-            <ac:spMk id="25" creationId="{00000000-0000-0000-0000-000000000000}"/>
-          </ac:spMkLst>
-        </pc:spChg>
-        <pc:spChg chg="mod">
-          <ac:chgData name="Anatoliy Kigel" userId="7432c6c4687b0a9c" providerId="LiveId" clId="{4D706A2C-F85E-42B1-8ADD-5537800B2C38}" dt="2022-01-29T18:21:11.392" v="324" actId="20577"/>
-          <ac:spMkLst>
-            <pc:docMk/>
-            <pc:sldMk cId="1473843389" sldId="514"/>
-            <ac:spMk id="26" creationId="{00000000-0000-0000-0000-000000000000}"/>
-          </ac:spMkLst>
-        </pc:spChg>
-      </pc:sldChg>
-      <pc:sldChg chg="del">
-        <pc:chgData name="Anatoliy Kigel" userId="7432c6c4687b0a9c" providerId="LiveId" clId="{4D706A2C-F85E-42B1-8ADD-5537800B2C38}" dt="2022-01-29T18:21:16.467" v="325" actId="47"/>
-        <pc:sldMkLst>
-          <pc:docMk/>
-          <pc:sldMk cId="2592369890" sldId="519"/>
-        </pc:sldMkLst>
-      </pc:sldChg>
-      <pc:sldChg chg="modSp mod">
-        <pc:chgData name="Anatoliy Kigel" userId="7432c6c4687b0a9c" providerId="LiveId" clId="{4D706A2C-F85E-42B1-8ADD-5537800B2C38}" dt="2022-01-24T07:34:40.119" v="112" actId="1036"/>
-        <pc:sldMkLst>
-          <pc:docMk/>
-          <pc:sldMk cId="747592639" sldId="526"/>
-        </pc:sldMkLst>
-        <pc:spChg chg="mod">
-          <ac:chgData name="Anatoliy Kigel" userId="7432c6c4687b0a9c" providerId="LiveId" clId="{4D706A2C-F85E-42B1-8ADD-5537800B2C38}" dt="2022-01-24T07:34:37.434" v="110" actId="403"/>
-          <ac:spMkLst>
-            <pc:docMk/>
-            <pc:sldMk cId="747592639" sldId="526"/>
-            <ac:spMk id="3" creationId="{00000000-0000-0000-0000-000000000000}"/>
-          </ac:spMkLst>
-        </pc:spChg>
-        <pc:spChg chg="mod">
-          <ac:chgData name="Anatoliy Kigel" userId="7432c6c4687b0a9c" providerId="LiveId" clId="{4D706A2C-F85E-42B1-8ADD-5537800B2C38}" dt="2022-01-24T07:34:33.350" v="104" actId="1036"/>
-          <ac:spMkLst>
-            <pc:docMk/>
-            <pc:sldMk cId="747592639" sldId="526"/>
-            <ac:spMk id="5" creationId="{00000000-0000-0000-0000-000000000000}"/>
-          </ac:spMkLst>
-        </pc:spChg>
-        <pc:picChg chg="mod">
-          <ac:chgData name="Anatoliy Kigel" userId="7432c6c4687b0a9c" providerId="LiveId" clId="{4D706A2C-F85E-42B1-8ADD-5537800B2C38}" dt="2022-01-24T07:34:40.119" v="112" actId="1036"/>
-          <ac:picMkLst>
-            <pc:docMk/>
-            <pc:sldMk cId="747592639" sldId="526"/>
-            <ac:picMk id="1026" creationId="{00000000-0000-0000-0000-000000000000}"/>
-          </ac:picMkLst>
-        </pc:picChg>
-      </pc:sldChg>
-      <pc:sldChg chg="modSp mod">
-        <pc:chgData name="Anatoliy Kigel" userId="7432c6c4687b0a9c" providerId="LiveId" clId="{4D706A2C-F85E-42B1-8ADD-5537800B2C38}" dt="2022-01-24T07:44:08.898" v="264" actId="1076"/>
-        <pc:sldMkLst>
-          <pc:docMk/>
-          <pc:sldMk cId="4023351221" sldId="527"/>
-        </pc:sldMkLst>
-        <pc:spChg chg="mod">
-          <ac:chgData name="Anatoliy Kigel" userId="7432c6c4687b0a9c" providerId="LiveId" clId="{4D706A2C-F85E-42B1-8ADD-5537800B2C38}" dt="2022-01-24T07:44:06.752" v="263" actId="1076"/>
-          <ac:spMkLst>
-            <pc:docMk/>
-            <pc:sldMk cId="4023351221" sldId="527"/>
-            <ac:spMk id="8" creationId="{00000000-0000-0000-0000-000000000000}"/>
-          </ac:spMkLst>
-        </pc:spChg>
-        <pc:spChg chg="mod">
-          <ac:chgData name="Anatoliy Kigel" userId="7432c6c4687b0a9c" providerId="LiveId" clId="{4D706A2C-F85E-42B1-8ADD-5537800B2C38}" dt="2022-01-24T07:44:08.898" v="264" actId="1076"/>
-          <ac:spMkLst>
-            <pc:docMk/>
-            <pc:sldMk cId="4023351221" sldId="527"/>
-            <ac:spMk id="27" creationId="{00000000-0000-0000-0000-000000000000}"/>
-          </ac:spMkLst>
-        </pc:spChg>
-        <pc:picChg chg="mod">
-          <ac:chgData name="Anatoliy Kigel" userId="7432c6c4687b0a9c" providerId="LiveId" clId="{4D706A2C-F85E-42B1-8ADD-5537800B2C38}" dt="2022-01-24T07:44:06.752" v="263" actId="1076"/>
-          <ac:picMkLst>
-            <pc:docMk/>
-            <pc:sldMk cId="4023351221" sldId="527"/>
-            <ac:picMk id="2050" creationId="{00000000-0000-0000-0000-000000000000}"/>
-          </ac:picMkLst>
-        </pc:picChg>
-      </pc:sldChg>
-      <pc:sldChg chg="modSp mod">
-        <pc:chgData name="Anatoliy Kigel" userId="7432c6c4687b0a9c" providerId="LiveId" clId="{4D706A2C-F85E-42B1-8ADD-5537800B2C38}" dt="2022-01-24T07:44:19.487" v="270" actId="1035"/>
-        <pc:sldMkLst>
-          <pc:docMk/>
-          <pc:sldMk cId="1460045381" sldId="559"/>
-        </pc:sldMkLst>
-        <pc:spChg chg="mod">
-          <ac:chgData name="Anatoliy Kigel" userId="7432c6c4687b0a9c" providerId="LiveId" clId="{4D706A2C-F85E-42B1-8ADD-5537800B2C38}" dt="2022-01-24T07:44:19.487" v="270" actId="1035"/>
-          <ac:spMkLst>
-            <pc:docMk/>
-            <pc:sldMk cId="1460045381" sldId="559"/>
-            <ac:spMk id="3" creationId="{00000000-0000-0000-0000-000000000000}"/>
-          </ac:spMkLst>
-        </pc:spChg>
-        <pc:spChg chg="mod">
-          <ac:chgData name="Anatoliy Kigel" userId="7432c6c4687b0a9c" providerId="LiveId" clId="{4D706A2C-F85E-42B1-8ADD-5537800B2C38}" dt="2022-01-24T07:37:29.255" v="151" actId="1035"/>
-          <ac:spMkLst>
-            <pc:docMk/>
-            <pc:sldMk cId="1460045381" sldId="559"/>
-            <ac:spMk id="5" creationId="{00000000-0000-0000-0000-000000000000}"/>
-          </ac:spMkLst>
-        </pc:spChg>
-      </pc:sldChg>
-      <pc:sldChg chg="del">
-        <pc:chgData name="Anatoliy Kigel" userId="7432c6c4687b0a9c" providerId="LiveId" clId="{4D706A2C-F85E-42B1-8ADD-5537800B2C38}" dt="2022-01-24T07:36:40.572" v="128" actId="47"/>
-        <pc:sldMkLst>
-          <pc:docMk/>
-          <pc:sldMk cId="81633327" sldId="564"/>
-        </pc:sldMkLst>
-      </pc:sldChg>
-      <pc:sldChg chg="modSp add del mod">
-        <pc:chgData name="Anatoliy Kigel" userId="7432c6c4687b0a9c" providerId="LiveId" clId="{4D706A2C-F85E-42B1-8ADD-5537800B2C38}" dt="2022-01-29T18:22:09.229" v="329" actId="47"/>
-        <pc:sldMkLst>
-          <pc:docMk/>
-          <pc:sldMk cId="417739081" sldId="565"/>
-        </pc:sldMkLst>
-        <pc:spChg chg="mod">
-          <ac:chgData name="Anatoliy Kigel" userId="7432c6c4687b0a9c" providerId="LiveId" clId="{4D706A2C-F85E-42B1-8ADD-5537800B2C38}" dt="2022-01-24T07:35:59.202" v="126" actId="20577"/>
-          <ac:spMkLst>
-            <pc:docMk/>
-            <pc:sldMk cId="417739081" sldId="565"/>
-            <ac:spMk id="5" creationId="{00000000-0000-0000-0000-000000000000}"/>
-          </ac:spMkLst>
-        </pc:spChg>
-      </pc:sldChg>
-      <pc:sldChg chg="add">
-        <pc:chgData name="Anatoliy Kigel" userId="7432c6c4687b0a9c" providerId="LiveId" clId="{4D706A2C-F85E-42B1-8ADD-5537800B2C38}" dt="2022-01-24T07:35:38.747" v="113"/>
-        <pc:sldMkLst>
-          <pc:docMk/>
-          <pc:sldMk cId="600371874" sldId="566"/>
-        </pc:sldMkLst>
-      </pc:sldChg>
-    </pc:docChg>
-  </pc:docChgLst>
-  <pc:docChgLst>
-    <pc:chgData name="Anatoliy Kigel" userId="7432c6c4687b0a9c" providerId="LiveId" clId="{905722A7-4D61-422B-8DD7-87BCBD5319E9}"/>
-    <pc:docChg chg="undo custSel addSld delSld modSld sldOrd">
-      <pc:chgData name="Anatoliy Kigel" userId="7432c6c4687b0a9c" providerId="LiveId" clId="{905722A7-4D61-422B-8DD7-87BCBD5319E9}" dt="2023-05-28T09:16:55.735" v="101" actId="20577"/>
-      <pc:docMkLst>
-        <pc:docMk/>
-      </pc:docMkLst>
-      <pc:sldChg chg="del">
-        <pc:chgData name="Anatoliy Kigel" userId="7432c6c4687b0a9c" providerId="LiveId" clId="{905722A7-4D61-422B-8DD7-87BCBD5319E9}" dt="2023-05-28T09:00:47.994" v="16" actId="47"/>
-        <pc:sldMkLst>
-          <pc:docMk/>
-          <pc:sldMk cId="0" sldId="341"/>
-        </pc:sldMkLst>
-      </pc:sldChg>
-      <pc:sldChg chg="del">
-        <pc:chgData name="Anatoliy Kigel" userId="7432c6c4687b0a9c" providerId="LiveId" clId="{905722A7-4D61-422B-8DD7-87BCBD5319E9}" dt="2023-05-28T09:00:47.994" v="16" actId="47"/>
-        <pc:sldMkLst>
-          <pc:docMk/>
-          <pc:sldMk cId="0" sldId="345"/>
-        </pc:sldMkLst>
-      </pc:sldChg>
-      <pc:sldChg chg="del">
-        <pc:chgData name="Anatoliy Kigel" userId="7432c6c4687b0a9c" providerId="LiveId" clId="{905722A7-4D61-422B-8DD7-87BCBD5319E9}" dt="2023-05-28T09:00:47.994" v="16" actId="47"/>
-        <pc:sldMkLst>
-          <pc:docMk/>
-          <pc:sldMk cId="0" sldId="346"/>
-        </pc:sldMkLst>
-      </pc:sldChg>
-      <pc:sldChg chg="del">
-        <pc:chgData name="Anatoliy Kigel" userId="7432c6c4687b0a9c" providerId="LiveId" clId="{905722A7-4D61-422B-8DD7-87BCBD5319E9}" dt="2023-05-28T09:00:47.994" v="16" actId="47"/>
-        <pc:sldMkLst>
-          <pc:docMk/>
-          <pc:sldMk cId="0" sldId="353"/>
-        </pc:sldMkLst>
-      </pc:sldChg>
-      <pc:sldChg chg="del">
-        <pc:chgData name="Anatoliy Kigel" userId="7432c6c4687b0a9c" providerId="LiveId" clId="{905722A7-4D61-422B-8DD7-87BCBD5319E9}" dt="2023-05-28T09:00:47.994" v="16" actId="47"/>
-        <pc:sldMkLst>
-          <pc:docMk/>
-          <pc:sldMk cId="0" sldId="355"/>
-        </pc:sldMkLst>
-      </pc:sldChg>
-      <pc:sldChg chg="del">
-        <pc:chgData name="Anatoliy Kigel" userId="7432c6c4687b0a9c" providerId="LiveId" clId="{905722A7-4D61-422B-8DD7-87BCBD5319E9}" dt="2023-05-28T09:00:47.994" v="16" actId="47"/>
-        <pc:sldMkLst>
-          <pc:docMk/>
-          <pc:sldMk cId="0" sldId="356"/>
-        </pc:sldMkLst>
-      </pc:sldChg>
-      <pc:sldChg chg="del">
-        <pc:chgData name="Anatoliy Kigel" userId="7432c6c4687b0a9c" providerId="LiveId" clId="{905722A7-4D61-422B-8DD7-87BCBD5319E9}" dt="2023-05-28T09:00:47.994" v="16" actId="47"/>
-        <pc:sldMkLst>
-          <pc:docMk/>
-          <pc:sldMk cId="0" sldId="357"/>
-        </pc:sldMkLst>
-      </pc:sldChg>
-      <pc:sldChg chg="addSp delSp modSp add mod">
-        <pc:chgData name="Anatoliy Kigel" userId="7432c6c4687b0a9c" providerId="LiveId" clId="{905722A7-4D61-422B-8DD7-87BCBD5319E9}" dt="2023-05-28T09:13:38.133" v="95" actId="1035"/>
-        <pc:sldMkLst>
-          <pc:docMk/>
-          <pc:sldMk cId="1969206996" sldId="375"/>
-        </pc:sldMkLst>
-        <pc:spChg chg="del">
-          <ac:chgData name="Anatoliy Kigel" userId="7432c6c4687b0a9c" providerId="LiveId" clId="{905722A7-4D61-422B-8DD7-87BCBD5319E9}" dt="2023-05-28T09:13:18.128" v="81" actId="478"/>
-          <ac:spMkLst>
-            <pc:docMk/>
-            <pc:sldMk cId="1969206996" sldId="375"/>
-            <ac:spMk id="2" creationId="{00000000-0000-0000-0000-000000000000}"/>
-          </ac:spMkLst>
-        </pc:spChg>
-        <pc:spChg chg="add del mod">
-          <ac:chgData name="Anatoliy Kigel" userId="7432c6c4687b0a9c" providerId="LiveId" clId="{905722A7-4D61-422B-8DD7-87BCBD5319E9}" dt="2023-05-28T09:12:30.905" v="54" actId="478"/>
-          <ac:spMkLst>
-            <pc:docMk/>
-            <pc:sldMk cId="1969206996" sldId="375"/>
-            <ac:spMk id="4" creationId="{2B47DAB7-A8B5-C584-EE16-8535A433B309}"/>
-          </ac:spMkLst>
-        </pc:spChg>
-        <pc:spChg chg="add del mod">
-          <ac:chgData name="Anatoliy Kigel" userId="7432c6c4687b0a9c" providerId="LiveId" clId="{905722A7-4D61-422B-8DD7-87BCBD5319E9}" dt="2023-05-28T09:12:44.924" v="73" actId="14100"/>
-          <ac:spMkLst>
-            <pc:docMk/>
-            <pc:sldMk cId="1969206996" sldId="375"/>
-            <ac:spMk id="5" creationId="{00000000-0000-0000-0000-000000000000}"/>
-          </ac:spMkLst>
-        </pc:spChg>
-        <pc:spChg chg="mod">
-          <ac:chgData name="Anatoliy Kigel" userId="7432c6c4687b0a9c" providerId="LiveId" clId="{905722A7-4D61-422B-8DD7-87BCBD5319E9}" dt="2023-05-28T09:13:03.321" v="77" actId="113"/>
-          <ac:spMkLst>
-            <pc:docMk/>
-            <pc:sldMk cId="1969206996" sldId="375"/>
-            <ac:spMk id="8" creationId="{00000000-0000-0000-0000-000000000000}"/>
-          </ac:spMkLst>
-        </pc:spChg>
-        <pc:spChg chg="mod">
-          <ac:chgData name="Anatoliy Kigel" userId="7432c6c4687b0a9c" providerId="LiveId" clId="{905722A7-4D61-422B-8DD7-87BCBD5319E9}" dt="2023-05-28T09:13:19.695" v="87" actId="1036"/>
-          <ac:spMkLst>
-            <pc:docMk/>
-            <pc:sldMk cId="1969206996" sldId="375"/>
-            <ac:spMk id="9" creationId="{00000000-0000-0000-0000-000000000000}"/>
-          </ac:spMkLst>
-        </pc:spChg>
-        <pc:spChg chg="mod">
-          <ac:chgData name="Anatoliy Kigel" userId="7432c6c4687b0a9c" providerId="LiveId" clId="{905722A7-4D61-422B-8DD7-87BCBD5319E9}" dt="2023-05-28T09:13:38.133" v="95" actId="1035"/>
-          <ac:spMkLst>
-            <pc:docMk/>
-            <pc:sldMk cId="1969206996" sldId="375"/>
-            <ac:spMk id="15" creationId="{00000000-0000-0000-0000-000000000000}"/>
-          </ac:spMkLst>
-        </pc:spChg>
-      </pc:sldChg>
-      <pc:sldChg chg="del">
-        <pc:chgData name="Anatoliy Kigel" userId="7432c6c4687b0a9c" providerId="LiveId" clId="{905722A7-4D61-422B-8DD7-87BCBD5319E9}" dt="2023-05-28T09:00:47.994" v="16" actId="47"/>
-        <pc:sldMkLst>
-          <pc:docMk/>
-          <pc:sldMk cId="3313378822" sldId="376"/>
-        </pc:sldMkLst>
-      </pc:sldChg>
-      <pc:sldChg chg="del">
-        <pc:chgData name="Anatoliy Kigel" userId="7432c6c4687b0a9c" providerId="LiveId" clId="{905722A7-4D61-422B-8DD7-87BCBD5319E9}" dt="2023-05-28T09:01:26.903" v="36" actId="47"/>
-        <pc:sldMkLst>
-          <pc:docMk/>
-          <pc:sldMk cId="1329061896" sldId="396"/>
-        </pc:sldMkLst>
-      </pc:sldChg>
-      <pc:sldChg chg="del">
-        <pc:chgData name="Anatoliy Kigel" userId="7432c6c4687b0a9c" providerId="LiveId" clId="{905722A7-4D61-422B-8DD7-87BCBD5319E9}" dt="2023-05-28T09:01:26.903" v="36" actId="47"/>
-        <pc:sldMkLst>
-          <pc:docMk/>
-          <pc:sldMk cId="653578417" sldId="397"/>
-        </pc:sldMkLst>
-      </pc:sldChg>
-      <pc:sldChg chg="del">
-        <pc:chgData name="Anatoliy Kigel" userId="7432c6c4687b0a9c" providerId="LiveId" clId="{905722A7-4D61-422B-8DD7-87BCBD5319E9}" dt="2023-05-28T09:01:59.057" v="39" actId="47"/>
-        <pc:sldMkLst>
-          <pc:docMk/>
-          <pc:sldMk cId="359246607" sldId="408"/>
-        </pc:sldMkLst>
-      </pc:sldChg>
-      <pc:sldChg chg="del">
-        <pc:chgData name="Anatoliy Kigel" userId="7432c6c4687b0a9c" providerId="LiveId" clId="{905722A7-4D61-422B-8DD7-87BCBD5319E9}" dt="2023-05-28T09:00:47.994" v="16" actId="47"/>
-        <pc:sldMkLst>
-          <pc:docMk/>
-          <pc:sldMk cId="3253847286" sldId="413"/>
-        </pc:sldMkLst>
-      </pc:sldChg>
-      <pc:sldChg chg="del">
-        <pc:chgData name="Anatoliy Kigel" userId="7432c6c4687b0a9c" providerId="LiveId" clId="{905722A7-4D61-422B-8DD7-87BCBD5319E9}" dt="2023-05-28T09:01:59.057" v="39" actId="47"/>
-        <pc:sldMkLst>
-          <pc:docMk/>
-          <pc:sldMk cId="1306185162" sldId="422"/>
-        </pc:sldMkLst>
-      </pc:sldChg>
-      <pc:sldChg chg="modSp mod">
-        <pc:chgData name="Anatoliy Kigel" userId="7432c6c4687b0a9c" providerId="LiveId" clId="{905722A7-4D61-422B-8DD7-87BCBD5319E9}" dt="2023-05-28T09:01:46.501" v="38" actId="20577"/>
-        <pc:sldMkLst>
-          <pc:docMk/>
-          <pc:sldMk cId="1892988636" sldId="423"/>
-        </pc:sldMkLst>
-        <pc:spChg chg="mod">
-          <ac:chgData name="Anatoliy Kigel" userId="7432c6c4687b0a9c" providerId="LiveId" clId="{905722A7-4D61-422B-8DD7-87BCBD5319E9}" dt="2023-05-28T09:01:46.501" v="38" actId="20577"/>
-          <ac:spMkLst>
-            <pc:docMk/>
-            <pc:sldMk cId="1892988636" sldId="423"/>
-            <ac:spMk id="5" creationId="{00000000-0000-0000-0000-000000000000}"/>
-          </ac:spMkLst>
-        </pc:spChg>
-      </pc:sldChg>
-      <pc:sldChg chg="modSp mod">
-        <pc:chgData name="Anatoliy Kigel" userId="7432c6c4687b0a9c" providerId="LiveId" clId="{905722A7-4D61-422B-8DD7-87BCBD5319E9}" dt="2023-05-28T09:16:55.735" v="101" actId="20577"/>
-        <pc:sldMkLst>
-          <pc:docMk/>
-          <pc:sldMk cId="236005783" sldId="425"/>
-        </pc:sldMkLst>
-        <pc:spChg chg="mod">
-          <ac:chgData name="Anatoliy Kigel" userId="7432c6c4687b0a9c" providerId="LiveId" clId="{905722A7-4D61-422B-8DD7-87BCBD5319E9}" dt="2023-05-28T09:16:55.735" v="101" actId="20577"/>
-          <ac:spMkLst>
-            <pc:docMk/>
-            <pc:sldMk cId="236005783" sldId="425"/>
-            <ac:spMk id="5" creationId="{00000000-0000-0000-0000-000000000000}"/>
-          </ac:spMkLst>
-        </pc:spChg>
-      </pc:sldChg>
-      <pc:sldChg chg="del">
-        <pc:chgData name="Anatoliy Kigel" userId="7432c6c4687b0a9c" providerId="LiveId" clId="{905722A7-4D61-422B-8DD7-87BCBD5319E9}" dt="2023-05-28T09:02:10.472" v="40" actId="47"/>
-        <pc:sldMkLst>
-          <pc:docMk/>
-          <pc:sldMk cId="1809769971" sldId="444"/>
-        </pc:sldMkLst>
-      </pc:sldChg>
-      <pc:sldChg chg="del">
-        <pc:chgData name="Anatoliy Kigel" userId="7432c6c4687b0a9c" providerId="LiveId" clId="{905722A7-4D61-422B-8DD7-87BCBD5319E9}" dt="2023-05-28T09:00:47.994" v="16" actId="47"/>
-        <pc:sldMkLst>
-          <pc:docMk/>
-          <pc:sldMk cId="1990921513" sldId="460"/>
-        </pc:sldMkLst>
-      </pc:sldChg>
-      <pc:sldChg chg="modSp add mod">
-        <pc:chgData name="Anatoliy Kigel" userId="7432c6c4687b0a9c" providerId="LiveId" clId="{905722A7-4D61-422B-8DD7-87BCBD5319E9}" dt="2023-05-28T09:16:50.739" v="100" actId="20577"/>
-        <pc:sldMkLst>
-          <pc:docMk/>
-          <pc:sldMk cId="899785685" sldId="474"/>
-        </pc:sldMkLst>
-        <pc:spChg chg="mod">
-          <ac:chgData name="Anatoliy Kigel" userId="7432c6c4687b0a9c" providerId="LiveId" clId="{905722A7-4D61-422B-8DD7-87BCBD5319E9}" dt="2023-05-28T09:16:50.739" v="100" actId="20577"/>
-          <ac:spMkLst>
-            <pc:docMk/>
-            <pc:sldMk cId="899785685" sldId="474"/>
-            <ac:spMk id="5" creationId="{00000000-0000-0000-0000-000000000000}"/>
-          </ac:spMkLst>
-        </pc:spChg>
-      </pc:sldChg>
-      <pc:sldChg chg="add">
-        <pc:chgData name="Anatoliy Kigel" userId="7432c6c4687b0a9c" providerId="LiveId" clId="{905722A7-4D61-422B-8DD7-87BCBD5319E9}" dt="2023-05-28T09:04:47.758" v="50"/>
-        <pc:sldMkLst>
-          <pc:docMk/>
-          <pc:sldMk cId="2765944910" sldId="475"/>
-        </pc:sldMkLst>
-      </pc:sldChg>
-      <pc:sldChg chg="add">
-        <pc:chgData name="Anatoliy Kigel" userId="7432c6c4687b0a9c" providerId="LiveId" clId="{905722A7-4D61-422B-8DD7-87BCBD5319E9}" dt="2023-05-28T09:04:47.758" v="50"/>
-        <pc:sldMkLst>
-          <pc:docMk/>
-          <pc:sldMk cId="316371881" sldId="476"/>
-        </pc:sldMkLst>
-      </pc:sldChg>
-      <pc:sldChg chg="modSp mod">
-        <pc:chgData name="Anatoliy Kigel" userId="7432c6c4687b0a9c" providerId="LiveId" clId="{905722A7-4D61-422B-8DD7-87BCBD5319E9}" dt="2023-05-28T08:59:29.122" v="15" actId="20577"/>
-        <pc:sldMkLst>
-          <pc:docMk/>
-          <pc:sldMk cId="2229591171" sldId="496"/>
-        </pc:sldMkLst>
-        <pc:spChg chg="mod">
-          <ac:chgData name="Anatoliy Kigel" userId="7432c6c4687b0a9c" providerId="LiveId" clId="{905722A7-4D61-422B-8DD7-87BCBD5319E9}" dt="2023-05-28T08:59:29.122" v="15" actId="20577"/>
-          <ac:spMkLst>
-            <pc:docMk/>
-            <pc:sldMk cId="2229591171" sldId="496"/>
-            <ac:spMk id="9" creationId="{00000000-0000-0000-0000-000000000000}"/>
-          </ac:spMkLst>
-        </pc:spChg>
-      </pc:sldChg>
-      <pc:sldChg chg="del">
-        <pc:chgData name="Anatoliy Kigel" userId="7432c6c4687b0a9c" providerId="LiveId" clId="{905722A7-4D61-422B-8DD7-87BCBD5319E9}" dt="2023-05-28T09:01:26.903" v="36" actId="47"/>
-        <pc:sldMkLst>
-          <pc:docMk/>
-          <pc:sldMk cId="2495425632" sldId="498"/>
-        </pc:sldMkLst>
-      </pc:sldChg>
-      <pc:sldChg chg="del">
-        <pc:chgData name="Anatoliy Kigel" userId="7432c6c4687b0a9c" providerId="LiveId" clId="{905722A7-4D61-422B-8DD7-87BCBD5319E9}" dt="2023-05-28T09:01:26.903" v="36" actId="47"/>
-        <pc:sldMkLst>
-          <pc:docMk/>
-          <pc:sldMk cId="1532842395" sldId="499"/>
-        </pc:sldMkLst>
-      </pc:sldChg>
-      <pc:sldChg chg="del">
-        <pc:chgData name="Anatoliy Kigel" userId="7432c6c4687b0a9c" providerId="LiveId" clId="{905722A7-4D61-422B-8DD7-87BCBD5319E9}" dt="2023-05-28T09:01:26.903" v="36" actId="47"/>
-        <pc:sldMkLst>
-          <pc:docMk/>
-          <pc:sldMk cId="2453015292" sldId="500"/>
-        </pc:sldMkLst>
-      </pc:sldChg>
-      <pc:sldChg chg="del">
-        <pc:chgData name="Anatoliy Kigel" userId="7432c6c4687b0a9c" providerId="LiveId" clId="{905722A7-4D61-422B-8DD7-87BCBD5319E9}" dt="2023-05-28T09:01:18.822" v="35" actId="47"/>
-        <pc:sldMkLst>
-          <pc:docMk/>
-          <pc:sldMk cId="1657804849" sldId="501"/>
-        </pc:sldMkLst>
-      </pc:sldChg>
-      <pc:sldChg chg="delSp modSp mod">
-        <pc:chgData name="Anatoliy Kigel" userId="7432c6c4687b0a9c" providerId="LiveId" clId="{905722A7-4D61-422B-8DD7-87BCBD5319E9}" dt="2023-05-28T09:01:05.004" v="34" actId="1035"/>
-        <pc:sldMkLst>
-          <pc:docMk/>
-          <pc:sldMk cId="1320399867" sldId="503"/>
-        </pc:sldMkLst>
-        <pc:spChg chg="del">
-          <ac:chgData name="Anatoliy Kigel" userId="7432c6c4687b0a9c" providerId="LiveId" clId="{905722A7-4D61-422B-8DD7-87BCBD5319E9}" dt="2023-05-28T09:00:59.846" v="19" actId="478"/>
-          <ac:spMkLst>
-            <pc:docMk/>
-            <pc:sldMk cId="1320399867" sldId="503"/>
-            <ac:spMk id="5" creationId="{00000000-0000-0000-0000-000000000000}"/>
-          </ac:spMkLst>
-        </pc:spChg>
-        <pc:spChg chg="mod">
-          <ac:chgData name="Anatoliy Kigel" userId="7432c6c4687b0a9c" providerId="LiveId" clId="{905722A7-4D61-422B-8DD7-87BCBD5319E9}" dt="2023-05-28T09:01:05.004" v="34" actId="1035"/>
-          <ac:spMkLst>
-            <pc:docMk/>
-            <pc:sldMk cId="1320399867" sldId="503"/>
-            <ac:spMk id="7" creationId="{00000000-0000-0000-0000-000000000000}"/>
-          </ac:spMkLst>
-        </pc:spChg>
-        <pc:spChg chg="mod">
-          <ac:chgData name="Anatoliy Kigel" userId="7432c6c4687b0a9c" providerId="LiveId" clId="{905722A7-4D61-422B-8DD7-87BCBD5319E9}" dt="2023-05-28T09:01:00.869" v="23" actId="1036"/>
-          <ac:spMkLst>
-            <pc:docMk/>
-            <pc:sldMk cId="1320399867" sldId="503"/>
-            <ac:spMk id="12" creationId="{00000000-0000-0000-0000-000000000000}"/>
-          </ac:spMkLst>
-        </pc:spChg>
-      </pc:sldChg>
-      <pc:sldChg chg="delSp mod">
-        <pc:chgData name="Anatoliy Kigel" userId="7432c6c4687b0a9c" providerId="LiveId" clId="{905722A7-4D61-422B-8DD7-87BCBD5319E9}" dt="2023-05-28T09:00:58.152" v="18" actId="478"/>
-        <pc:sldMkLst>
-          <pc:docMk/>
-          <pc:sldMk cId="4143157552" sldId="504"/>
-        </pc:sldMkLst>
-        <pc:spChg chg="del">
-          <ac:chgData name="Anatoliy Kigel" userId="7432c6c4687b0a9c" providerId="LiveId" clId="{905722A7-4D61-422B-8DD7-87BCBD5319E9}" dt="2023-05-28T09:00:58.152" v="18" actId="478"/>
-          <ac:spMkLst>
-            <pc:docMk/>
-            <pc:sldMk cId="4143157552" sldId="504"/>
-            <ac:spMk id="5" creationId="{00000000-0000-0000-0000-000000000000}"/>
-          </ac:spMkLst>
-        </pc:spChg>
-      </pc:sldChg>
-      <pc:sldChg chg="modSp mod">
-        <pc:chgData name="Anatoliy Kigel" userId="7432c6c4687b0a9c" providerId="LiveId" clId="{905722A7-4D61-422B-8DD7-87BCBD5319E9}" dt="2023-05-28T09:01:43.897" v="37" actId="20577"/>
-        <pc:sldMkLst>
-          <pc:docMk/>
-          <pc:sldMk cId="114327094" sldId="513"/>
-        </pc:sldMkLst>
-        <pc:spChg chg="mod">
-          <ac:chgData name="Anatoliy Kigel" userId="7432c6c4687b0a9c" providerId="LiveId" clId="{905722A7-4D61-422B-8DD7-87BCBD5319E9}" dt="2023-05-28T09:01:43.897" v="37" actId="20577"/>
-          <ac:spMkLst>
-            <pc:docMk/>
-            <pc:sldMk cId="114327094" sldId="513"/>
-            <ac:spMk id="5" creationId="{00000000-0000-0000-0000-000000000000}"/>
-          </ac:spMkLst>
-        </pc:spChg>
-      </pc:sldChg>
-      <pc:sldChg chg="modSp mod">
-        <pc:chgData name="Anatoliy Kigel" userId="7432c6c4687b0a9c" providerId="LiveId" clId="{905722A7-4D61-422B-8DD7-87BCBD5319E9}" dt="2023-05-28T09:14:03.012" v="99" actId="1035"/>
-        <pc:sldMkLst>
-          <pc:docMk/>
-          <pc:sldMk cId="4023351221" sldId="527"/>
-        </pc:sldMkLst>
-        <pc:spChg chg="mod">
-          <ac:chgData name="Anatoliy Kigel" userId="7432c6c4687b0a9c" providerId="LiveId" clId="{905722A7-4D61-422B-8DD7-87BCBD5319E9}" dt="2023-05-28T09:02:22.858" v="49" actId="403"/>
-          <ac:spMkLst>
-            <pc:docMk/>
-            <pc:sldMk cId="4023351221" sldId="527"/>
-            <ac:spMk id="3" creationId="{00000000-0000-0000-0000-000000000000}"/>
-          </ac:spMkLst>
-        </pc:spChg>
-        <pc:spChg chg="mod">
-          <ac:chgData name="Anatoliy Kigel" userId="7432c6c4687b0a9c" providerId="LiveId" clId="{905722A7-4D61-422B-8DD7-87BCBD5319E9}" dt="2023-05-28T09:14:03.012" v="99" actId="1035"/>
-          <ac:spMkLst>
-            <pc:docMk/>
-            <pc:sldMk cId="4023351221" sldId="527"/>
-            <ac:spMk id="27" creationId="{00000000-0000-0000-0000-000000000000}"/>
-          </ac:spMkLst>
-        </pc:spChg>
-      </pc:sldChg>
-      <pc:sldChg chg="modSp mod">
-        <pc:chgData name="Anatoliy Kigel" userId="7432c6c4687b0a9c" providerId="LiveId" clId="{905722A7-4D61-422B-8DD7-87BCBD5319E9}" dt="2023-05-28T09:00:49.842" v="17" actId="20577"/>
-        <pc:sldMkLst>
-          <pc:docMk/>
-          <pc:sldMk cId="508589481" sldId="530"/>
-        </pc:sldMkLst>
-        <pc:spChg chg="mod">
-          <ac:chgData name="Anatoliy Kigel" userId="7432c6c4687b0a9c" providerId="LiveId" clId="{905722A7-4D61-422B-8DD7-87BCBD5319E9}" dt="2023-05-28T09:00:49.842" v="17" actId="20577"/>
-          <ac:spMkLst>
-            <pc:docMk/>
-            <pc:sldMk cId="508589481" sldId="530"/>
-            <ac:spMk id="5" creationId="{00000000-0000-0000-0000-000000000000}"/>
-          </ac:spMkLst>
-        </pc:spChg>
-      </pc:sldChg>
-      <pc:sldChg chg="add ord">
-        <pc:chgData name="Anatoliy Kigel" userId="7432c6c4687b0a9c" providerId="LiveId" clId="{905722A7-4D61-422B-8DD7-87BCBD5319E9}" dt="2023-05-28T09:13:49.085" v="97"/>
-        <pc:sldMkLst>
-          <pc:docMk/>
-          <pc:sldMk cId="4087088411" sldId="553"/>
-        </pc:sldMkLst>
-      </pc:sldChg>
-    </pc:docChg>
-  </pc:docChgLst>
-  <pc:docChgLst>
-    <pc:chgData name="Anatoliy Kigel" userId="7432c6c4687b0a9c" providerId="LiveId" clId="{65B31AE5-D199-445F-8D30-9AB7516F2116}"/>
-    <pc:docChg chg="undo custSel addSld delSld modSld">
-      <pc:chgData name="Anatoliy Kigel" userId="7432c6c4687b0a9c" providerId="LiveId" clId="{65B31AE5-D199-445F-8D30-9AB7516F2116}" dt="2021-03-02T08:36:46.983" v="652" actId="1036"/>
-      <pc:docMkLst>
-        <pc:docMk/>
-      </pc:docMkLst>
-      <pc:sldChg chg="modSp mod">
-        <pc:chgData name="Anatoliy Kigel" userId="7432c6c4687b0a9c" providerId="LiveId" clId="{65B31AE5-D199-445F-8D30-9AB7516F2116}" dt="2021-03-02T08:24:25.473" v="394" actId="207"/>
-        <pc:sldMkLst>
-          <pc:docMk/>
-          <pc:sldMk cId="3313378822" sldId="376"/>
-        </pc:sldMkLst>
-        <pc:spChg chg="mod">
-          <ac:chgData name="Anatoliy Kigel" userId="7432c6c4687b0a9c" providerId="LiveId" clId="{65B31AE5-D199-445F-8D30-9AB7516F2116}" dt="2021-03-02T08:24:25.473" v="394" actId="207"/>
-          <ac:spMkLst>
-            <pc:docMk/>
-            <pc:sldMk cId="3313378822" sldId="376"/>
-            <ac:spMk id="5" creationId="{00000000-0000-0000-0000-000000000000}"/>
-          </ac:spMkLst>
-        </pc:spChg>
-      </pc:sldChg>
-      <pc:sldChg chg="modSp mod">
-        <pc:chgData name="Anatoliy Kigel" userId="7432c6c4687b0a9c" providerId="LiveId" clId="{65B31AE5-D199-445F-8D30-9AB7516F2116}" dt="2021-03-02T08:24:18.023" v="393" actId="207"/>
-        <pc:sldMkLst>
-          <pc:docMk/>
-          <pc:sldMk cId="1329061896" sldId="396"/>
-        </pc:sldMkLst>
-        <pc:spChg chg="mod">
-          <ac:chgData name="Anatoliy Kigel" userId="7432c6c4687b0a9c" providerId="LiveId" clId="{65B31AE5-D199-445F-8D30-9AB7516F2116}" dt="2021-03-02T08:24:18.023" v="393" actId="207"/>
-          <ac:spMkLst>
-            <pc:docMk/>
-            <pc:sldMk cId="1329061896" sldId="396"/>
-            <ac:spMk id="5" creationId="{00000000-0000-0000-0000-000000000000}"/>
-          </ac:spMkLst>
-        </pc:spChg>
-      </pc:sldChg>
-      <pc:sldChg chg="modSp mod">
-        <pc:chgData name="Anatoliy Kigel" userId="7432c6c4687b0a9c" providerId="LiveId" clId="{65B31AE5-D199-445F-8D30-9AB7516F2116}" dt="2021-03-02T08:11:26.847" v="294" actId="1036"/>
-        <pc:sldMkLst>
-          <pc:docMk/>
-          <pc:sldMk cId="653578417" sldId="397"/>
-        </pc:sldMkLst>
-        <pc:spChg chg="mod">
-          <ac:chgData name="Anatoliy Kigel" userId="7432c6c4687b0a9c" providerId="LiveId" clId="{65B31AE5-D199-445F-8D30-9AB7516F2116}" dt="2021-03-02T08:11:06.519" v="285" actId="1038"/>
-          <ac:spMkLst>
-            <pc:docMk/>
-            <pc:sldMk cId="653578417" sldId="397"/>
-            <ac:spMk id="7" creationId="{00000000-0000-0000-0000-000000000000}"/>
-          </ac:spMkLst>
-        </pc:spChg>
-        <pc:spChg chg="mod">
-          <ac:chgData name="Anatoliy Kigel" userId="7432c6c4687b0a9c" providerId="LiveId" clId="{65B31AE5-D199-445F-8D30-9AB7516F2116}" dt="2021-03-02T08:11:26.847" v="294" actId="1036"/>
-          <ac:spMkLst>
-            <pc:docMk/>
-            <pc:sldMk cId="653578417" sldId="397"/>
-            <ac:spMk id="12" creationId="{00000000-0000-0000-0000-000000000000}"/>
-          </ac:spMkLst>
-        </pc:spChg>
-      </pc:sldChg>
-      <pc:sldChg chg="modSp mod">
-        <pc:chgData name="Anatoliy Kigel" userId="7432c6c4687b0a9c" providerId="LiveId" clId="{65B31AE5-D199-445F-8D30-9AB7516F2116}" dt="2021-03-02T08:24:32.757" v="395" actId="207"/>
-        <pc:sldMkLst>
-          <pc:docMk/>
-          <pc:sldMk cId="3253847286" sldId="413"/>
-        </pc:sldMkLst>
-        <pc:spChg chg="mod">
-          <ac:chgData name="Anatoliy Kigel" userId="7432c6c4687b0a9c" providerId="LiveId" clId="{65B31AE5-D199-445F-8D30-9AB7516F2116}" dt="2021-03-02T08:24:32.757" v="395" actId="207"/>
-          <ac:spMkLst>
-            <pc:docMk/>
-            <pc:sldMk cId="3253847286" sldId="413"/>
-            <ac:spMk id="5" creationId="{00000000-0000-0000-0000-000000000000}"/>
-          </ac:spMkLst>
-        </pc:spChg>
-      </pc:sldChg>
-      <pc:sldChg chg="modSp add mod">
-        <pc:chgData name="Anatoliy Kigel" userId="7432c6c4687b0a9c" providerId="LiveId" clId="{65B31AE5-D199-445F-8D30-9AB7516F2116}" dt="2021-03-02T08:24:01.774" v="390" actId="207"/>
-        <pc:sldMkLst>
-          <pc:docMk/>
-          <pc:sldMk cId="486339162" sldId="431"/>
-        </pc:sldMkLst>
-        <pc:spChg chg="mod">
-          <ac:chgData name="Anatoliy Kigel" userId="7432c6c4687b0a9c" providerId="LiveId" clId="{65B31AE5-D199-445F-8D30-9AB7516F2116}" dt="2021-03-02T08:24:01.774" v="390" actId="207"/>
-          <ac:spMkLst>
-            <pc:docMk/>
-            <pc:sldMk cId="486339162" sldId="431"/>
-            <ac:spMk id="5" creationId="{00000000-0000-0000-0000-000000000000}"/>
-          </ac:spMkLst>
-        </pc:spChg>
-      </pc:sldChg>
-      <pc:sldChg chg="add">
-        <pc:chgData name="Anatoliy Kigel" userId="7432c6c4687b0a9c" providerId="LiveId" clId="{65B31AE5-D199-445F-8D30-9AB7516F2116}" dt="2021-03-02T08:13:09.119" v="297"/>
-        <pc:sldMkLst>
-          <pc:docMk/>
-          <pc:sldMk cId="1548793034" sldId="432"/>
-        </pc:sldMkLst>
-      </pc:sldChg>
-      <pc:sldChg chg="add">
-        <pc:chgData name="Anatoliy Kigel" userId="7432c6c4687b0a9c" providerId="LiveId" clId="{65B31AE5-D199-445F-8D30-9AB7516F2116}" dt="2021-03-02T08:13:09.119" v="297"/>
-        <pc:sldMkLst>
-          <pc:docMk/>
-          <pc:sldMk cId="3746723659" sldId="433"/>
-        </pc:sldMkLst>
-      </pc:sldChg>
-      <pc:sldChg chg="modSp add del mod">
-        <pc:chgData name="Anatoliy Kigel" userId="7432c6c4687b0a9c" providerId="LiveId" clId="{65B31AE5-D199-445F-8D30-9AB7516F2116}" dt="2021-03-02T08:23:56.486" v="389" actId="207"/>
-        <pc:sldMkLst>
-          <pc:docMk/>
-          <pc:sldMk cId="2585329170" sldId="440"/>
-        </pc:sldMkLst>
-        <pc:spChg chg="mod">
-          <ac:chgData name="Anatoliy Kigel" userId="7432c6c4687b0a9c" providerId="LiveId" clId="{65B31AE5-D199-445F-8D30-9AB7516F2116}" dt="2021-03-02T08:23:56.486" v="389" actId="207"/>
-          <ac:spMkLst>
-            <pc:docMk/>
-            <pc:sldMk cId="2585329170" sldId="440"/>
-            <ac:spMk id="5" creationId="{00000000-0000-0000-0000-000000000000}"/>
-          </ac:spMkLst>
-        </pc:spChg>
-      </pc:sldChg>
-      <pc:sldChg chg="modSp add del mod">
-        <pc:chgData name="Anatoliy Kigel" userId="7432c6c4687b0a9c" providerId="LiveId" clId="{65B31AE5-D199-445F-8D30-9AB7516F2116}" dt="2021-03-02T08:13:39.455" v="319" actId="403"/>
-        <pc:sldMkLst>
-          <pc:docMk/>
-          <pc:sldMk cId="894146141" sldId="441"/>
-        </pc:sldMkLst>
-        <pc:spChg chg="mod">
-          <ac:chgData name="Anatoliy Kigel" userId="7432c6c4687b0a9c" providerId="LiveId" clId="{65B31AE5-D199-445F-8D30-9AB7516F2116}" dt="2021-03-02T08:13:39.455" v="319" actId="403"/>
-          <ac:spMkLst>
-            <pc:docMk/>
-            <pc:sldMk cId="894146141" sldId="441"/>
-            <ac:spMk id="6" creationId="{00000000-0000-0000-0000-000000000000}"/>
-          </ac:spMkLst>
-        </pc:spChg>
-      </pc:sldChg>
-      <pc:sldChg chg="addSp delSp modSp add del mod">
-        <pc:chgData name="Anatoliy Kigel" userId="7432c6c4687b0a9c" providerId="LiveId" clId="{65B31AE5-D199-445F-8D30-9AB7516F2116}" dt="2021-03-02T08:36:32.550" v="638" actId="1036"/>
-        <pc:sldMkLst>
-          <pc:docMk/>
-          <pc:sldMk cId="1135077634" sldId="442"/>
-        </pc:sldMkLst>
-        <pc:spChg chg="mod">
-          <ac:chgData name="Anatoliy Kigel" userId="7432c6c4687b0a9c" providerId="LiveId" clId="{65B31AE5-D199-445F-8D30-9AB7516F2116}" dt="2021-03-02T08:36:32.039" v="636" actId="1036"/>
-          <ac:spMkLst>
-            <pc:docMk/>
-            <pc:sldMk cId="1135077634" sldId="442"/>
-            <ac:spMk id="5" creationId="{00000000-0000-0000-0000-000000000000}"/>
-          </ac:spMkLst>
-        </pc:spChg>
-        <pc:spChg chg="add mod">
-          <ac:chgData name="Anatoliy Kigel" userId="7432c6c4687b0a9c" providerId="LiveId" clId="{65B31AE5-D199-445F-8D30-9AB7516F2116}" dt="2021-03-02T08:36:27.729" v="627"/>
-          <ac:spMkLst>
-            <pc:docMk/>
-            <pc:sldMk cId="1135077634" sldId="442"/>
-            <ac:spMk id="7" creationId="{84A01DDD-6D23-482F-BE40-207AF1DE5706}"/>
-          </ac:spMkLst>
-        </pc:spChg>
-        <pc:spChg chg="mod">
-          <ac:chgData name="Anatoliy Kigel" userId="7432c6c4687b0a9c" providerId="LiveId" clId="{65B31AE5-D199-445F-8D30-9AB7516F2116}" dt="2021-03-02T08:36:30.661" v="632" actId="1036"/>
-          <ac:spMkLst>
-            <pc:docMk/>
-            <pc:sldMk cId="1135077634" sldId="442"/>
-            <ac:spMk id="9" creationId="{00000000-0000-0000-0000-000000000000}"/>
-          </ac:spMkLst>
-        </pc:spChg>
-        <pc:spChg chg="del">
-          <ac:chgData name="Anatoliy Kigel" userId="7432c6c4687b0a9c" providerId="LiveId" clId="{65B31AE5-D199-445F-8D30-9AB7516F2116}" dt="2021-03-02T08:36:27.480" v="626" actId="478"/>
-          <ac:spMkLst>
-            <pc:docMk/>
-            <pc:sldMk cId="1135077634" sldId="442"/>
-            <ac:spMk id="10" creationId="{00000000-0000-0000-0000-000000000000}"/>
-          </ac:spMkLst>
-        </pc:spChg>
-        <pc:picChg chg="mod">
-          <ac:chgData name="Anatoliy Kigel" userId="7432c6c4687b0a9c" providerId="LiveId" clId="{65B31AE5-D199-445F-8D30-9AB7516F2116}" dt="2021-03-02T08:36:32.550" v="638" actId="1036"/>
-          <ac:picMkLst>
-            <pc:docMk/>
-            <pc:sldMk cId="1135077634" sldId="442"/>
-            <ac:picMk id="2" creationId="{00000000-0000-0000-0000-000000000000}"/>
-          </ac:picMkLst>
-        </pc:picChg>
-      </pc:sldChg>
-      <pc:sldChg chg="addSp delSp modSp add del mod">
-        <pc:chgData name="Anatoliy Kigel" userId="7432c6c4687b0a9c" providerId="LiveId" clId="{65B31AE5-D199-445F-8D30-9AB7516F2116}" dt="2021-03-02T08:36:39.638" v="644" actId="1036"/>
-        <pc:sldMkLst>
-          <pc:docMk/>
-          <pc:sldMk cId="3044230651" sldId="443"/>
-        </pc:sldMkLst>
-        <pc:spChg chg="add mod">
-          <ac:chgData name="Anatoliy Kigel" userId="7432c6c4687b0a9c" providerId="LiveId" clId="{65B31AE5-D199-445F-8D30-9AB7516F2116}" dt="2021-03-02T08:36:36.944" v="641" actId="1036"/>
-          <ac:spMkLst>
-            <pc:docMk/>
-            <pc:sldMk cId="3044230651" sldId="443"/>
-            <ac:spMk id="8" creationId="{85A9E417-A8F2-4BCE-B6AC-EE4805AC1BD6}"/>
-          </ac:spMkLst>
-        </pc:spChg>
-        <pc:spChg chg="mod">
-          <ac:chgData name="Anatoliy Kigel" userId="7432c6c4687b0a9c" providerId="LiveId" clId="{65B31AE5-D199-445F-8D30-9AB7516F2116}" dt="2021-03-02T08:36:38.302" v="643" actId="1036"/>
-          <ac:spMkLst>
-            <pc:docMk/>
-            <pc:sldMk cId="3044230651" sldId="443"/>
-            <ac:spMk id="9" creationId="{00000000-0000-0000-0000-000000000000}"/>
-          </ac:spMkLst>
-        </pc:spChg>
-        <pc:spChg chg="del">
-          <ac:chgData name="Anatoliy Kigel" userId="7432c6c4687b0a9c" providerId="LiveId" clId="{65B31AE5-D199-445F-8D30-9AB7516F2116}" dt="2021-03-02T08:36:35.343" v="639" actId="478"/>
-          <ac:spMkLst>
-            <pc:docMk/>
-            <pc:sldMk cId="3044230651" sldId="443"/>
-            <ac:spMk id="10" creationId="{00000000-0000-0000-0000-000000000000}"/>
-          </ac:spMkLst>
-        </pc:spChg>
-        <pc:spChg chg="mod">
-          <ac:chgData name="Anatoliy Kigel" userId="7432c6c4687b0a9c" providerId="LiveId" clId="{65B31AE5-D199-445F-8D30-9AB7516F2116}" dt="2021-03-02T08:36:39.638" v="644" actId="1036"/>
-          <ac:spMkLst>
-            <pc:docMk/>
-            <pc:sldMk cId="3044230651" sldId="443"/>
-            <ac:spMk id="12" creationId="{00000000-0000-0000-0000-000000000000}"/>
-          </ac:spMkLst>
-        </pc:spChg>
-      </pc:sldChg>
-      <pc:sldChg chg="addSp delSp modSp add del mod">
-        <pc:chgData name="Anatoliy Kigel" userId="7432c6c4687b0a9c" providerId="LiveId" clId="{65B31AE5-D199-445F-8D30-9AB7516F2116}" dt="2021-03-02T08:36:46.983" v="652" actId="1036"/>
-        <pc:sldMkLst>
-          <pc:docMk/>
-          <pc:sldMk cId="1472899663" sldId="445"/>
-        </pc:sldMkLst>
-        <pc:spChg chg="add mod">
-          <ac:chgData name="Anatoliy Kigel" userId="7432c6c4687b0a9c" providerId="LiveId" clId="{65B31AE5-D199-445F-8D30-9AB7516F2116}" dt="2021-03-02T08:36:43.412" v="646"/>
-          <ac:spMkLst>
-            <pc:docMk/>
-            <pc:sldMk cId="1472899663" sldId="445"/>
-            <ac:spMk id="6" creationId="{401FAB0E-8148-42A5-93A4-F44DA5AC654C}"/>
-          </ac:spMkLst>
-        </pc:spChg>
-        <pc:spChg chg="mod">
-          <ac:chgData name="Anatoliy Kigel" userId="7432c6c4687b0a9c" providerId="LiveId" clId="{65B31AE5-D199-445F-8D30-9AB7516F2116}" dt="2021-03-02T08:36:46.301" v="651" actId="1036"/>
-          <ac:spMkLst>
-            <pc:docMk/>
-            <pc:sldMk cId="1472899663" sldId="445"/>
-            <ac:spMk id="9" creationId="{00000000-0000-0000-0000-000000000000}"/>
-          </ac:spMkLst>
-        </pc:spChg>
-        <pc:spChg chg="del">
-          <ac:chgData name="Anatoliy Kigel" userId="7432c6c4687b0a9c" providerId="LiveId" clId="{65B31AE5-D199-445F-8D30-9AB7516F2116}" dt="2021-03-02T08:36:42.248" v="645" actId="478"/>
-          <ac:spMkLst>
-            <pc:docMk/>
-            <pc:sldMk cId="1472899663" sldId="445"/>
-            <ac:spMk id="10" creationId="{00000000-0000-0000-0000-000000000000}"/>
-          </ac:spMkLst>
-        </pc:spChg>
-        <pc:picChg chg="mod">
-          <ac:chgData name="Anatoliy Kigel" userId="7432c6c4687b0a9c" providerId="LiveId" clId="{65B31AE5-D199-445F-8D30-9AB7516F2116}" dt="2021-03-02T08:36:46.983" v="652" actId="1036"/>
-          <ac:picMkLst>
-            <pc:docMk/>
-            <pc:sldMk cId="1472899663" sldId="445"/>
-            <ac:picMk id="2" creationId="{00000000-0000-0000-0000-000000000000}"/>
-          </ac:picMkLst>
-        </pc:picChg>
-      </pc:sldChg>
-      <pc:sldChg chg="modSp add del mod">
-        <pc:chgData name="Anatoliy Kigel" userId="7432c6c4687b0a9c" providerId="LiveId" clId="{65B31AE5-D199-445F-8D30-9AB7516F2116}" dt="2021-03-02T08:31:05.110" v="400" actId="47"/>
-        <pc:sldMkLst>
-          <pc:docMk/>
-          <pc:sldMk cId="1920490204" sldId="446"/>
-        </pc:sldMkLst>
-        <pc:spChg chg="mod">
-          <ac:chgData name="Anatoliy Kigel" userId="7432c6c4687b0a9c" providerId="LiveId" clId="{65B31AE5-D199-445F-8D30-9AB7516F2116}" dt="2021-03-02T08:23:49.193" v="388" actId="207"/>
-          <ac:spMkLst>
-            <pc:docMk/>
-            <pc:sldMk cId="1920490204" sldId="446"/>
-            <ac:spMk id="5" creationId="{00000000-0000-0000-0000-000000000000}"/>
-          </ac:spMkLst>
-        </pc:spChg>
-      </pc:sldChg>
-      <pc:sldChg chg="modSp add del mod">
-        <pc:chgData name="Anatoliy Kigel" userId="7432c6c4687b0a9c" providerId="LiveId" clId="{65B31AE5-D199-445F-8D30-9AB7516F2116}" dt="2021-03-02T08:31:05.110" v="400" actId="47"/>
-        <pc:sldMkLst>
-          <pc:docMk/>
-          <pc:sldMk cId="1162178873" sldId="447"/>
-        </pc:sldMkLst>
-        <pc:spChg chg="mod">
-          <ac:chgData name="Anatoliy Kigel" userId="7432c6c4687b0a9c" providerId="LiveId" clId="{65B31AE5-D199-445F-8D30-9AB7516F2116}" dt="2021-03-02T08:14:33.167" v="330" actId="1036"/>
-          <ac:spMkLst>
-            <pc:docMk/>
-            <pc:sldMk cId="1162178873" sldId="447"/>
-            <ac:spMk id="7" creationId="{00000000-0000-0000-0000-000000000000}"/>
-          </ac:spMkLst>
-        </pc:spChg>
-        <pc:spChg chg="mod">
-          <ac:chgData name="Anatoliy Kigel" userId="7432c6c4687b0a9c" providerId="LiveId" clId="{65B31AE5-D199-445F-8D30-9AB7516F2116}" dt="2021-03-02T08:14:33.167" v="330" actId="1036"/>
-          <ac:spMkLst>
-            <pc:docMk/>
-            <pc:sldMk cId="1162178873" sldId="447"/>
-            <ac:spMk id="13" creationId="{00000000-0000-0000-0000-000000000000}"/>
-          </ac:spMkLst>
-        </pc:spChg>
-        <pc:picChg chg="mod">
-          <ac:chgData name="Anatoliy Kigel" userId="7432c6c4687b0a9c" providerId="LiveId" clId="{65B31AE5-D199-445F-8D30-9AB7516F2116}" dt="2021-03-02T08:14:33.167" v="330" actId="1036"/>
-          <ac:picMkLst>
-            <pc:docMk/>
-            <pc:sldMk cId="1162178873" sldId="447"/>
-            <ac:picMk id="2" creationId="{00000000-0000-0000-0000-000000000000}"/>
-          </ac:picMkLst>
-        </pc:picChg>
-      </pc:sldChg>
-      <pc:sldChg chg="add del">
-        <pc:chgData name="Anatoliy Kigel" userId="7432c6c4687b0a9c" providerId="LiveId" clId="{65B31AE5-D199-445F-8D30-9AB7516F2116}" dt="2021-03-02T08:31:05.110" v="400" actId="47"/>
-        <pc:sldMkLst>
-          <pc:docMk/>
-          <pc:sldMk cId="3662453619" sldId="448"/>
-        </pc:sldMkLst>
-      </pc:sldChg>
-      <pc:sldChg chg="modSp mod">
-        <pc:chgData name="Anatoliy Kigel" userId="7432c6c4687b0a9c" providerId="LiveId" clId="{65B31AE5-D199-445F-8D30-9AB7516F2116}" dt="2021-03-02T08:23:34.790" v="386" actId="207"/>
-        <pc:sldMkLst>
-          <pc:docMk/>
-          <pc:sldMk cId="4277329049" sldId="461"/>
-        </pc:sldMkLst>
-        <pc:spChg chg="mod">
-          <ac:chgData name="Anatoliy Kigel" userId="7432c6c4687b0a9c" providerId="LiveId" clId="{65B31AE5-D199-445F-8D30-9AB7516F2116}" dt="2021-03-02T08:23:34.790" v="386" actId="207"/>
-          <ac:spMkLst>
-            <pc:docMk/>
-            <pc:sldMk cId="4277329049" sldId="461"/>
-            <ac:spMk id="5" creationId="{00000000-0000-0000-0000-000000000000}"/>
-          </ac:spMkLst>
-        </pc:spChg>
-      </pc:sldChg>
-      <pc:sldChg chg="modSp mod">
-        <pc:chgData name="Anatoliy Kigel" userId="7432c6c4687b0a9c" providerId="LiveId" clId="{65B31AE5-D199-445F-8D30-9AB7516F2116}" dt="2021-03-02T08:23:08.843" v="385" actId="207"/>
-        <pc:sldMkLst>
-          <pc:docMk/>
-          <pc:sldMk cId="899785685" sldId="474"/>
-        </pc:sldMkLst>
-        <pc:spChg chg="mod">
-          <ac:chgData name="Anatoliy Kigel" userId="7432c6c4687b0a9c" providerId="LiveId" clId="{65B31AE5-D199-445F-8D30-9AB7516F2116}" dt="2021-03-02T08:23:08.843" v="385" actId="207"/>
-          <ac:spMkLst>
-            <pc:docMk/>
-            <pc:sldMk cId="899785685" sldId="474"/>
-            <ac:spMk id="5" creationId="{00000000-0000-0000-0000-000000000000}"/>
-          </ac:spMkLst>
-        </pc:spChg>
-      </pc:sldChg>
-      <pc:sldChg chg="modSp mod">
-        <pc:chgData name="Anatoliy Kigel" userId="7432c6c4687b0a9c" providerId="LiveId" clId="{65B31AE5-D199-445F-8D30-9AB7516F2116}" dt="2021-03-02T08:25:09.754" v="399" actId="404"/>
-        <pc:sldMkLst>
-          <pc:docMk/>
-          <pc:sldMk cId="2229591171" sldId="496"/>
-        </pc:sldMkLst>
-        <pc:spChg chg="mod">
-          <ac:chgData name="Anatoliy Kigel" userId="7432c6c4687b0a9c" providerId="LiveId" clId="{65B31AE5-D199-445F-8D30-9AB7516F2116}" dt="2021-03-02T08:25:09.754" v="399" actId="404"/>
-          <ac:spMkLst>
-            <pc:docMk/>
-            <pc:sldMk cId="2229591171" sldId="496"/>
-            <ac:spMk id="9" creationId="{00000000-0000-0000-0000-000000000000}"/>
-          </ac:spMkLst>
-        </pc:spChg>
-      </pc:sldChg>
-      <pc:sldChg chg="modSp mod">
-        <pc:chgData name="Anatoliy Kigel" userId="7432c6c4687b0a9c" providerId="LiveId" clId="{65B31AE5-D199-445F-8D30-9AB7516F2116}" dt="2021-03-02T08:24:12.805" v="392" actId="207"/>
-        <pc:sldMkLst>
-          <pc:docMk/>
-          <pc:sldMk cId="2495425632" sldId="498"/>
-        </pc:sldMkLst>
-        <pc:spChg chg="mod">
-          <ac:chgData name="Anatoliy Kigel" userId="7432c6c4687b0a9c" providerId="LiveId" clId="{65B31AE5-D199-445F-8D30-9AB7516F2116}" dt="2021-03-02T08:24:12.805" v="392" actId="207"/>
-          <ac:spMkLst>
-            <pc:docMk/>
-            <pc:sldMk cId="2495425632" sldId="498"/>
-            <ac:spMk id="5" creationId="{00000000-0000-0000-0000-000000000000}"/>
-          </ac:spMkLst>
-        </pc:spChg>
-      </pc:sldChg>
-      <pc:sldChg chg="modSp mod">
-        <pc:chgData name="Anatoliy Kigel" userId="7432c6c4687b0a9c" providerId="LiveId" clId="{65B31AE5-D199-445F-8D30-9AB7516F2116}" dt="2021-03-02T08:23:42.157" v="387" actId="207"/>
-        <pc:sldMkLst>
-          <pc:docMk/>
-          <pc:sldMk cId="114327094" sldId="513"/>
-        </pc:sldMkLst>
-        <pc:spChg chg="mod">
-          <ac:chgData name="Anatoliy Kigel" userId="7432c6c4687b0a9c" providerId="LiveId" clId="{65B31AE5-D199-445F-8D30-9AB7516F2116}" dt="2021-03-02T08:23:42.157" v="387" actId="207"/>
-          <ac:spMkLst>
-            <pc:docMk/>
-            <pc:sldMk cId="114327094" sldId="513"/>
-            <ac:spMk id="5" creationId="{00000000-0000-0000-0000-000000000000}"/>
-          </ac:spMkLst>
-        </pc:spChg>
-      </pc:sldChg>
-      <pc:sldChg chg="modSp mod">
-        <pc:chgData name="Anatoliy Kigel" userId="7432c6c4687b0a9c" providerId="LiveId" clId="{65B31AE5-D199-445F-8D30-9AB7516F2116}" dt="2021-03-02T08:17:14.982" v="338" actId="1035"/>
-        <pc:sldMkLst>
-          <pc:docMk/>
-          <pc:sldMk cId="3111026985" sldId="524"/>
-        </pc:sldMkLst>
-        <pc:spChg chg="mod">
-          <ac:chgData name="Anatoliy Kigel" userId="7432c6c4687b0a9c" providerId="LiveId" clId="{65B31AE5-D199-445F-8D30-9AB7516F2116}" dt="2021-03-02T08:17:14.982" v="338" actId="1035"/>
-          <ac:spMkLst>
-            <pc:docMk/>
-            <pc:sldMk cId="3111026985" sldId="524"/>
-            <ac:spMk id="3" creationId="{00000000-0000-0000-0000-000000000000}"/>
-          </ac:spMkLst>
-        </pc:spChg>
-      </pc:sldChg>
-      <pc:sldChg chg="delSp mod">
-        <pc:chgData name="Anatoliy Kigel" userId="7432c6c4687b0a9c" providerId="LiveId" clId="{65B31AE5-D199-445F-8D30-9AB7516F2116}" dt="2021-03-02T08:16:44.710" v="331" actId="478"/>
-        <pc:sldMkLst>
-          <pc:docMk/>
-          <pc:sldMk cId="4023351221" sldId="527"/>
-        </pc:sldMkLst>
-        <pc:spChg chg="del">
-          <ac:chgData name="Anatoliy Kigel" userId="7432c6c4687b0a9c" providerId="LiveId" clId="{65B31AE5-D199-445F-8D30-9AB7516F2116}" dt="2021-03-02T08:16:44.710" v="331" actId="478"/>
-          <ac:spMkLst>
-            <pc:docMk/>
-            <pc:sldMk cId="4023351221" sldId="527"/>
-            <ac:spMk id="2" creationId="{00000000-0000-0000-0000-000000000000}"/>
-          </ac:spMkLst>
-        </pc:spChg>
-      </pc:sldChg>
-      <pc:sldChg chg="addSp delSp modSp mod">
-        <pc:chgData name="Anatoliy Kigel" userId="7432c6c4687b0a9c" providerId="LiveId" clId="{65B31AE5-D199-445F-8D30-9AB7516F2116}" dt="2021-03-02T08:34:54.721" v="625" actId="1076"/>
-        <pc:sldMkLst>
-          <pc:docMk/>
-          <pc:sldMk cId="1506378298" sldId="528"/>
-        </pc:sldMkLst>
-        <pc:spChg chg="mod">
-          <ac:chgData name="Anatoliy Kigel" userId="7432c6c4687b0a9c" providerId="LiveId" clId="{65B31AE5-D199-445F-8D30-9AB7516F2116}" dt="2021-03-02T08:34:34.410" v="620" actId="14100"/>
-          <ac:spMkLst>
-            <pc:docMk/>
-            <pc:sldMk cId="1506378298" sldId="528"/>
-            <ac:spMk id="2" creationId="{00000000-0000-0000-0000-000000000000}"/>
-          </ac:spMkLst>
-        </pc:spChg>
-        <pc:spChg chg="add del mod">
-          <ac:chgData name="Anatoliy Kigel" userId="7432c6c4687b0a9c" providerId="LiveId" clId="{65B31AE5-D199-445F-8D30-9AB7516F2116}" dt="2021-03-02T08:34:15.503" v="612" actId="1037"/>
-          <ac:spMkLst>
-            <pc:docMk/>
-            <pc:sldMk cId="1506378298" sldId="528"/>
-            <ac:spMk id="4" creationId="{00000000-0000-0000-0000-000000000000}"/>
-          </ac:spMkLst>
-        </pc:spChg>
-        <pc:spChg chg="mod">
-          <ac:chgData name="Anatoliy Kigel" userId="7432c6c4687b0a9c" providerId="LiveId" clId="{65B31AE5-D199-445F-8D30-9AB7516F2116}" dt="2021-03-02T08:34:49.854" v="624" actId="14100"/>
-          <ac:spMkLst>
-            <pc:docMk/>
-            <pc:sldMk cId="1506378298" sldId="528"/>
-            <ac:spMk id="5" creationId="{00000000-0000-0000-0000-000000000000}"/>
-          </ac:spMkLst>
-        </pc:spChg>
-        <pc:spChg chg="mod">
-          <ac:chgData name="Anatoliy Kigel" userId="7432c6c4687b0a9c" providerId="LiveId" clId="{65B31AE5-D199-445F-8D30-9AB7516F2116}" dt="2021-03-02T08:34:15.503" v="612" actId="1037"/>
-          <ac:spMkLst>
-            <pc:docMk/>
-            <pc:sldMk cId="1506378298" sldId="528"/>
-            <ac:spMk id="6" creationId="{00000000-0000-0000-0000-000000000000}"/>
-          </ac:spMkLst>
-        </pc:spChg>
-        <pc:spChg chg="del">
-          <ac:chgData name="Anatoliy Kigel" userId="7432c6c4687b0a9c" providerId="LiveId" clId="{65B31AE5-D199-445F-8D30-9AB7516F2116}" dt="2021-03-02T08:31:45.519" v="402" actId="478"/>
-          <ac:spMkLst>
-            <pc:docMk/>
-            <pc:sldMk cId="1506378298" sldId="528"/>
-            <ac:spMk id="7" creationId="{00000000-0000-0000-0000-000000000000}"/>
-          </ac:spMkLst>
-        </pc:spChg>
-        <pc:spChg chg="del">
-          <ac:chgData name="Anatoliy Kigel" userId="7432c6c4687b0a9c" providerId="LiveId" clId="{65B31AE5-D199-445F-8D30-9AB7516F2116}" dt="2021-03-02T08:31:42.455" v="401" actId="478"/>
-          <ac:spMkLst>
-            <pc:docMk/>
-            <pc:sldMk cId="1506378298" sldId="528"/>
-            <ac:spMk id="9" creationId="{00000000-0000-0000-0000-000000000000}"/>
-          </ac:spMkLst>
-        </pc:spChg>
-        <pc:spChg chg="add del">
-          <ac:chgData name="Anatoliy Kigel" userId="7432c6c4687b0a9c" providerId="LiveId" clId="{65B31AE5-D199-445F-8D30-9AB7516F2116}" dt="2021-03-02T08:32:32.277" v="452" actId="22"/>
-          <ac:spMkLst>
-            <pc:docMk/>
-            <pc:sldMk cId="1506378298" sldId="528"/>
-            <ac:spMk id="11" creationId="{419196FC-0A22-4FE0-9846-C56628F73EEF}"/>
-          </ac:spMkLst>
-        </pc:spChg>
-        <pc:spChg chg="add del mod">
-          <ac:chgData name="Anatoliy Kigel" userId="7432c6c4687b0a9c" providerId="LiveId" clId="{65B31AE5-D199-445F-8D30-9AB7516F2116}" dt="2021-03-02T08:34:54.721" v="625" actId="1076"/>
-          <ac:spMkLst>
-            <pc:docMk/>
-            <pc:sldMk cId="1506378298" sldId="528"/>
-            <ac:spMk id="13" creationId="{55ACA334-FFE4-4BCB-93DA-73FB6DF38681}"/>
-          </ac:spMkLst>
-        </pc:spChg>
-        <pc:picChg chg="add del mod">
-          <ac:chgData name="Anatoliy Kigel" userId="7432c6c4687b0a9c" providerId="LiveId" clId="{65B31AE5-D199-445F-8D30-9AB7516F2116}" dt="2021-03-02T08:34:54.721" v="625" actId="1076"/>
-          <ac:picMkLst>
-            <pc:docMk/>
-            <pc:sldMk cId="1506378298" sldId="528"/>
-            <ac:picMk id="12" creationId="{472C972D-1F84-41A3-B7F6-CC5CDC78C192}"/>
-          </ac:picMkLst>
-        </pc:picChg>
-        <pc:cxnChg chg="add mod">
-          <ac:chgData name="Anatoliy Kigel" userId="7432c6c4687b0a9c" providerId="LiveId" clId="{65B31AE5-D199-445F-8D30-9AB7516F2116}" dt="2021-03-02T08:34:44.950" v="623" actId="1582"/>
-          <ac:cxnSpMkLst>
-            <pc:docMk/>
-            <pc:sldMk cId="1506378298" sldId="528"/>
-            <ac:cxnSpMk id="15" creationId="{CB196E59-6280-487A-8822-B1E11CC93F53}"/>
-          </ac:cxnSpMkLst>
-        </pc:cxnChg>
-      </pc:sldChg>
-      <pc:sldChg chg="modSp mod">
-        <pc:chgData name="Anatoliy Kigel" userId="7432c6c4687b0a9c" providerId="LiveId" clId="{65B31AE5-D199-445F-8D30-9AB7516F2116}" dt="2021-03-02T08:24:07.505" v="391" actId="207"/>
-        <pc:sldMkLst>
-          <pc:docMk/>
-          <pc:sldMk cId="665538273" sldId="530"/>
-        </pc:sldMkLst>
-        <pc:spChg chg="mod">
-          <ac:chgData name="Anatoliy Kigel" userId="7432c6c4687b0a9c" providerId="LiveId" clId="{65B31AE5-D199-445F-8D30-9AB7516F2116}" dt="2021-03-02T08:24:07.505" v="391" actId="207"/>
-          <ac:spMkLst>
-            <pc:docMk/>
-            <pc:sldMk cId="665538273" sldId="530"/>
-            <ac:spMk id="5" creationId="{00000000-0000-0000-0000-000000000000}"/>
-          </ac:spMkLst>
-        </pc:spChg>
-      </pc:sldChg>
-    </pc:docChg>
-  </pc:docChgLst>
-  <pc:docChgLst>
-    <pc:chgData name="Anatoliy Kigel" userId="7432c6c4687b0a9c" providerId="LiveId" clId="{4DB424D7-841E-415E-ADA1-AC2EF07CF2C5}"/>
-    <pc:docChg chg="custSel modSld">
-      <pc:chgData name="Anatoliy Kigel" userId="7432c6c4687b0a9c" providerId="LiveId" clId="{4DB424D7-841E-415E-ADA1-AC2EF07CF2C5}" dt="2023-05-31T10:38:22.926" v="11" actId="478"/>
-      <pc:docMkLst>
-        <pc:docMk/>
-      </pc:docMkLst>
-      <pc:sldChg chg="delSp mod">
-        <pc:chgData name="Anatoliy Kigel" userId="7432c6c4687b0a9c" providerId="LiveId" clId="{4DB424D7-841E-415E-ADA1-AC2EF07CF2C5}" dt="2023-05-31T10:38:15.132" v="9" actId="478"/>
-        <pc:sldMkLst>
-          <pc:docMk/>
-          <pc:sldMk cId="3863989030" sldId="424"/>
-        </pc:sldMkLst>
-        <pc:spChg chg="del">
-          <ac:chgData name="Anatoliy Kigel" userId="7432c6c4687b0a9c" providerId="LiveId" clId="{4DB424D7-841E-415E-ADA1-AC2EF07CF2C5}" dt="2023-05-31T10:38:15.132" v="9" actId="478"/>
-          <ac:spMkLst>
-            <pc:docMk/>
-            <pc:sldMk cId="3863989030" sldId="424"/>
-            <ac:spMk id="11" creationId="{00000000-0000-0000-0000-000000000000}"/>
-          </ac:spMkLst>
-        </pc:spChg>
-      </pc:sldChg>
-      <pc:sldChg chg="delSp mod">
-        <pc:chgData name="Anatoliy Kigel" userId="7432c6c4687b0a9c" providerId="LiveId" clId="{4DB424D7-841E-415E-ADA1-AC2EF07CF2C5}" dt="2023-05-31T10:38:22.926" v="11" actId="478"/>
-        <pc:sldMkLst>
-          <pc:docMk/>
-          <pc:sldMk cId="2765944910" sldId="475"/>
-        </pc:sldMkLst>
-        <pc:spChg chg="del">
-          <ac:chgData name="Anatoliy Kigel" userId="7432c6c4687b0a9c" providerId="LiveId" clId="{4DB424D7-841E-415E-ADA1-AC2EF07CF2C5}" dt="2023-05-31T10:38:22.926" v="11" actId="478"/>
-          <ac:spMkLst>
-            <pc:docMk/>
-            <pc:sldMk cId="2765944910" sldId="475"/>
-            <ac:spMk id="8" creationId="{00000000-0000-0000-0000-000000000000}"/>
-          </ac:spMkLst>
-        </pc:spChg>
-      </pc:sldChg>
-      <pc:sldChg chg="delSp modSp mod">
-        <pc:chgData name="Anatoliy Kigel" userId="7432c6c4687b0a9c" providerId="LiveId" clId="{4DB424D7-841E-415E-ADA1-AC2EF07CF2C5}" dt="2023-05-31T10:38:10.988" v="8" actId="1036"/>
-        <pc:sldMkLst>
-          <pc:docMk/>
-          <pc:sldMk cId="1473843389" sldId="514"/>
-        </pc:sldMkLst>
-        <pc:spChg chg="del">
-          <ac:chgData name="Anatoliy Kigel" userId="7432c6c4687b0a9c" providerId="LiveId" clId="{4DB424D7-841E-415E-ADA1-AC2EF07CF2C5}" dt="2023-05-31T10:38:08.446" v="0" actId="478"/>
-          <ac:spMkLst>
-            <pc:docMk/>
-            <pc:sldMk cId="1473843389" sldId="514"/>
-            <ac:spMk id="6" creationId="{00000000-0000-0000-0000-000000000000}"/>
-          </ac:spMkLst>
-        </pc:spChg>
-        <pc:spChg chg="mod">
-          <ac:chgData name="Anatoliy Kigel" userId="7432c6c4687b0a9c" providerId="LiveId" clId="{4DB424D7-841E-415E-ADA1-AC2EF07CF2C5}" dt="2023-05-31T10:38:10.988" v="8" actId="1036"/>
-          <ac:spMkLst>
-            <pc:docMk/>
-            <pc:sldMk cId="1473843389" sldId="514"/>
-            <ac:spMk id="26" creationId="{00000000-0000-0000-0000-000000000000}"/>
-          </ac:spMkLst>
-        </pc:spChg>
-      </pc:sldChg>
-      <pc:sldChg chg="delSp mod">
-        <pc:chgData name="Anatoliy Kigel" userId="7432c6c4687b0a9c" providerId="LiveId" clId="{4DB424D7-841E-415E-ADA1-AC2EF07CF2C5}" dt="2023-05-31T10:38:17.790" v="10" actId="478"/>
-        <pc:sldMkLst>
-          <pc:docMk/>
-          <pc:sldMk cId="600371874" sldId="566"/>
-        </pc:sldMkLst>
-        <pc:spChg chg="del">
-          <ac:chgData name="Anatoliy Kigel" userId="7432c6c4687b0a9c" providerId="LiveId" clId="{4DB424D7-841E-415E-ADA1-AC2EF07CF2C5}" dt="2023-05-31T10:38:17.790" v="10" actId="478"/>
-          <ac:spMkLst>
-            <pc:docMk/>
-            <pc:sldMk cId="600371874" sldId="566"/>
-            <ac:spMk id="11" creationId="{00000000-0000-0000-0000-000000000000}"/>
-          </ac:spMkLst>
-        </pc:spChg>
-      </pc:sldChg>
-    </pc:docChg>
-  </pc:docChgLst>
-  <pc:docChgLst>
-    <pc:chgData name="Anatoliy Kigel" userId="7432c6c4687b0a9c" providerId="LiveId" clId="{847BB01A-A476-47BC-91DF-1E44C740529E}"/>
-    <pc:docChg chg="undo custSel addSld delSld modSld">
-      <pc:chgData name="Anatoliy Kigel" userId="7432c6c4687b0a9c" providerId="LiveId" clId="{847BB01A-A476-47BC-91DF-1E44C740529E}" dt="2021-06-10T20:52:11.724" v="254" actId="20577"/>
-      <pc:docMkLst>
-        <pc:docMk/>
-      </pc:docMkLst>
-      <pc:sldChg chg="add del">
-        <pc:chgData name="Anatoliy Kigel" userId="7432c6c4687b0a9c" providerId="LiveId" clId="{847BB01A-A476-47BC-91DF-1E44C740529E}" dt="2021-06-07T06:52:04.271" v="224" actId="47"/>
-        <pc:sldMkLst>
-          <pc:docMk/>
-          <pc:sldMk cId="235221471" sldId="461"/>
-        </pc:sldMkLst>
-      </pc:sldChg>
-      <pc:sldChg chg="del">
-        <pc:chgData name="Anatoliy Kigel" userId="7432c6c4687b0a9c" providerId="LiveId" clId="{847BB01A-A476-47BC-91DF-1E44C740529E}" dt="2021-06-07T06:48:33.205" v="4" actId="2696"/>
-        <pc:sldMkLst>
-          <pc:docMk/>
-          <pc:sldMk cId="4277329049" sldId="461"/>
-        </pc:sldMkLst>
-      </pc:sldChg>
-      <pc:sldChg chg="add del">
-        <pc:chgData name="Anatoliy Kigel" userId="7432c6c4687b0a9c" providerId="LiveId" clId="{847BB01A-A476-47BC-91DF-1E44C740529E}" dt="2021-06-07T06:52:04.271" v="224" actId="47"/>
-        <pc:sldMkLst>
-          <pc:docMk/>
-          <pc:sldMk cId="696302188" sldId="462"/>
-        </pc:sldMkLst>
-      </pc:sldChg>
-      <pc:sldChg chg="del">
-        <pc:chgData name="Anatoliy Kigel" userId="7432c6c4687b0a9c" providerId="LiveId" clId="{847BB01A-A476-47BC-91DF-1E44C740529E}" dt="2021-06-07T06:48:33.205" v="4" actId="2696"/>
-        <pc:sldMkLst>
-          <pc:docMk/>
-          <pc:sldMk cId="1070822381" sldId="462"/>
-        </pc:sldMkLst>
-      </pc:sldChg>
-      <pc:sldChg chg="add del">
-        <pc:chgData name="Anatoliy Kigel" userId="7432c6c4687b0a9c" providerId="LiveId" clId="{847BB01A-A476-47BC-91DF-1E44C740529E}" dt="2021-06-07T06:52:04.271" v="224" actId="47"/>
-        <pc:sldMkLst>
-          <pc:docMk/>
-          <pc:sldMk cId="2300718141" sldId="463"/>
-        </pc:sldMkLst>
-      </pc:sldChg>
-      <pc:sldChg chg="del">
-        <pc:chgData name="Anatoliy Kigel" userId="7432c6c4687b0a9c" providerId="LiveId" clId="{847BB01A-A476-47BC-91DF-1E44C740529E}" dt="2021-06-07T06:48:33.205" v="4" actId="2696"/>
-        <pc:sldMkLst>
-          <pc:docMk/>
-          <pc:sldMk cId="3639811883" sldId="463"/>
-        </pc:sldMkLst>
-      </pc:sldChg>
-      <pc:sldChg chg="modSp mod">
-        <pc:chgData name="Anatoliy Kigel" userId="7432c6c4687b0a9c" providerId="LiveId" clId="{847BB01A-A476-47BC-91DF-1E44C740529E}" dt="2021-06-07T06:48:30.637" v="3" actId="20577"/>
-        <pc:sldMkLst>
-          <pc:docMk/>
-          <pc:sldMk cId="899785685" sldId="474"/>
-        </pc:sldMkLst>
-        <pc:spChg chg="mod">
-          <ac:chgData name="Anatoliy Kigel" userId="7432c6c4687b0a9c" providerId="LiveId" clId="{847BB01A-A476-47BC-91DF-1E44C740529E}" dt="2021-06-07T06:48:30.637" v="3" actId="20577"/>
-          <ac:spMkLst>
-            <pc:docMk/>
-            <pc:sldMk cId="899785685" sldId="474"/>
-            <ac:spMk id="5" creationId="{00000000-0000-0000-0000-000000000000}"/>
-          </ac:spMkLst>
-        </pc:spChg>
-      </pc:sldChg>
-      <pc:sldChg chg="del">
-        <pc:chgData name="Anatoliy Kigel" userId="7432c6c4687b0a9c" providerId="LiveId" clId="{847BB01A-A476-47BC-91DF-1E44C740529E}" dt="2021-06-10T20:50:10.936" v="225" actId="47"/>
-        <pc:sldMkLst>
-          <pc:docMk/>
-          <pc:sldMk cId="3720006240" sldId="516"/>
-        </pc:sldMkLst>
-      </pc:sldChg>
-      <pc:sldChg chg="del">
-        <pc:chgData name="Anatoliy Kigel" userId="7432c6c4687b0a9c" providerId="LiveId" clId="{847BB01A-A476-47BC-91DF-1E44C740529E}" dt="2021-06-10T20:50:10.936" v="225" actId="47"/>
-        <pc:sldMkLst>
-          <pc:docMk/>
-          <pc:sldMk cId="503710912" sldId="517"/>
-        </pc:sldMkLst>
-      </pc:sldChg>
-      <pc:sldChg chg="del">
-        <pc:chgData name="Anatoliy Kigel" userId="7432c6c4687b0a9c" providerId="LiveId" clId="{847BB01A-A476-47BC-91DF-1E44C740529E}" dt="2021-06-10T20:50:10.936" v="225" actId="47"/>
-        <pc:sldMkLst>
-          <pc:docMk/>
-          <pc:sldMk cId="1302747808" sldId="518"/>
-        </pc:sldMkLst>
-      </pc:sldChg>
-      <pc:sldChg chg="delSp modSp mod">
-        <pc:chgData name="Anatoliy Kigel" userId="7432c6c4687b0a9c" providerId="LiveId" clId="{847BB01A-A476-47BC-91DF-1E44C740529E}" dt="2021-06-10T20:52:11.724" v="254" actId="20577"/>
-        <pc:sldMkLst>
-          <pc:docMk/>
-          <pc:sldMk cId="1506378298" sldId="528"/>
-        </pc:sldMkLst>
-        <pc:spChg chg="mod">
-          <ac:chgData name="Anatoliy Kigel" userId="7432c6c4687b0a9c" providerId="LiveId" clId="{847BB01A-A476-47BC-91DF-1E44C740529E}" dt="2021-06-10T20:52:04.514" v="249" actId="20577"/>
-          <ac:spMkLst>
-            <pc:docMk/>
-            <pc:sldMk cId="1506378298" sldId="528"/>
-            <ac:spMk id="2" creationId="{00000000-0000-0000-0000-000000000000}"/>
-          </ac:spMkLst>
-        </pc:spChg>
-        <pc:spChg chg="mod">
-          <ac:chgData name="Anatoliy Kigel" userId="7432c6c4687b0a9c" providerId="LiveId" clId="{847BB01A-A476-47BC-91DF-1E44C740529E}" dt="2021-06-10T20:52:11.724" v="254" actId="20577"/>
-          <ac:spMkLst>
-            <pc:docMk/>
-            <pc:sldMk cId="1506378298" sldId="528"/>
-            <ac:spMk id="4" creationId="{00000000-0000-0000-0000-000000000000}"/>
-          </ac:spMkLst>
-        </pc:spChg>
-        <pc:spChg chg="del">
-          <ac:chgData name="Anatoliy Kigel" userId="7432c6c4687b0a9c" providerId="LiveId" clId="{847BB01A-A476-47BC-91DF-1E44C740529E}" dt="2021-06-10T20:51:33.139" v="226" actId="478"/>
-          <ac:spMkLst>
-            <pc:docMk/>
-            <pc:sldMk cId="1506378298" sldId="528"/>
-            <ac:spMk id="5" creationId="{00000000-0000-0000-0000-000000000000}"/>
-          </ac:spMkLst>
-        </pc:spChg>
-      </pc:sldChg>
-      <pc:sldChg chg="modSp add mod">
-        <pc:chgData name="Anatoliy Kigel" userId="7432c6c4687b0a9c" providerId="LiveId" clId="{847BB01A-A476-47BC-91DF-1E44C740529E}" dt="2021-06-07T06:51:55.649" v="223" actId="207"/>
-        <pc:sldMkLst>
-          <pc:docMk/>
-          <pc:sldMk cId="1448568263" sldId="531"/>
-        </pc:sldMkLst>
-        <pc:spChg chg="mod">
-          <ac:chgData name="Anatoliy Kigel" userId="7432c6c4687b0a9c" providerId="LiveId" clId="{847BB01A-A476-47BC-91DF-1E44C740529E}" dt="2021-06-07T06:51:55.649" v="223" actId="207"/>
-          <ac:spMkLst>
-            <pc:docMk/>
-            <pc:sldMk cId="1448568263" sldId="531"/>
-            <ac:spMk id="3" creationId="{00000000-0000-0000-0000-000000000000}"/>
-          </ac:spMkLst>
-        </pc:spChg>
-        <pc:spChg chg="mod">
-          <ac:chgData name="Anatoliy Kigel" userId="7432c6c4687b0a9c" providerId="LiveId" clId="{847BB01A-A476-47BC-91DF-1E44C740529E}" dt="2021-06-07T06:51:47.868" v="222" actId="1035"/>
-          <ac:spMkLst>
-            <pc:docMk/>
-            <pc:sldMk cId="1448568263" sldId="531"/>
-            <ac:spMk id="5" creationId="{00000000-0000-0000-0000-000000000000}"/>
-          </ac:spMkLst>
-        </pc:spChg>
-      </pc:sldChg>
-    </pc:docChg>
-  </pc:docChgLst>
-  <pc:docChgLst>
     <pc:chgData name="Anatoliy Kigel" userId="7432c6c4687b0a9c" providerId="LiveId" clId="{EDC6EF7A-E9C1-44DE-819C-E91DD52383BB}"/>
     <pc:docChg chg="custSel addSld delSld modSld">
       <pc:chgData name="Anatoliy Kigel" userId="7432c6c4687b0a9c" providerId="LiveId" clId="{EDC6EF7A-E9C1-44DE-819C-E91DD52383BB}" dt="2022-01-23T19:16:39.390" v="66" actId="404"/>
@@ -2358,6 +2254,212 @@
         <pc:sldMkLst>
           <pc:docMk/>
           <pc:sldMk cId="1448568263" sldId="531"/>
+        </pc:sldMkLst>
+      </pc:sldChg>
+    </pc:docChg>
+  </pc:docChgLst>
+  <pc:docChgLst>
+    <pc:chgData name="Anatoliy Kigel" userId="7432c6c4687b0a9c" providerId="LiveId" clId="{009658F8-EC3F-4639-93EB-76429AFEA6B9}"/>
+    <pc:docChg chg="custSel addSld modSld">
+      <pc:chgData name="Anatoliy Kigel" userId="7432c6c4687b0a9c" providerId="LiveId" clId="{009658F8-EC3F-4639-93EB-76429AFEA6B9}" dt="2023-12-29T17:45:59.963" v="46" actId="207"/>
+      <pc:docMkLst>
+        <pc:docMk/>
+      </pc:docMkLst>
+      <pc:sldChg chg="modSp mod">
+        <pc:chgData name="Anatoliy Kigel" userId="7432c6c4687b0a9c" providerId="LiveId" clId="{009658F8-EC3F-4639-93EB-76429AFEA6B9}" dt="2023-12-29T17:45:59.963" v="46" actId="207"/>
+        <pc:sldMkLst>
+          <pc:docMk/>
+          <pc:sldMk cId="1969206996" sldId="375"/>
+        </pc:sldMkLst>
+        <pc:spChg chg="mod">
+          <ac:chgData name="Anatoliy Kigel" userId="7432c6c4687b0a9c" providerId="LiveId" clId="{009658F8-EC3F-4639-93EB-76429AFEA6B9}" dt="2023-12-29T17:45:59.963" v="46" actId="207"/>
+          <ac:spMkLst>
+            <pc:docMk/>
+            <pc:sldMk cId="1969206996" sldId="375"/>
+            <ac:spMk id="8" creationId="{00000000-0000-0000-0000-000000000000}"/>
+          </ac:spMkLst>
+        </pc:spChg>
+        <pc:spChg chg="mod">
+          <ac:chgData name="Anatoliy Kigel" userId="7432c6c4687b0a9c" providerId="LiveId" clId="{009658F8-EC3F-4639-93EB-76429AFEA6B9}" dt="2023-12-29T17:45:48.384" v="41" actId="1035"/>
+          <ac:spMkLst>
+            <pc:docMk/>
+            <pc:sldMk cId="1969206996" sldId="375"/>
+            <ac:spMk id="9" creationId="{00000000-0000-0000-0000-000000000000}"/>
+          </ac:spMkLst>
+        </pc:spChg>
+      </pc:sldChg>
+      <pc:sldChg chg="modSp mod">
+        <pc:chgData name="Anatoliy Kigel" userId="7432c6c4687b0a9c" providerId="LiveId" clId="{009658F8-EC3F-4639-93EB-76429AFEA6B9}" dt="2023-12-29T17:45:25.271" v="8" actId="20577"/>
+        <pc:sldMkLst>
+          <pc:docMk/>
+          <pc:sldMk cId="236005783" sldId="425"/>
+        </pc:sldMkLst>
+        <pc:spChg chg="mod">
+          <ac:chgData name="Anatoliy Kigel" userId="7432c6c4687b0a9c" providerId="LiveId" clId="{009658F8-EC3F-4639-93EB-76429AFEA6B9}" dt="2023-12-29T17:45:25.271" v="8" actId="20577"/>
+          <ac:spMkLst>
+            <pc:docMk/>
+            <pc:sldMk cId="236005783" sldId="425"/>
+            <ac:spMk id="5" creationId="{00000000-0000-0000-0000-000000000000}"/>
+          </ac:spMkLst>
+        </pc:spChg>
+      </pc:sldChg>
+      <pc:sldChg chg="modSp mod">
+        <pc:chgData name="Anatoliy Kigel" userId="7432c6c4687b0a9c" providerId="LiveId" clId="{009658F8-EC3F-4639-93EB-76429AFEA6B9}" dt="2023-12-29T17:45:19.702" v="1" actId="20577"/>
+        <pc:sldMkLst>
+          <pc:docMk/>
+          <pc:sldMk cId="899785685" sldId="474"/>
+        </pc:sldMkLst>
+        <pc:spChg chg="mod">
+          <ac:chgData name="Anatoliy Kigel" userId="7432c6c4687b0a9c" providerId="LiveId" clId="{009658F8-EC3F-4639-93EB-76429AFEA6B9}" dt="2023-12-29T17:45:19.702" v="1" actId="20577"/>
+          <ac:spMkLst>
+            <pc:docMk/>
+            <pc:sldMk cId="899785685" sldId="474"/>
+            <ac:spMk id="5" creationId="{00000000-0000-0000-0000-000000000000}"/>
+          </ac:spMkLst>
+        </pc:spChg>
+      </pc:sldChg>
+      <pc:sldChg chg="add">
+        <pc:chgData name="Anatoliy Kigel" userId="7432c6c4687b0a9c" providerId="LiveId" clId="{009658F8-EC3F-4639-93EB-76429AFEA6B9}" dt="2023-12-29T17:45:16.069" v="0"/>
+        <pc:sldMkLst>
+          <pc:docMk/>
+          <pc:sldMk cId="2495425632" sldId="498"/>
+        </pc:sldMkLst>
+      </pc:sldChg>
+      <pc:sldChg chg="add">
+        <pc:chgData name="Anatoliy Kigel" userId="7432c6c4687b0a9c" providerId="LiveId" clId="{009658F8-EC3F-4639-93EB-76429AFEA6B9}" dt="2023-12-29T17:45:16.069" v="0"/>
+        <pc:sldMkLst>
+          <pc:docMk/>
+          <pc:sldMk cId="1532842395" sldId="499"/>
+        </pc:sldMkLst>
+      </pc:sldChg>
+      <pc:sldChg chg="add">
+        <pc:chgData name="Anatoliy Kigel" userId="7432c6c4687b0a9c" providerId="LiveId" clId="{009658F8-EC3F-4639-93EB-76429AFEA6B9}" dt="2023-12-29T17:45:16.069" v="0"/>
+        <pc:sldMkLst>
+          <pc:docMk/>
+          <pc:sldMk cId="2453015292" sldId="500"/>
+        </pc:sldMkLst>
+      </pc:sldChg>
+      <pc:sldChg chg="add">
+        <pc:chgData name="Anatoliy Kigel" userId="7432c6c4687b0a9c" providerId="LiveId" clId="{009658F8-EC3F-4639-93EB-76429AFEA6B9}" dt="2023-12-29T17:45:16.069" v="0"/>
+        <pc:sldMkLst>
+          <pc:docMk/>
+          <pc:sldMk cId="1657804849" sldId="501"/>
+        </pc:sldMkLst>
+      </pc:sldChg>
+    </pc:docChg>
+  </pc:docChgLst>
+  <pc:docChgLst>
+    <pc:chgData name="Anatoliy Kigel" userId="7432c6c4687b0a9c" providerId="LiveId" clId="{2CF95A32-0F97-44A2-B483-D24C11343829}"/>
+    <pc:docChg chg="custSel modSld">
+      <pc:chgData name="Anatoliy Kigel" userId="7432c6c4687b0a9c" providerId="LiveId" clId="{2CF95A32-0F97-44A2-B483-D24C11343829}" dt="2022-09-15T07:15:30.239" v="59" actId="1036"/>
+      <pc:docMkLst>
+        <pc:docMk/>
+      </pc:docMkLst>
+      <pc:sldChg chg="modSp mod">
+        <pc:chgData name="Anatoliy Kigel" userId="7432c6c4687b0a9c" providerId="LiveId" clId="{2CF95A32-0F97-44A2-B483-D24C11343829}" dt="2022-09-15T07:14:40.278" v="14" actId="20577"/>
+        <pc:sldMkLst>
+          <pc:docMk/>
+          <pc:sldMk cId="1320399867" sldId="503"/>
+        </pc:sldMkLst>
+        <pc:spChg chg="mod">
+          <ac:chgData name="Anatoliy Kigel" userId="7432c6c4687b0a9c" providerId="LiveId" clId="{2CF95A32-0F97-44A2-B483-D24C11343829}" dt="2022-09-15T07:14:40.278" v="14" actId="20577"/>
+          <ac:spMkLst>
+            <pc:docMk/>
+            <pc:sldMk cId="1320399867" sldId="503"/>
+            <ac:spMk id="7" creationId="{00000000-0000-0000-0000-000000000000}"/>
+          </ac:spMkLst>
+        </pc:spChg>
+      </pc:sldChg>
+      <pc:sldChg chg="modSp mod">
+        <pc:chgData name="Anatoliy Kigel" userId="7432c6c4687b0a9c" providerId="LiveId" clId="{2CF95A32-0F97-44A2-B483-D24C11343829}" dt="2022-09-15T07:15:02.916" v="32" actId="20577"/>
+        <pc:sldMkLst>
+          <pc:docMk/>
+          <pc:sldMk cId="4143157552" sldId="504"/>
+        </pc:sldMkLst>
+        <pc:spChg chg="mod">
+          <ac:chgData name="Anatoliy Kigel" userId="7432c6c4687b0a9c" providerId="LiveId" clId="{2CF95A32-0F97-44A2-B483-D24C11343829}" dt="2022-09-15T07:15:02.916" v="32" actId="20577"/>
+          <ac:spMkLst>
+            <pc:docMk/>
+            <pc:sldMk cId="4143157552" sldId="504"/>
+            <ac:spMk id="7" creationId="{00000000-0000-0000-0000-000000000000}"/>
+          </ac:spMkLst>
+        </pc:spChg>
+      </pc:sldChg>
+      <pc:sldChg chg="addSp delSp modSp mod">
+        <pc:chgData name="Anatoliy Kigel" userId="7432c6c4687b0a9c" providerId="LiveId" clId="{2CF95A32-0F97-44A2-B483-D24C11343829}" dt="2022-09-15T07:15:30.239" v="59" actId="1036"/>
+        <pc:sldMkLst>
+          <pc:docMk/>
+          <pc:sldMk cId="2257415676" sldId="505"/>
+        </pc:sldMkLst>
+        <pc:spChg chg="del">
+          <ac:chgData name="Anatoliy Kigel" userId="7432c6c4687b0a9c" providerId="LiveId" clId="{2CF95A32-0F97-44A2-B483-D24C11343829}" dt="2022-09-15T07:15:09.441" v="33" actId="478"/>
+          <ac:spMkLst>
+            <pc:docMk/>
+            <pc:sldMk cId="2257415676" sldId="505"/>
+            <ac:spMk id="2" creationId="{00000000-0000-0000-0000-000000000000}"/>
+          </ac:spMkLst>
+        </pc:spChg>
+        <pc:spChg chg="add mod">
+          <ac:chgData name="Anatoliy Kigel" userId="7432c6c4687b0a9c" providerId="LiveId" clId="{2CF95A32-0F97-44A2-B483-D24C11343829}" dt="2022-09-15T07:15:30.239" v="59" actId="1036"/>
+          <ac:spMkLst>
+            <pc:docMk/>
+            <pc:sldMk cId="2257415676" sldId="505"/>
+            <ac:spMk id="4" creationId="{F92D6A71-79C3-499A-16AE-589A3ACF1374}"/>
+          </ac:spMkLst>
+        </pc:spChg>
+        <pc:spChg chg="del">
+          <ac:chgData name="Anatoliy Kigel" userId="7432c6c4687b0a9c" providerId="LiveId" clId="{2CF95A32-0F97-44A2-B483-D24C11343829}" dt="2022-09-15T07:15:21.003" v="47" actId="478"/>
+          <ac:spMkLst>
+            <pc:docMk/>
+            <pc:sldMk cId="2257415676" sldId="505"/>
+            <ac:spMk id="5" creationId="{00000000-0000-0000-0000-000000000000}"/>
+          </ac:spMkLst>
+        </pc:spChg>
+        <pc:spChg chg="del">
+          <ac:chgData name="Anatoliy Kigel" userId="7432c6c4687b0a9c" providerId="LiveId" clId="{2CF95A32-0F97-44A2-B483-D24C11343829}" dt="2022-09-15T07:15:21.969" v="48" actId="478"/>
+          <ac:spMkLst>
+            <pc:docMk/>
+            <pc:sldMk cId="2257415676" sldId="505"/>
+            <ac:spMk id="7" creationId="{00000000-0000-0000-0000-000000000000}"/>
+          </ac:spMkLst>
+        </pc:spChg>
+        <pc:spChg chg="mod">
+          <ac:chgData name="Anatoliy Kigel" userId="7432c6c4687b0a9c" providerId="LiveId" clId="{2CF95A32-0F97-44A2-B483-D24C11343829}" dt="2022-09-15T07:15:28.680" v="56" actId="1035"/>
+          <ac:spMkLst>
+            <pc:docMk/>
+            <pc:sldMk cId="2257415676" sldId="505"/>
+            <ac:spMk id="12" creationId="{00000000-0000-0000-0000-000000000000}"/>
+          </ac:spMkLst>
+        </pc:spChg>
+      </pc:sldChg>
+    </pc:docChg>
+  </pc:docChgLst>
+  <pc:docChgLst>
+    <pc:chgData name="Anatoliy Kigel" userId="7432c6c4687b0a9c" providerId="LiveId" clId="{A5DF38CE-DE16-4ABA-B2F3-98D84F2E2290}"/>
+    <pc:docChg chg="delSld">
+      <pc:chgData name="Anatoliy Kigel" userId="7432c6c4687b0a9c" providerId="LiveId" clId="{A5DF38CE-DE16-4ABA-B2F3-98D84F2E2290}" dt="2023-05-19T18:54:19.026" v="0" actId="2696"/>
+      <pc:docMkLst>
+        <pc:docMk/>
+      </pc:docMkLst>
+      <pc:sldChg chg="del">
+        <pc:chgData name="Anatoliy Kigel" userId="7432c6c4687b0a9c" providerId="LiveId" clId="{A5DF38CE-DE16-4ABA-B2F3-98D84F2E2290}" dt="2023-05-19T18:54:19.026" v="0" actId="2696"/>
+        <pc:sldMkLst>
+          <pc:docMk/>
+          <pc:sldMk cId="899785685" sldId="474"/>
+        </pc:sldMkLst>
+      </pc:sldChg>
+      <pc:sldChg chg="del">
+        <pc:chgData name="Anatoliy Kigel" userId="7432c6c4687b0a9c" providerId="LiveId" clId="{A5DF38CE-DE16-4ABA-B2F3-98D84F2E2290}" dt="2023-05-19T18:54:19.026" v="0" actId="2696"/>
+        <pc:sldMkLst>
+          <pc:docMk/>
+          <pc:sldMk cId="2765944910" sldId="475"/>
+        </pc:sldMkLst>
+      </pc:sldChg>
+      <pc:sldChg chg="del">
+        <pc:chgData name="Anatoliy Kigel" userId="7432c6c4687b0a9c" providerId="LiveId" clId="{A5DF38CE-DE16-4ABA-B2F3-98D84F2E2290}" dt="2023-05-19T18:54:19.026" v="0" actId="2696"/>
+        <pc:sldMkLst>
+          <pc:docMk/>
+          <pc:sldMk cId="316371881" sldId="476"/>
         </pc:sldMkLst>
       </pc:sldChg>
     </pc:docChg>
@@ -2448,7 +2550,7 @@
             <a:fld id="{85522811-C5C6-42D2-A409-F8556720C93F}" type="datetimeFigureOut">
               <a:rPr lang="uk-UA" smtClean="0"/>
               <a:pPr/>
-              <a:t>31.05.2023</a:t>
+              <a:t>29.12.2023</a:t>
             </a:fld>
             <a:endParaRPr lang="uk-UA"/>
           </a:p>
@@ -2988,7 +3090,7 @@
             <a:fld id="{E6FC6B0D-6115-4D7C-8040-9C8E2349BB6E}" type="datetime1">
               <a:rPr lang="uk-UA" smtClean="0"/>
               <a:pPr/>
-              <a:t>31.05.2023</a:t>
+              <a:t>29.12.2023</a:t>
             </a:fld>
             <a:endParaRPr lang="uk-UA"/>
           </a:p>
@@ -3155,7 +3257,7 @@
             <a:fld id="{996367BA-0A39-4DE2-BFC3-D5290044365E}" type="datetime1">
               <a:rPr lang="uk-UA" smtClean="0"/>
               <a:pPr/>
-              <a:t>31.05.2023</a:t>
+              <a:t>29.12.2023</a:t>
             </a:fld>
             <a:endParaRPr lang="uk-UA"/>
           </a:p>
@@ -3332,7 +3434,7 @@
             <a:fld id="{1BD6A67F-6C29-47DC-AF8A-FDB3C787DF70}" type="datetime1">
               <a:rPr lang="uk-UA" smtClean="0"/>
               <a:pPr/>
-              <a:t>31.05.2023</a:t>
+              <a:t>29.12.2023</a:t>
             </a:fld>
             <a:endParaRPr lang="uk-UA"/>
           </a:p>
@@ -3499,7 +3601,7 @@
             <a:fld id="{1657D9C5-7FF1-434F-B56E-9BAD559744E9}" type="datetime1">
               <a:rPr lang="uk-UA" smtClean="0"/>
               <a:pPr/>
-              <a:t>31.05.2023</a:t>
+              <a:t>29.12.2023</a:t>
             </a:fld>
             <a:endParaRPr lang="uk-UA"/>
           </a:p>
@@ -3742,7 +3844,7 @@
             <a:fld id="{2CEB0FC9-DE63-476B-A1A9-BE934D9049F8}" type="datetime1">
               <a:rPr lang="uk-UA" smtClean="0"/>
               <a:pPr/>
-              <a:t>31.05.2023</a:t>
+              <a:t>29.12.2023</a:t>
             </a:fld>
             <a:endParaRPr lang="uk-UA"/>
           </a:p>
@@ -4027,7 +4129,7 @@
             <a:fld id="{F964460F-86E2-4DF6-9D0F-12F5005CF375}" type="datetime1">
               <a:rPr lang="uk-UA" smtClean="0"/>
               <a:pPr/>
-              <a:t>31.05.2023</a:t>
+              <a:t>29.12.2023</a:t>
             </a:fld>
             <a:endParaRPr lang="uk-UA"/>
           </a:p>
@@ -4446,7 +4548,7 @@
             <a:fld id="{C521715E-DDCD-4267-B0A5-2918B6F6768A}" type="datetime1">
               <a:rPr lang="uk-UA" smtClean="0"/>
               <a:pPr/>
-              <a:t>31.05.2023</a:t>
+              <a:t>29.12.2023</a:t>
             </a:fld>
             <a:endParaRPr lang="uk-UA"/>
           </a:p>
@@ -4561,7 +4663,7 @@
             <a:fld id="{9289842C-EB2D-4EBB-A272-2F6A49D9794D}" type="datetime1">
               <a:rPr lang="uk-UA" smtClean="0"/>
               <a:pPr/>
-              <a:t>31.05.2023</a:t>
+              <a:t>29.12.2023</a:t>
             </a:fld>
             <a:endParaRPr lang="uk-UA"/>
           </a:p>
@@ -4653,7 +4755,7 @@
             <a:fld id="{D036F091-B700-4B52-99AC-85D0FD94D904}" type="datetime1">
               <a:rPr lang="uk-UA" smtClean="0"/>
               <a:pPr/>
-              <a:t>31.05.2023</a:t>
+              <a:t>29.12.2023</a:t>
             </a:fld>
             <a:endParaRPr lang="uk-UA"/>
           </a:p>
@@ -4927,7 +5029,7 @@
             <a:fld id="{B35DFABA-3811-4634-B803-2EAC4CD0063B}" type="datetime1">
               <a:rPr lang="uk-UA" smtClean="0"/>
               <a:pPr/>
-              <a:t>31.05.2023</a:t>
+              <a:t>29.12.2023</a:t>
             </a:fld>
             <a:endParaRPr lang="uk-UA"/>
           </a:p>
@@ -5177,7 +5279,7 @@
             <a:fld id="{8A9EA25E-F88E-463A-A119-D1E55A881002}" type="datetime1">
               <a:rPr lang="uk-UA" smtClean="0"/>
               <a:pPr/>
-              <a:t>31.05.2023</a:t>
+              <a:t>29.12.2023</a:t>
             </a:fld>
             <a:endParaRPr lang="uk-UA"/>
           </a:p>
@@ -5387,7 +5489,7 @@
             <a:fld id="{E708ED03-0080-49A2-B709-7DA4ACB3A1C3}" type="datetime1">
               <a:rPr lang="uk-UA" smtClean="0"/>
               <a:pPr/>
-              <a:t>31.05.2023</a:t>
+              <a:t>29.12.2023</a:t>
             </a:fld>
             <a:endParaRPr lang="uk-UA"/>
           </a:p>
@@ -6494,46 +6596,31 @@
           <a:p>
             <a:pPr algn="ctr"/>
             <a:r>
-              <a:rPr lang="ru-RU" sz="6600" b="1" dirty="0"/>
-              <a:t>4. Принципы</a:t>
-            </a:r>
-          </a:p>
-          <a:p>
-            <a:pPr algn="ctr"/>
-            <a:r>
-              <a:rPr lang="ru-RU" sz="6600" b="1" dirty="0"/>
-              <a:t>модульного тестирование </a:t>
-            </a:r>
-            <a:br>
-              <a:rPr lang="ru-RU" sz="6600" b="1" dirty="0"/>
-            </a:br>
-            <a:r>
-              <a:rPr lang="ru-RU" sz="6600" b="1" dirty="0"/>
-              <a:t>(</a:t>
-            </a:r>
-            <a:r>
-              <a:rPr lang="en-US" sz="6600" b="1" dirty="0">
+              <a:rPr lang="ru-RU" sz="8000" b="1" dirty="0"/>
+              <a:t>4. Объект </a:t>
+            </a:r>
+            <a:r>
+              <a:rPr lang="it-IT" sz="8000" b="1" dirty="0">
                 <a:solidFill>
-                  <a:srgbClr val="92D050"/>
+                  <a:schemeClr val="accent6">
+                    <a:lumMod val="75000"/>
+                  </a:schemeClr>
                 </a:solidFill>
               </a:rPr>
-              <a:t>Unit Testing</a:t>
-            </a:r>
-            <a:r>
-              <a:rPr lang="ru-RU" sz="6600" b="1" dirty="0"/>
-              <a:t>)</a:t>
-            </a:r>
-            <a:r>
-              <a:rPr lang="en-US" sz="6600" b="1" dirty="0"/>
+              <a:t>Date</a:t>
+            </a:r>
+            <a:r>
+              <a:rPr lang="it-IT" sz="8000" b="1" dirty="0"/>
               <a:t> </a:t>
             </a:r>
+            <a:endParaRPr lang="ru-RU" sz="8000" b="1" dirty="0"/>
           </a:p>
         </p:txBody>
       </p:sp>
     </p:spTree>
     <p:extLst>
       <p:ext uri="{BB962C8B-B14F-4D97-AF65-F5344CB8AC3E}">
-        <p14:creationId xmlns:p14="http://schemas.microsoft.com/office/powerpoint/2010/main" val="899785685"/>
+        <p14:creationId xmlns:p14="http://schemas.microsoft.com/office/powerpoint/2010/main" val="2495425632"/>
       </p:ext>
     </p:extLst>
   </p:cSld>
@@ -6544,6 +6631,322 @@
 </file>
 
 <file path=ppt/slides/slide13.xml><?xml version="1.0" encoding="utf-8"?>
+<p:sld xmlns:a="http://schemas.openxmlformats.org/drawingml/2006/main" xmlns:r="http://schemas.openxmlformats.org/officeDocument/2006/relationships" xmlns:p="http://schemas.openxmlformats.org/presentationml/2006/main">
+  <p:cSld>
+    <p:spTree>
+      <p:nvGrpSpPr>
+        <p:cNvPr id="1" name=""/>
+        <p:cNvGrpSpPr/>
+        <p:nvPr/>
+      </p:nvGrpSpPr>
+      <p:grpSpPr>
+        <a:xfrm>
+          <a:off x="0" y="0"/>
+          <a:ext cx="0" cy="0"/>
+          <a:chOff x="0" y="0"/>
+          <a:chExt cx="0" cy="0"/>
+        </a:xfrm>
+      </p:grpSpPr>
+      <p:sp>
+        <p:nvSpPr>
+          <p:cNvPr id="6" name="Номер слайда 36"/>
+          <p:cNvSpPr txBox="1">
+            <a:spLocks/>
+          </p:cNvSpPr>
+          <p:nvPr/>
+        </p:nvSpPr>
+        <p:spPr>
+          <a:xfrm>
+            <a:off x="11208568" y="6237312"/>
+            <a:ext cx="648072" cy="432048"/>
+          </a:xfrm>
+          <a:prstGeom prst="roundRect">
+            <a:avLst/>
+          </a:prstGeom>
+          <a:ln w="25400" cap="flat" cmpd="sng" algn="ctr">
+            <a:solidFill>
+              <a:schemeClr val="tx2">
+                <a:lumMod val="60000"/>
+                <a:lumOff val="40000"/>
+              </a:schemeClr>
+            </a:solidFill>
+            <a:prstDash val="solid"/>
+          </a:ln>
+        </p:spPr>
+        <p:style>
+          <a:lnRef idx="2">
+            <a:schemeClr val="accent1"/>
+          </a:lnRef>
+          <a:fillRef idx="1">
+            <a:schemeClr val="lt1"/>
+          </a:fillRef>
+          <a:effectRef idx="0">
+            <a:schemeClr val="accent1"/>
+          </a:effectRef>
+          <a:fontRef idx="minor">
+            <a:schemeClr val="dk1"/>
+          </a:fontRef>
+        </p:style>
+        <p:txBody>
+          <a:bodyPr vert="horz" lIns="91440" tIns="45720" rIns="91440" bIns="45720" rtlCol="0" anchor="ctr"/>
+          <a:lstStyle/>
+          <a:p>
+            <a:pPr algn="ctr">
+              <a:defRPr/>
+            </a:pPr>
+            <a:fld id="{6389AA22-90B4-448C-8B6B-C699140D38B9}" type="slidenum">
+              <a:rPr lang="uk-UA" sz="2400" b="1">
+                <a:solidFill>
+                  <a:schemeClr val="bg1">
+                    <a:lumMod val="50000"/>
+                  </a:schemeClr>
+                </a:solidFill>
+              </a:rPr>
+              <a:pPr algn="ctr">
+                <a:defRPr/>
+              </a:pPr>
+              <a:t>13</a:t>
+            </a:fld>
+            <a:endParaRPr lang="uk-UA" sz="2400" b="1" dirty="0">
+              <a:solidFill>
+                <a:schemeClr val="bg1">
+                  <a:lumMod val="50000"/>
+                </a:schemeClr>
+              </a:solidFill>
+            </a:endParaRPr>
+          </a:p>
+        </p:txBody>
+      </p:sp>
+      <p:sp>
+        <p:nvSpPr>
+          <p:cNvPr id="4" name="Заголовок 4"/>
+          <p:cNvSpPr>
+            <a:spLocks noGrp="1"/>
+          </p:cNvSpPr>
+          <p:nvPr>
+            <p:ph type="title"/>
+          </p:nvPr>
+        </p:nvSpPr>
+        <p:spPr>
+          <a:xfrm>
+            <a:off x="0" y="116632"/>
+            <a:ext cx="12192000" cy="648072"/>
+          </a:xfrm>
+        </p:spPr>
+        <p:txBody>
+          <a:bodyPr>
+            <a:normAutofit fontScale="90000"/>
+          </a:bodyPr>
+          <a:lstStyle/>
+          <a:p>
+            <a:r>
+              <a:rPr lang="ru-RU" sz="4000" b="1" dirty="0"/>
+              <a:t>Дата/Время в </a:t>
+            </a:r>
+            <a:r>
+              <a:rPr lang="en-US" sz="4000" b="1" dirty="0"/>
+              <a:t>JavaScript</a:t>
+            </a:r>
+            <a:endParaRPr lang="uk-UA" sz="4000" b="1" dirty="0">
+              <a:solidFill>
+                <a:schemeClr val="bg1">
+                  <a:lumMod val="50000"/>
+                </a:schemeClr>
+              </a:solidFill>
+            </a:endParaRPr>
+          </a:p>
+        </p:txBody>
+      </p:sp>
+      <p:sp>
+        <p:nvSpPr>
+          <p:cNvPr id="7" name="TextBox 6"/>
+          <p:cNvSpPr txBox="1"/>
+          <p:nvPr/>
+        </p:nvSpPr>
+        <p:spPr>
+          <a:xfrm>
+            <a:off x="1872473" y="4509120"/>
+            <a:ext cx="8447053" cy="1323439"/>
+          </a:xfrm>
+          <a:prstGeom prst="rect">
+            <a:avLst/>
+          </a:prstGeom>
+          <a:noFill/>
+        </p:spPr>
+        <p:txBody>
+          <a:bodyPr wrap="square" rtlCol="0">
+            <a:spAutoFit/>
+          </a:bodyPr>
+          <a:lstStyle/>
+          <a:p>
+            <a:r>
+              <a:rPr lang="ru-RU" sz="2000" dirty="0"/>
+              <a:t>В </a:t>
+            </a:r>
+            <a:r>
+              <a:rPr lang="en-US" sz="2000" dirty="0"/>
+              <a:t>JavaScript </a:t>
+            </a:r>
+            <a:r>
+              <a:rPr lang="ru-RU" sz="2000" dirty="0"/>
+              <a:t>есть</a:t>
+            </a:r>
+            <a:r>
+              <a:rPr lang="en-US" sz="2000" dirty="0"/>
+              <a:t> (</a:t>
+            </a:r>
+            <a:r>
+              <a:rPr lang="ru-RU" sz="2000" i="1" dirty="0"/>
+              <a:t>относительно</a:t>
+            </a:r>
+            <a:r>
+              <a:rPr lang="en-US" sz="2000" dirty="0"/>
+              <a:t>)</a:t>
+            </a:r>
+            <a:r>
+              <a:rPr lang="ru-RU" sz="2000" dirty="0"/>
+              <a:t> удобные возможность работы с датой и временем</a:t>
+            </a:r>
+            <a:r>
+              <a:rPr lang="en-US" sz="2000" dirty="0"/>
+              <a:t> – </a:t>
+            </a:r>
+            <a:r>
+              <a:rPr lang="ru-RU" sz="2000" dirty="0"/>
+              <a:t>объект </a:t>
+            </a:r>
+            <a:r>
+              <a:rPr lang="en-US" sz="2000" b="1" dirty="0"/>
+              <a:t>Date</a:t>
+            </a:r>
+            <a:r>
+              <a:rPr lang="en-US" sz="2000" dirty="0"/>
+              <a:t>.</a:t>
+            </a:r>
+            <a:r>
+              <a:rPr lang="ru-RU" sz="2000" dirty="0"/>
+              <a:t> Дату можно преобразовать к </a:t>
+            </a:r>
+            <a:r>
+              <a:rPr lang="en-US" sz="2000" b="1" dirty="0"/>
+              <a:t>UTC-</a:t>
+            </a:r>
+            <a:r>
+              <a:rPr lang="ru-RU" sz="2000" dirty="0"/>
+              <a:t>виду</a:t>
+            </a:r>
+            <a:r>
+              <a:rPr lang="en-US" sz="2000" dirty="0"/>
+              <a:t> </a:t>
+            </a:r>
+            <a:r>
+              <a:rPr lang="ru-RU" sz="2000" dirty="0"/>
+              <a:t>или </a:t>
+            </a:r>
+            <a:r>
+              <a:rPr lang="en-US" sz="2000" b="1" dirty="0"/>
+              <a:t>timestamp’</a:t>
+            </a:r>
+            <a:r>
+              <a:rPr lang="ru-RU" sz="2000" dirty="0"/>
+              <a:t>у, и получить отдельные её компоненты (</a:t>
+            </a:r>
+            <a:r>
+              <a:rPr lang="ru-RU" sz="2000" i="1" dirty="0"/>
+              <a:t>год, месяц, … минуты, секунды</a:t>
+            </a:r>
+            <a:r>
+              <a:rPr lang="ru-RU" sz="2000" dirty="0"/>
+              <a:t>).</a:t>
+            </a:r>
+          </a:p>
+        </p:txBody>
+      </p:sp>
+      <p:pic>
+        <p:nvPicPr>
+          <p:cNvPr id="5" name="Рисунок 4"/>
+          <p:cNvPicPr>
+            <a:picLocks noChangeAspect="1"/>
+          </p:cNvPicPr>
+          <p:nvPr/>
+        </p:nvPicPr>
+        <p:blipFill>
+          <a:blip r:embed="rId2"/>
+          <a:stretch>
+            <a:fillRect/>
+          </a:stretch>
+        </p:blipFill>
+        <p:spPr>
+          <a:xfrm>
+            <a:off x="1872473" y="877975"/>
+            <a:ext cx="8447053" cy="3199097"/>
+          </a:xfrm>
+          <a:prstGeom prst="rect">
+            <a:avLst/>
+          </a:prstGeom>
+          <a:ln>
+            <a:noFill/>
+          </a:ln>
+          <a:effectLst>
+            <a:outerShdw blurRad="292100" dist="139700" dir="2700000" algn="tl" rotWithShape="0">
+              <a:srgbClr val="333333">
+                <a:alpha val="65000"/>
+              </a:srgbClr>
+            </a:outerShdw>
+          </a:effectLst>
+        </p:spPr>
+      </p:pic>
+      <p:sp>
+        <p:nvSpPr>
+          <p:cNvPr id="10" name="TextBox 9"/>
+          <p:cNvSpPr txBox="1"/>
+          <p:nvPr/>
+        </p:nvSpPr>
+        <p:spPr>
+          <a:xfrm>
+            <a:off x="1" y="5805264"/>
+            <a:ext cx="12191999" cy="369332"/>
+          </a:xfrm>
+          <a:prstGeom prst="rect">
+            <a:avLst/>
+          </a:prstGeom>
+          <a:noFill/>
+        </p:spPr>
+        <p:txBody>
+          <a:bodyPr wrap="square" rtlCol="0">
+            <a:spAutoFit/>
+          </a:bodyPr>
+          <a:lstStyle/>
+          <a:p>
+            <a:pPr algn="ctr"/>
+            <a:r>
+              <a:rPr lang="ru-RU" b="1" dirty="0"/>
+              <a:t>Подробнее: </a:t>
+            </a:r>
+            <a:r>
+              <a:rPr lang="ru-RU" b="1" dirty="0">
+                <a:hlinkClick r:id="rId3"/>
+              </a:rPr>
+              <a:t>https://learn.javascript.ru/datetime</a:t>
+            </a:r>
+            <a:endParaRPr lang="ru-RU" b="1" dirty="0"/>
+          </a:p>
+        </p:txBody>
+      </p:sp>
+    </p:spTree>
+    <p:extLst>
+      <p:ext uri="{BB962C8B-B14F-4D97-AF65-F5344CB8AC3E}">
+        <p14:creationId xmlns:p14="http://schemas.microsoft.com/office/powerpoint/2010/main" val="1532842395"/>
+      </p:ext>
+    </p:extLst>
+  </p:cSld>
+  <p:clrMapOvr>
+    <a:masterClrMapping/>
+  </p:clrMapOvr>
+</p:sld>
+</file>
+
+<file path=ppt/slides/slide14.xml><?xml version="1.0" encoding="utf-8"?>
 <p:sld xmlns:a="http://schemas.openxmlformats.org/drawingml/2006/main" xmlns:r="http://schemas.openxmlformats.org/officeDocument/2006/relationships" xmlns:p="http://schemas.openxmlformats.org/presentationml/2006/main">
   <p:cSld>
     <p:spTree>
@@ -6618,7 +7021,767 @@
               <a:pPr algn="ctr">
                 <a:defRPr/>
               </a:pPr>
-              <a:t>13</a:t>
+              <a:t>14</a:t>
+            </a:fld>
+            <a:endParaRPr lang="uk-UA" sz="2400" b="1" dirty="0">
+              <a:solidFill>
+                <a:schemeClr val="bg1">
+                  <a:lumMod val="50000"/>
+                </a:schemeClr>
+              </a:solidFill>
+            </a:endParaRPr>
+          </a:p>
+        </p:txBody>
+      </p:sp>
+      <p:sp>
+        <p:nvSpPr>
+          <p:cNvPr id="4" name="Заголовок 4"/>
+          <p:cNvSpPr>
+            <a:spLocks noGrp="1"/>
+          </p:cNvSpPr>
+          <p:nvPr>
+            <p:ph type="title"/>
+          </p:nvPr>
+        </p:nvSpPr>
+        <p:spPr>
+          <a:xfrm>
+            <a:off x="0" y="332656"/>
+            <a:ext cx="12192000" cy="648072"/>
+          </a:xfrm>
+        </p:spPr>
+        <p:txBody>
+          <a:bodyPr>
+            <a:normAutofit fontScale="90000"/>
+          </a:bodyPr>
+          <a:lstStyle/>
+          <a:p>
+            <a:r>
+              <a:rPr lang="ru-RU" sz="4000" b="1" dirty="0"/>
+              <a:t>Дата/Время в </a:t>
+            </a:r>
+            <a:r>
+              <a:rPr lang="en-US" sz="4000" b="1" dirty="0"/>
+              <a:t>JavaScript</a:t>
+            </a:r>
+            <a:endParaRPr lang="uk-UA" sz="4000" b="1" dirty="0">
+              <a:solidFill>
+                <a:schemeClr val="bg1">
+                  <a:lumMod val="50000"/>
+                </a:schemeClr>
+              </a:solidFill>
+            </a:endParaRPr>
+          </a:p>
+        </p:txBody>
+      </p:sp>
+      <p:sp>
+        <p:nvSpPr>
+          <p:cNvPr id="2" name="TextBox 1"/>
+          <p:cNvSpPr txBox="1"/>
+          <p:nvPr/>
+        </p:nvSpPr>
+        <p:spPr>
+          <a:xfrm>
+            <a:off x="2927648" y="5016078"/>
+            <a:ext cx="7200800" cy="1077218"/>
+          </a:xfrm>
+          <a:prstGeom prst="rect">
+            <a:avLst/>
+          </a:prstGeom>
+          <a:noFill/>
+        </p:spPr>
+        <p:txBody>
+          <a:bodyPr wrap="square" rtlCol="0">
+            <a:spAutoFit/>
+          </a:bodyPr>
+          <a:lstStyle/>
+          <a:p>
+            <a:r>
+              <a:rPr lang="ru-RU" sz="1600" dirty="0"/>
+              <a:t>Две даты можно вычитать одну из другой, в результате мы можем получить разницу в миллисекундах между этими датами. Это возможно за счёт преобразования даты к числу (</a:t>
+            </a:r>
+            <a:r>
+              <a:rPr lang="en-US" sz="1600" b="1" dirty="0"/>
+              <a:t>Timestamp’</a:t>
+            </a:r>
+            <a:r>
+              <a:rPr lang="ru-RU" sz="1600" b="1" dirty="0"/>
+              <a:t>у</a:t>
+            </a:r>
+            <a:r>
+              <a:rPr lang="ru-RU" sz="1600" dirty="0"/>
+              <a:t>) которое показывает кол-во миллисекунд прошедшее от начала </a:t>
+            </a:r>
+            <a:r>
+              <a:rPr lang="en-US" sz="1600" dirty="0"/>
+              <a:t>Unix-</a:t>
+            </a:r>
+            <a:r>
+              <a:rPr lang="ru-RU" sz="1600" dirty="0"/>
+              <a:t>эпохи.</a:t>
+            </a:r>
+          </a:p>
+        </p:txBody>
+      </p:sp>
+      <p:sp>
+        <p:nvSpPr>
+          <p:cNvPr id="7" name="TextBox 6"/>
+          <p:cNvSpPr txBox="1"/>
+          <p:nvPr/>
+        </p:nvSpPr>
+        <p:spPr>
+          <a:xfrm>
+            <a:off x="1" y="6228020"/>
+            <a:ext cx="12191999" cy="369332"/>
+          </a:xfrm>
+          <a:prstGeom prst="rect">
+            <a:avLst/>
+          </a:prstGeom>
+          <a:noFill/>
+        </p:spPr>
+        <p:txBody>
+          <a:bodyPr wrap="square" rtlCol="0">
+            <a:spAutoFit/>
+          </a:bodyPr>
+          <a:lstStyle/>
+          <a:p>
+            <a:pPr algn="ctr"/>
+            <a:r>
+              <a:rPr lang="ru-RU" b="1" dirty="0"/>
+              <a:t>Подробнее: </a:t>
+            </a:r>
+            <a:r>
+              <a:rPr lang="ru-RU" b="1" dirty="0">
+                <a:hlinkClick r:id="rId2"/>
+              </a:rPr>
+              <a:t>https://learn.javascript.ru/datetime</a:t>
+            </a:r>
+            <a:endParaRPr lang="ru-RU" b="1" dirty="0"/>
+          </a:p>
+        </p:txBody>
+      </p:sp>
+      <p:pic>
+        <p:nvPicPr>
+          <p:cNvPr id="8" name="Рисунок 7"/>
+          <p:cNvPicPr>
+            <a:picLocks noChangeAspect="1"/>
+          </p:cNvPicPr>
+          <p:nvPr/>
+        </p:nvPicPr>
+        <p:blipFill>
+          <a:blip r:embed="rId3"/>
+          <a:stretch>
+            <a:fillRect/>
+          </a:stretch>
+        </p:blipFill>
+        <p:spPr>
+          <a:xfrm>
+            <a:off x="1404937" y="1071102"/>
+            <a:ext cx="9382125" cy="3724275"/>
+          </a:xfrm>
+          <a:prstGeom prst="rect">
+            <a:avLst/>
+          </a:prstGeom>
+          <a:ln>
+            <a:noFill/>
+          </a:ln>
+          <a:effectLst>
+            <a:outerShdw blurRad="292100" dist="139700" dir="2700000" algn="tl" rotWithShape="0">
+              <a:srgbClr val="333333">
+                <a:alpha val="65000"/>
+              </a:srgbClr>
+            </a:outerShdw>
+          </a:effectLst>
+        </p:spPr>
+      </p:pic>
+    </p:spTree>
+    <p:extLst>
+      <p:ext uri="{BB962C8B-B14F-4D97-AF65-F5344CB8AC3E}">
+        <p14:creationId xmlns:p14="http://schemas.microsoft.com/office/powerpoint/2010/main" val="2453015292"/>
+      </p:ext>
+    </p:extLst>
+  </p:cSld>
+  <p:clrMapOvr>
+    <a:masterClrMapping/>
+  </p:clrMapOvr>
+</p:sld>
+</file>
+
+<file path=ppt/slides/slide15.xml><?xml version="1.0" encoding="utf-8"?>
+<p:sld xmlns:a="http://schemas.openxmlformats.org/drawingml/2006/main" xmlns:r="http://schemas.openxmlformats.org/officeDocument/2006/relationships" xmlns:p="http://schemas.openxmlformats.org/presentationml/2006/main">
+  <p:cSld>
+    <p:spTree>
+      <p:nvGrpSpPr>
+        <p:cNvPr id="1" name=""/>
+        <p:cNvGrpSpPr/>
+        <p:nvPr/>
+      </p:nvGrpSpPr>
+      <p:grpSpPr>
+        <a:xfrm>
+          <a:off x="0" y="0"/>
+          <a:ext cx="0" cy="0"/>
+          <a:chOff x="0" y="0"/>
+          <a:chExt cx="0" cy="0"/>
+        </a:xfrm>
+      </p:grpSpPr>
+      <p:sp>
+        <p:nvSpPr>
+          <p:cNvPr id="6" name="Номер слайда 36"/>
+          <p:cNvSpPr txBox="1">
+            <a:spLocks/>
+          </p:cNvSpPr>
+          <p:nvPr/>
+        </p:nvSpPr>
+        <p:spPr>
+          <a:xfrm>
+            <a:off x="11208568" y="6237312"/>
+            <a:ext cx="648072" cy="432048"/>
+          </a:xfrm>
+          <a:prstGeom prst="roundRect">
+            <a:avLst/>
+          </a:prstGeom>
+          <a:ln w="25400" cap="flat" cmpd="sng" algn="ctr">
+            <a:solidFill>
+              <a:schemeClr val="tx2">
+                <a:lumMod val="60000"/>
+                <a:lumOff val="40000"/>
+              </a:schemeClr>
+            </a:solidFill>
+            <a:prstDash val="solid"/>
+          </a:ln>
+        </p:spPr>
+        <p:style>
+          <a:lnRef idx="2">
+            <a:schemeClr val="accent1"/>
+          </a:lnRef>
+          <a:fillRef idx="1">
+            <a:schemeClr val="lt1"/>
+          </a:fillRef>
+          <a:effectRef idx="0">
+            <a:schemeClr val="accent1"/>
+          </a:effectRef>
+          <a:fontRef idx="minor">
+            <a:schemeClr val="dk1"/>
+          </a:fontRef>
+        </p:style>
+        <p:txBody>
+          <a:bodyPr vert="horz" lIns="91440" tIns="45720" rIns="91440" bIns="45720" rtlCol="0" anchor="ctr"/>
+          <a:lstStyle/>
+          <a:p>
+            <a:pPr algn="ctr">
+              <a:defRPr/>
+            </a:pPr>
+            <a:fld id="{6389AA22-90B4-448C-8B6B-C699140D38B9}" type="slidenum">
+              <a:rPr lang="uk-UA" sz="2400" b="1">
+                <a:solidFill>
+                  <a:schemeClr val="bg1">
+                    <a:lumMod val="50000"/>
+                  </a:schemeClr>
+                </a:solidFill>
+              </a:rPr>
+              <a:pPr algn="ctr">
+                <a:defRPr/>
+              </a:pPr>
+              <a:t>15</a:t>
+            </a:fld>
+            <a:endParaRPr lang="uk-UA" sz="2400" b="1" dirty="0">
+              <a:solidFill>
+                <a:schemeClr val="bg1">
+                  <a:lumMod val="50000"/>
+                </a:schemeClr>
+              </a:solidFill>
+            </a:endParaRPr>
+          </a:p>
+        </p:txBody>
+      </p:sp>
+      <p:sp>
+        <p:nvSpPr>
+          <p:cNvPr id="4" name="Заголовок 4"/>
+          <p:cNvSpPr>
+            <a:spLocks noGrp="1"/>
+          </p:cNvSpPr>
+          <p:nvPr>
+            <p:ph type="title"/>
+          </p:nvPr>
+        </p:nvSpPr>
+        <p:spPr>
+          <a:xfrm>
+            <a:off x="0" y="332656"/>
+            <a:ext cx="12192000" cy="648072"/>
+          </a:xfrm>
+        </p:spPr>
+        <p:txBody>
+          <a:bodyPr>
+            <a:normAutofit fontScale="90000"/>
+          </a:bodyPr>
+          <a:lstStyle/>
+          <a:p>
+            <a:r>
+              <a:rPr lang="ru-RU" sz="4000" b="1" dirty="0"/>
+              <a:t>Дата/Время в </a:t>
+            </a:r>
+            <a:r>
+              <a:rPr lang="en-US" sz="4000" b="1" dirty="0"/>
+              <a:t>JavaScript</a:t>
+            </a:r>
+            <a:endParaRPr lang="uk-UA" sz="4000" b="1" dirty="0">
+              <a:solidFill>
+                <a:schemeClr val="bg1">
+                  <a:lumMod val="50000"/>
+                </a:schemeClr>
+              </a:solidFill>
+            </a:endParaRPr>
+          </a:p>
+        </p:txBody>
+      </p:sp>
+      <p:sp>
+        <p:nvSpPr>
+          <p:cNvPr id="10" name="TextBox 9"/>
+          <p:cNvSpPr txBox="1"/>
+          <p:nvPr/>
+        </p:nvSpPr>
+        <p:spPr>
+          <a:xfrm>
+            <a:off x="1" y="5805264"/>
+            <a:ext cx="12191999" cy="369332"/>
+          </a:xfrm>
+          <a:prstGeom prst="rect">
+            <a:avLst/>
+          </a:prstGeom>
+          <a:noFill/>
+        </p:spPr>
+        <p:txBody>
+          <a:bodyPr wrap="square" rtlCol="0">
+            <a:spAutoFit/>
+          </a:bodyPr>
+          <a:lstStyle/>
+          <a:p>
+            <a:pPr algn="ctr"/>
+            <a:r>
+              <a:rPr lang="ru-RU" b="1" dirty="0"/>
+              <a:t>Подробнее: </a:t>
+            </a:r>
+            <a:r>
+              <a:rPr lang="en-US" b="1" dirty="0">
+                <a:hlinkClick r:id="rId2"/>
+              </a:rPr>
+              <a:t>https://habr.com/ru/company/mailru/blog/438286/</a:t>
+            </a:r>
+            <a:endParaRPr lang="ru-RU" b="1" dirty="0"/>
+          </a:p>
+        </p:txBody>
+      </p:sp>
+      <p:sp>
+        <p:nvSpPr>
+          <p:cNvPr id="2" name="TextBox 1"/>
+          <p:cNvSpPr txBox="1"/>
+          <p:nvPr/>
+        </p:nvSpPr>
+        <p:spPr>
+          <a:xfrm>
+            <a:off x="623392" y="1302540"/>
+            <a:ext cx="10945216" cy="4154984"/>
+          </a:xfrm>
+          <a:prstGeom prst="rect">
+            <a:avLst/>
+          </a:prstGeom>
+          <a:noFill/>
+        </p:spPr>
+        <p:txBody>
+          <a:bodyPr wrap="square" rtlCol="0">
+            <a:spAutoFit/>
+          </a:bodyPr>
+          <a:lstStyle/>
+          <a:p>
+            <a:r>
+              <a:rPr lang="ru-RU" sz="2400" dirty="0"/>
+              <a:t>Важные моменты при работу с </a:t>
+            </a:r>
+            <a:r>
+              <a:rPr lang="ru-RU" sz="2400" b="1" dirty="0"/>
+              <a:t>датой</a:t>
+            </a:r>
+            <a:r>
+              <a:rPr lang="en-US" sz="2400" b="1" dirty="0"/>
+              <a:t>/</a:t>
+            </a:r>
+            <a:r>
+              <a:rPr lang="ru-RU" sz="2400" b="1" dirty="0"/>
+              <a:t>временем</a:t>
+            </a:r>
+            <a:r>
+              <a:rPr lang="ru-RU" sz="2400" dirty="0"/>
+              <a:t>:</a:t>
+            </a:r>
+          </a:p>
+          <a:p>
+            <a:endParaRPr lang="ru-RU" sz="2400" dirty="0"/>
+          </a:p>
+          <a:p>
+            <a:pPr marL="342900" indent="-342900">
+              <a:buAutoNum type="arabicParenR"/>
+            </a:pPr>
+            <a:r>
+              <a:rPr lang="ru-RU" sz="2400" dirty="0"/>
+              <a:t>Не забывать про разницу между местным и </a:t>
+            </a:r>
+            <a:r>
+              <a:rPr lang="en-US" sz="2400" dirty="0"/>
+              <a:t>UTC-</a:t>
+            </a:r>
+            <a:r>
+              <a:rPr lang="ru-RU" sz="2400" dirty="0"/>
+              <a:t>временем;</a:t>
+            </a:r>
+          </a:p>
+          <a:p>
+            <a:pPr marL="342900" indent="-342900">
+              <a:buFontTx/>
+              <a:buAutoNum type="arabicParenR"/>
+            </a:pPr>
+            <a:r>
+              <a:rPr lang="ru-RU" sz="2400" dirty="0"/>
+              <a:t>Не забывать про смещение (</a:t>
+            </a:r>
+            <a:r>
+              <a:rPr lang="en-US" sz="2400" dirty="0"/>
+              <a:t> </a:t>
+            </a:r>
+            <a:r>
+              <a:rPr lang="ru-RU" sz="2400" dirty="0"/>
+              <a:t>метод: </a:t>
+            </a:r>
+            <a:r>
+              <a:rPr lang="en-US" sz="2400" dirty="0"/>
+              <a:t>.</a:t>
+            </a:r>
+            <a:r>
+              <a:rPr lang="en-US" sz="2400" b="1" dirty="0" err="1"/>
+              <a:t>getTimezoneOffset</a:t>
+            </a:r>
+            <a:r>
+              <a:rPr lang="en-US" sz="2400" b="1" dirty="0"/>
+              <a:t>()</a:t>
+            </a:r>
+            <a:r>
+              <a:rPr lang="ru-RU" sz="2400" dirty="0"/>
+              <a:t>);</a:t>
+            </a:r>
+          </a:p>
+          <a:p>
+            <a:pPr marL="342900" indent="-342900">
+              <a:buFontTx/>
+              <a:buAutoNum type="arabicParenR"/>
+            </a:pPr>
+            <a:r>
+              <a:rPr lang="ru-RU" sz="2400" dirty="0"/>
+              <a:t>Помнить о возможности преобразования даты времени в </a:t>
+            </a:r>
+            <a:r>
+              <a:rPr lang="en-US" sz="2400" b="1" dirty="0"/>
+              <a:t>timestamp</a:t>
+            </a:r>
+            <a:r>
+              <a:rPr lang="en-US" sz="2400" dirty="0"/>
+              <a:t> </a:t>
+            </a:r>
+            <a:r>
+              <a:rPr lang="ru-RU" sz="2400" dirty="0"/>
+              <a:t>и обратно;</a:t>
+            </a:r>
+          </a:p>
+          <a:p>
+            <a:pPr marL="342900" indent="-342900">
+              <a:buFontTx/>
+              <a:buAutoNum type="arabicParenR"/>
+            </a:pPr>
+            <a:r>
+              <a:rPr lang="ru-RU" sz="2400" dirty="0"/>
+              <a:t>Помнить о возможности выполнять </a:t>
+            </a:r>
+            <a:r>
+              <a:rPr lang="ru-RU" sz="2400" b="1" dirty="0"/>
+              <a:t>вычитание</a:t>
+            </a:r>
+            <a:r>
+              <a:rPr lang="ru-RU" sz="2400" dirty="0"/>
+              <a:t> дат (и тем самым находить продолжительность какого-либо процесса)</a:t>
+            </a:r>
+            <a:r>
+              <a:rPr lang="en-US" sz="2400" dirty="0"/>
+              <a:t>;</a:t>
+            </a:r>
+          </a:p>
+          <a:p>
+            <a:pPr marL="342900" indent="-342900">
+              <a:buFontTx/>
+              <a:buAutoNum type="arabicParenR"/>
+            </a:pPr>
+            <a:r>
+              <a:rPr lang="en-US" sz="2400" dirty="0"/>
+              <a:t>JavaScript </a:t>
+            </a:r>
+            <a:r>
+              <a:rPr lang="ru-RU" sz="2400" dirty="0"/>
+              <a:t>даёт определённые возможности по форматирование вывода даты/времени, при помощи методов </a:t>
+            </a:r>
+            <a:r>
+              <a:rPr lang="ru-RU" sz="2400" b="1" dirty="0"/>
+              <a:t>.</a:t>
+            </a:r>
+            <a:r>
+              <a:rPr lang="en-US" sz="2400" b="1" dirty="0" err="1"/>
+              <a:t>toLocaleString</a:t>
+            </a:r>
+            <a:r>
+              <a:rPr lang="ru-RU" sz="2400" b="1" dirty="0"/>
+              <a:t>()</a:t>
+            </a:r>
+            <a:r>
+              <a:rPr lang="ru-RU" sz="2400" dirty="0"/>
+              <a:t>,</a:t>
+            </a:r>
+            <a:r>
+              <a:rPr lang="ru-RU" sz="2400" b="1" dirty="0"/>
+              <a:t> .</a:t>
+            </a:r>
+            <a:r>
+              <a:rPr lang="en-US" sz="2400" b="1" dirty="0"/>
+              <a:t> </a:t>
+            </a:r>
+            <a:r>
+              <a:rPr lang="en-US" sz="2400" b="1" dirty="0" err="1"/>
+              <a:t>toLocaleDateString</a:t>
+            </a:r>
+            <a:r>
+              <a:rPr lang="en-US" sz="2400" b="1" dirty="0"/>
+              <a:t>()</a:t>
+            </a:r>
+            <a:r>
+              <a:rPr lang="en-US" sz="2400" dirty="0"/>
+              <a:t>,</a:t>
+            </a:r>
+            <a:r>
+              <a:rPr lang="en-US" sz="2400" b="1" dirty="0"/>
+              <a:t> .</a:t>
+            </a:r>
+            <a:r>
+              <a:rPr lang="en-US" sz="2400" b="1" dirty="0" err="1"/>
+              <a:t>toLocalTimeString</a:t>
+            </a:r>
+            <a:r>
+              <a:rPr lang="en-US" sz="2400" b="1" dirty="0"/>
+              <a:t>()</a:t>
+            </a:r>
+            <a:r>
+              <a:rPr lang="en-US" sz="2400" dirty="0"/>
+              <a:t>. </a:t>
+            </a:r>
+            <a:r>
+              <a:rPr lang="ru-RU" sz="2400" dirty="0"/>
+              <a:t>Но эти возможности крайне ограничены.</a:t>
+            </a:r>
+          </a:p>
+        </p:txBody>
+      </p:sp>
+    </p:spTree>
+    <p:extLst>
+      <p:ext uri="{BB962C8B-B14F-4D97-AF65-F5344CB8AC3E}">
+        <p14:creationId xmlns:p14="http://schemas.microsoft.com/office/powerpoint/2010/main" val="1657804849"/>
+      </p:ext>
+    </p:extLst>
+  </p:cSld>
+  <p:clrMapOvr>
+    <a:masterClrMapping/>
+  </p:clrMapOvr>
+</p:sld>
+</file>
+
+<file path=ppt/slides/slide16.xml><?xml version="1.0" encoding="utf-8"?>
+<p:sld xmlns:a="http://schemas.openxmlformats.org/drawingml/2006/main" xmlns:r="http://schemas.openxmlformats.org/officeDocument/2006/relationships" xmlns:p="http://schemas.openxmlformats.org/presentationml/2006/main">
+  <p:cSld>
+    <p:spTree>
+      <p:nvGrpSpPr>
+        <p:cNvPr id="1" name=""/>
+        <p:cNvGrpSpPr/>
+        <p:nvPr/>
+      </p:nvGrpSpPr>
+      <p:grpSpPr>
+        <a:xfrm>
+          <a:off x="0" y="0"/>
+          <a:ext cx="0" cy="0"/>
+          <a:chOff x="0" y="0"/>
+          <a:chExt cx="0" cy="0"/>
+        </a:xfrm>
+      </p:grpSpPr>
+      <p:sp>
+        <p:nvSpPr>
+          <p:cNvPr id="5" name="Прямоугольник 4"/>
+          <p:cNvSpPr/>
+          <p:nvPr/>
+        </p:nvSpPr>
+        <p:spPr>
+          <a:xfrm>
+            <a:off x="0" y="0"/>
+            <a:ext cx="12192000" cy="6858000"/>
+          </a:xfrm>
+          <a:prstGeom prst="rect">
+            <a:avLst/>
+          </a:prstGeom>
+          <a:solidFill>
+            <a:srgbClr val="002060"/>
+          </a:solidFill>
+        </p:spPr>
+        <p:style>
+          <a:lnRef idx="2">
+            <a:schemeClr val="accent1">
+              <a:shade val="50000"/>
+            </a:schemeClr>
+          </a:lnRef>
+          <a:fillRef idx="1">
+            <a:schemeClr val="accent1"/>
+          </a:fillRef>
+          <a:effectRef idx="0">
+            <a:schemeClr val="accent1"/>
+          </a:effectRef>
+          <a:fontRef idx="minor">
+            <a:schemeClr val="lt1"/>
+          </a:fontRef>
+        </p:style>
+        <p:txBody>
+          <a:bodyPr rtlCol="0" anchor="ctr"/>
+          <a:lstStyle/>
+          <a:p>
+            <a:pPr algn="ctr"/>
+            <a:r>
+              <a:rPr lang="en-US" sz="6600" b="1" dirty="0"/>
+              <a:t>5</a:t>
+            </a:r>
+            <a:r>
+              <a:rPr lang="ru-RU" sz="6600" b="1" dirty="0"/>
+              <a:t>. Принципы</a:t>
+            </a:r>
+          </a:p>
+          <a:p>
+            <a:pPr algn="ctr"/>
+            <a:r>
+              <a:rPr lang="ru-RU" sz="6600" b="1" dirty="0"/>
+              <a:t>модульного тестирование </a:t>
+            </a:r>
+            <a:br>
+              <a:rPr lang="ru-RU" sz="6600" b="1" dirty="0"/>
+            </a:br>
+            <a:r>
+              <a:rPr lang="ru-RU" sz="6600" b="1" dirty="0"/>
+              <a:t>(</a:t>
+            </a:r>
+            <a:r>
+              <a:rPr lang="en-US" sz="6600" b="1" dirty="0">
+                <a:solidFill>
+                  <a:srgbClr val="92D050"/>
+                </a:solidFill>
+              </a:rPr>
+              <a:t>Unit Testing</a:t>
+            </a:r>
+            <a:r>
+              <a:rPr lang="ru-RU" sz="6600" b="1" dirty="0"/>
+              <a:t>)</a:t>
+            </a:r>
+            <a:r>
+              <a:rPr lang="en-US" sz="6600" b="1" dirty="0"/>
+              <a:t> </a:t>
+            </a:r>
+          </a:p>
+        </p:txBody>
+      </p:sp>
+    </p:spTree>
+    <p:extLst>
+      <p:ext uri="{BB962C8B-B14F-4D97-AF65-F5344CB8AC3E}">
+        <p14:creationId xmlns:p14="http://schemas.microsoft.com/office/powerpoint/2010/main" val="899785685"/>
+      </p:ext>
+    </p:extLst>
+  </p:cSld>
+  <p:clrMapOvr>
+    <a:masterClrMapping/>
+  </p:clrMapOvr>
+</p:sld>
+</file>
+
+<file path=ppt/slides/slide17.xml><?xml version="1.0" encoding="utf-8"?>
+<p:sld xmlns:a="http://schemas.openxmlformats.org/drawingml/2006/main" xmlns:r="http://schemas.openxmlformats.org/officeDocument/2006/relationships" xmlns:p="http://schemas.openxmlformats.org/presentationml/2006/main">
+  <p:cSld>
+    <p:spTree>
+      <p:nvGrpSpPr>
+        <p:cNvPr id="1" name=""/>
+        <p:cNvGrpSpPr/>
+        <p:nvPr/>
+      </p:nvGrpSpPr>
+      <p:grpSpPr>
+        <a:xfrm>
+          <a:off x="0" y="0"/>
+          <a:ext cx="0" cy="0"/>
+          <a:chOff x="0" y="0"/>
+          <a:chExt cx="0" cy="0"/>
+        </a:xfrm>
+      </p:grpSpPr>
+      <p:sp>
+        <p:nvSpPr>
+          <p:cNvPr id="6" name="Номер слайда 36"/>
+          <p:cNvSpPr txBox="1">
+            <a:spLocks/>
+          </p:cNvSpPr>
+          <p:nvPr/>
+        </p:nvSpPr>
+        <p:spPr>
+          <a:xfrm>
+            <a:off x="11280576" y="6165304"/>
+            <a:ext cx="648072" cy="432048"/>
+          </a:xfrm>
+          <a:prstGeom prst="roundRect">
+            <a:avLst/>
+          </a:prstGeom>
+          <a:ln w="25400" cap="flat" cmpd="sng" algn="ctr">
+            <a:solidFill>
+              <a:schemeClr val="tx2">
+                <a:lumMod val="60000"/>
+                <a:lumOff val="40000"/>
+              </a:schemeClr>
+            </a:solidFill>
+            <a:prstDash val="solid"/>
+          </a:ln>
+        </p:spPr>
+        <p:style>
+          <a:lnRef idx="2">
+            <a:schemeClr val="accent1"/>
+          </a:lnRef>
+          <a:fillRef idx="1">
+            <a:schemeClr val="lt1"/>
+          </a:fillRef>
+          <a:effectRef idx="0">
+            <a:schemeClr val="accent1"/>
+          </a:effectRef>
+          <a:fontRef idx="minor">
+            <a:schemeClr val="dk1"/>
+          </a:fontRef>
+        </p:style>
+        <p:txBody>
+          <a:bodyPr vert="horz" lIns="91440" tIns="45720" rIns="91440" bIns="45720" rtlCol="0" anchor="ctr"/>
+          <a:lstStyle/>
+          <a:p>
+            <a:pPr algn="ctr">
+              <a:defRPr/>
+            </a:pPr>
+            <a:fld id="{6389AA22-90B4-448C-8B6B-C699140D38B9}" type="slidenum">
+              <a:rPr lang="uk-UA" sz="2400" b="1">
+                <a:solidFill>
+                  <a:schemeClr val="bg1">
+                    <a:lumMod val="50000"/>
+                  </a:schemeClr>
+                </a:solidFill>
+              </a:rPr>
+              <a:pPr algn="ctr">
+                <a:defRPr/>
+              </a:pPr>
+              <a:t>17</a:t>
             </a:fld>
             <a:endParaRPr lang="uk-UA" sz="2400" b="1" dirty="0">
               <a:solidFill>
@@ -6789,7 +7952,7 @@
 </p:sld>
 </file>
 
-<file path=ppt/slides/slide14.xml><?xml version="1.0" encoding="utf-8"?>
+<file path=ppt/slides/slide18.xml><?xml version="1.0" encoding="utf-8"?>
 <p:sld xmlns:a="http://schemas.openxmlformats.org/drawingml/2006/main" xmlns:r="http://schemas.openxmlformats.org/officeDocument/2006/relationships" xmlns:p="http://schemas.openxmlformats.org/presentationml/2006/main">
   <p:cSld>
     <p:spTree>
@@ -6864,7 +8027,7 @@
               <a:pPr algn="ctr">
                 <a:defRPr/>
               </a:pPr>
-              <a:t>14</a:t>
+              <a:t>18</a:t>
             </a:fld>
             <a:endParaRPr lang="uk-UA" sz="2400" b="1" dirty="0">
               <a:solidFill>
@@ -7064,7 +8227,7 @@
 </p:sld>
 </file>
 
-<file path=ppt/slides/slide15.xml><?xml version="1.0" encoding="utf-8"?>
+<file path=ppt/slides/slide19.xml><?xml version="1.0" encoding="utf-8"?>
 <p:sld xmlns:a="http://schemas.openxmlformats.org/drawingml/2006/main" xmlns:r="http://schemas.openxmlformats.org/officeDocument/2006/relationships" xmlns:p="http://schemas.openxmlformats.org/presentationml/2006/main">
   <p:cSld>
     <p:spTree>
@@ -7121,12 +8284,12 @@
           <a:p>
             <a:pPr algn="ctr"/>
             <a:r>
-              <a:rPr lang="ru-RU" sz="6000" b="1"/>
-              <a:t>5. </a:t>
+              <a:rPr lang="en-US" sz="6000" b="1" dirty="0"/>
+              <a:t>6</a:t>
             </a:r>
             <a:r>
               <a:rPr lang="ru-RU" sz="6000" b="1" dirty="0"/>
-              <a:t>Немного практики</a:t>
+              <a:t>. Немного практики</a:t>
             </a:r>
             <a:endParaRPr lang="uk-UA" sz="6000" b="1" dirty="0"/>
           </a:p>
@@ -7145,7 +8308,84 @@
 </p:sld>
 </file>
 
-<file path=ppt/slides/slide16.xml><?xml version="1.0" encoding="utf-8"?>
+<file path=ppt/slides/slide2.xml><?xml version="1.0" encoding="utf-8"?>
+<p:sld xmlns:a="http://schemas.openxmlformats.org/drawingml/2006/main" xmlns:r="http://schemas.openxmlformats.org/officeDocument/2006/relationships" xmlns:p="http://schemas.openxmlformats.org/presentationml/2006/main">
+  <p:cSld>
+    <p:spTree>
+      <p:nvGrpSpPr>
+        <p:cNvPr id="1" name=""/>
+        <p:cNvGrpSpPr/>
+        <p:nvPr/>
+      </p:nvGrpSpPr>
+      <p:grpSpPr>
+        <a:xfrm>
+          <a:off x="0" y="0"/>
+          <a:ext cx="0" cy="0"/>
+          <a:chOff x="0" y="0"/>
+          <a:chExt cx="0" cy="0"/>
+        </a:xfrm>
+      </p:grpSpPr>
+      <p:sp>
+        <p:nvSpPr>
+          <p:cNvPr id="5" name="Прямоугольник 4"/>
+          <p:cNvSpPr/>
+          <p:nvPr/>
+        </p:nvSpPr>
+        <p:spPr>
+          <a:xfrm>
+            <a:off x="0" y="0"/>
+            <a:ext cx="12192000" cy="6858000"/>
+          </a:xfrm>
+          <a:prstGeom prst="rect">
+            <a:avLst/>
+          </a:prstGeom>
+          <a:solidFill>
+            <a:srgbClr val="002060"/>
+          </a:solidFill>
+        </p:spPr>
+        <p:style>
+          <a:lnRef idx="2">
+            <a:schemeClr val="accent1">
+              <a:shade val="50000"/>
+            </a:schemeClr>
+          </a:lnRef>
+          <a:fillRef idx="1">
+            <a:schemeClr val="accent1"/>
+          </a:fillRef>
+          <a:effectRef idx="0">
+            <a:schemeClr val="accent1"/>
+          </a:effectRef>
+          <a:fontRef idx="minor">
+            <a:schemeClr val="lt1"/>
+          </a:fontRef>
+        </p:style>
+        <p:txBody>
+          <a:bodyPr rtlCol="0" anchor="ctr"/>
+          <a:lstStyle/>
+          <a:p>
+            <a:pPr algn="ctr"/>
+            <a:r>
+              <a:rPr lang="ru-RU" sz="8000" b="1" dirty="0"/>
+              <a:t>1. Классы</a:t>
+            </a:r>
+            <a:endParaRPr lang="uk-UA" sz="8000" b="1" dirty="0"/>
+          </a:p>
+        </p:txBody>
+      </p:sp>
+    </p:spTree>
+    <p:extLst>
+      <p:ext uri="{BB962C8B-B14F-4D97-AF65-F5344CB8AC3E}">
+        <p14:creationId xmlns:p14="http://schemas.microsoft.com/office/powerpoint/2010/main" val="508589481"/>
+      </p:ext>
+    </p:extLst>
+  </p:cSld>
+  <p:clrMapOvr>
+    <a:masterClrMapping/>
+  </p:clrMapOvr>
+</p:sld>
+</file>
+
+<file path=ppt/slides/slide20.xml><?xml version="1.0" encoding="utf-8"?>
 <p:sld xmlns:a="http://schemas.openxmlformats.org/drawingml/2006/main" xmlns:r="http://schemas.openxmlformats.org/officeDocument/2006/relationships" xmlns:p="http://schemas.openxmlformats.org/presentationml/2006/main">
   <p:cSld>
     <p:spTree>
@@ -7220,7 +8460,7 @@
               <a:pPr algn="ctr">
                 <a:defRPr/>
               </a:pPr>
-              <a:t>16</a:t>
+              <a:t>20</a:t>
             </a:fld>
             <a:endParaRPr lang="uk-UA" sz="2400" b="1" dirty="0">
               <a:solidFill>
@@ -7401,7 +8641,7 @@
 </p:sld>
 </file>
 
-<file path=ppt/slides/slide17.xml><?xml version="1.0" encoding="utf-8"?>
+<file path=ppt/slides/slide21.xml><?xml version="1.0" encoding="utf-8"?>
 <p:sld xmlns:a="http://schemas.openxmlformats.org/drawingml/2006/main" xmlns:r="http://schemas.openxmlformats.org/officeDocument/2006/relationships" xmlns:p="http://schemas.openxmlformats.org/presentationml/2006/main">
   <p:cSld>
     <p:spTree>
@@ -7476,7 +8716,7 @@
               <a:pPr algn="ctr">
                 <a:defRPr/>
               </a:pPr>
-              <a:t>17</a:t>
+              <a:t>21</a:t>
             </a:fld>
             <a:endParaRPr lang="uk-UA" sz="2400" b="1" dirty="0">
               <a:solidFill>
@@ -7534,8 +8774,8 @@
         </p:nvSpPr>
         <p:spPr>
           <a:xfrm>
-            <a:off x="1919536" y="1052736"/>
-            <a:ext cx="8136904" cy="2677656"/>
+            <a:off x="1919536" y="1556792"/>
+            <a:ext cx="8136904" cy="1200329"/>
           </a:xfrm>
           <a:prstGeom prst="rect">
             <a:avLst/>
@@ -7553,57 +8793,102 @@
           <a:p>
             <a:pPr algn="just"/>
             <a:r>
-              <a:rPr lang="ru-RU" sz="2400" dirty="0"/>
+              <a:rPr lang="ru-RU" sz="2400" dirty="0">
+                <a:solidFill>
+                  <a:schemeClr val="bg1">
+                    <a:lumMod val="65000"/>
+                  </a:schemeClr>
+                </a:solidFill>
+              </a:rPr>
               <a:t>Разработать </a:t>
             </a:r>
             <a:r>
-              <a:rPr lang="ru-RU" sz="2400" dirty="0" err="1"/>
+              <a:rPr lang="ru-RU" sz="2400" dirty="0" err="1">
+                <a:solidFill>
+                  <a:schemeClr val="bg1">
+                    <a:lumMod val="65000"/>
+                  </a:schemeClr>
+                </a:solidFill>
+              </a:rPr>
               <a:t>скрипт</a:t>
             </a:r>
             <a:r>
-              <a:rPr lang="ru-RU" sz="2400" dirty="0"/>
+              <a:rPr lang="ru-RU" sz="2400" dirty="0">
+                <a:solidFill>
+                  <a:schemeClr val="bg1">
+                    <a:lumMod val="65000"/>
+                  </a:schemeClr>
+                </a:solidFill>
+              </a:rPr>
               <a:t>, проверяющий </a:t>
             </a:r>
             <a:r>
-              <a:rPr lang="ru-RU" sz="2400" b="1" dirty="0"/>
+              <a:rPr lang="ru-RU" sz="2400" b="1" dirty="0">
+                <a:solidFill>
+                  <a:schemeClr val="bg1">
+                    <a:lumMod val="65000"/>
+                  </a:schemeClr>
+                </a:solidFill>
+              </a:rPr>
               <a:t>знания</a:t>
             </a:r>
             <a:r>
-              <a:rPr lang="en-US" sz="2400" b="1" dirty="0"/>
+              <a:rPr lang="en-US" sz="2400" b="1" dirty="0">
+                <a:solidFill>
+                  <a:schemeClr val="bg1">
+                    <a:lumMod val="65000"/>
+                  </a:schemeClr>
+                </a:solidFill>
+              </a:rPr>
               <a:t> </a:t>
             </a:r>
             <a:r>
-              <a:rPr lang="ru-RU" sz="2400" b="1" dirty="0"/>
+              <a:rPr lang="ru-RU" sz="2400" b="1" dirty="0">
+                <a:solidFill>
+                  <a:schemeClr val="bg1">
+                    <a:lumMod val="65000"/>
+                  </a:schemeClr>
+                </a:solidFill>
+              </a:rPr>
               <a:t>таблицы умножения двузначных чисел</a:t>
             </a:r>
             <a:r>
-              <a:rPr lang="ru-RU" sz="2400" dirty="0"/>
-              <a:t>. </a:t>
-            </a:r>
-            <a:r>
-              <a:rPr lang="ru-RU" sz="2400" dirty="0" err="1"/>
-              <a:t>Скрипт</a:t>
-            </a:r>
-            <a:r>
-              <a:rPr lang="ru-RU" sz="2400" dirty="0"/>
-              <a:t> должен задать пользователю </a:t>
-            </a:r>
-            <a:r>
-              <a:rPr lang="ru-RU" sz="2400" b="1" dirty="0"/>
+              <a:rPr lang="ru-RU" sz="2400" dirty="0">
+                <a:solidFill>
+                  <a:schemeClr val="bg1">
+                    <a:lumMod val="65000"/>
+                  </a:schemeClr>
+                </a:solidFill>
+              </a:rPr>
+              <a:t>. Скрипт должен задать пользователю </a:t>
+            </a:r>
+            <a:r>
+              <a:rPr lang="ru-RU" sz="2400" b="1" dirty="0">
+                <a:solidFill>
+                  <a:schemeClr val="bg1">
+                    <a:lumMod val="65000"/>
+                  </a:schemeClr>
+                </a:solidFill>
+              </a:rPr>
               <a:t>12 задач на умножение двузначных чисел</a:t>
             </a:r>
             <a:r>
-              <a:rPr lang="ru-RU" sz="2400" dirty="0"/>
-              <a:t>. По результатам проверки, пользователю </a:t>
-            </a:r>
-            <a:r>
-              <a:rPr lang="ru-RU" sz="2400" b="1" dirty="0"/>
-              <a:t>выставляется оценка</a:t>
-            </a:r>
-            <a:r>
-              <a:rPr lang="ru-RU" sz="2400" dirty="0"/>
-              <a:t>, а также выводиться два списка: верных ответов, и ошибочных ответов, указанием какой ответ был правильный.</a:t>
-            </a:r>
+              <a:rPr lang="en-US" sz="2400" b="1" dirty="0">
+                <a:solidFill>
+                  <a:schemeClr val="bg1">
+                    <a:lumMod val="65000"/>
+                  </a:schemeClr>
+                </a:solidFill>
+              </a:rPr>
+              <a:t>….</a:t>
+            </a:r>
+            <a:endParaRPr lang="ru-RU" sz="2400" dirty="0">
+              <a:solidFill>
+                <a:schemeClr val="bg1">
+                  <a:lumMod val="65000"/>
+                </a:schemeClr>
+              </a:solidFill>
+            </a:endParaRPr>
           </a:p>
         </p:txBody>
       </p:sp>
@@ -7615,7 +8900,7 @@
         </p:nvSpPr>
         <p:spPr>
           <a:xfrm>
-            <a:off x="1919536" y="4163596"/>
+            <a:off x="1919536" y="3429000"/>
             <a:ext cx="8136904" cy="1569660"/>
           </a:xfrm>
           <a:prstGeom prst="rect">
@@ -7660,7 +8945,7 @@
 </p:sld>
 </file>
 
-<file path=ppt/slides/slide18.xml><?xml version="1.0" encoding="utf-8"?>
+<file path=ppt/slides/slide22.xml><?xml version="1.0" encoding="utf-8"?>
 <p:sld xmlns:a="http://schemas.openxmlformats.org/drawingml/2006/main" xmlns:r="http://schemas.openxmlformats.org/officeDocument/2006/relationships" xmlns:p="http://schemas.openxmlformats.org/presentationml/2006/main">
   <p:cSld>
     <p:spTree>
@@ -7737,7 +9022,7 @@
 </p:sld>
 </file>
 
-<file path=ppt/slides/slide19.xml><?xml version="1.0" encoding="utf-8"?>
+<file path=ppt/slides/slide23.xml><?xml version="1.0" encoding="utf-8"?>
 <p:sld xmlns:a="http://schemas.openxmlformats.org/drawingml/2006/main" xmlns:r="http://schemas.openxmlformats.org/officeDocument/2006/relationships" xmlns:p="http://schemas.openxmlformats.org/presentationml/2006/main">
   <p:cSld>
     <p:spTree>
@@ -7866,7 +9151,7 @@
 </p:sld>
 </file>
 
-<file path=ppt/slides/slide2.xml><?xml version="1.0" encoding="utf-8"?>
+<file path=ppt/slides/slide24.xml><?xml version="1.0" encoding="utf-8"?>
 <p:sld xmlns:a="http://schemas.openxmlformats.org/drawingml/2006/main" xmlns:r="http://schemas.openxmlformats.org/officeDocument/2006/relationships" xmlns:p="http://schemas.openxmlformats.org/presentationml/2006/main">
   <p:cSld>
     <p:spTree>
@@ -7923,83 +9208,6 @@
           <a:p>
             <a:pPr algn="ctr"/>
             <a:r>
-              <a:rPr lang="ru-RU" sz="8000" b="1" dirty="0"/>
-              <a:t>1. Классы</a:t>
-            </a:r>
-            <a:endParaRPr lang="uk-UA" sz="8000" b="1" dirty="0"/>
-          </a:p>
-        </p:txBody>
-      </p:sp>
-    </p:spTree>
-    <p:extLst>
-      <p:ext uri="{BB962C8B-B14F-4D97-AF65-F5344CB8AC3E}">
-        <p14:creationId xmlns:p14="http://schemas.microsoft.com/office/powerpoint/2010/main" val="508589481"/>
-      </p:ext>
-    </p:extLst>
-  </p:cSld>
-  <p:clrMapOvr>
-    <a:masterClrMapping/>
-  </p:clrMapOvr>
-</p:sld>
-</file>
-
-<file path=ppt/slides/slide20.xml><?xml version="1.0" encoding="utf-8"?>
-<p:sld xmlns:a="http://schemas.openxmlformats.org/drawingml/2006/main" xmlns:r="http://schemas.openxmlformats.org/officeDocument/2006/relationships" xmlns:p="http://schemas.openxmlformats.org/presentationml/2006/main">
-  <p:cSld>
-    <p:spTree>
-      <p:nvGrpSpPr>
-        <p:cNvPr id="1" name=""/>
-        <p:cNvGrpSpPr/>
-        <p:nvPr/>
-      </p:nvGrpSpPr>
-      <p:grpSpPr>
-        <a:xfrm>
-          <a:off x="0" y="0"/>
-          <a:ext cx="0" cy="0"/>
-          <a:chOff x="0" y="0"/>
-          <a:chExt cx="0" cy="0"/>
-        </a:xfrm>
-      </p:grpSpPr>
-      <p:sp>
-        <p:nvSpPr>
-          <p:cNvPr id="5" name="Прямоугольник 4"/>
-          <p:cNvSpPr/>
-          <p:nvPr/>
-        </p:nvSpPr>
-        <p:spPr>
-          <a:xfrm>
-            <a:off x="0" y="0"/>
-            <a:ext cx="12192000" cy="6858000"/>
-          </a:xfrm>
-          <a:prstGeom prst="rect">
-            <a:avLst/>
-          </a:prstGeom>
-          <a:solidFill>
-            <a:srgbClr val="002060"/>
-          </a:solidFill>
-        </p:spPr>
-        <p:style>
-          <a:lnRef idx="2">
-            <a:schemeClr val="accent1">
-              <a:shade val="50000"/>
-            </a:schemeClr>
-          </a:lnRef>
-          <a:fillRef idx="1">
-            <a:schemeClr val="accent1"/>
-          </a:fillRef>
-          <a:effectRef idx="0">
-            <a:schemeClr val="accent1"/>
-          </a:effectRef>
-          <a:fontRef idx="minor">
-            <a:schemeClr val="lt1"/>
-          </a:fontRef>
-        </p:style>
-        <p:txBody>
-          <a:bodyPr rtlCol="0" anchor="ctr"/>
-          <a:lstStyle/>
-          <a:p>
-            <a:pPr algn="ctr"/>
-            <a:r>
               <a:rPr lang="ru-RU" sz="6000" b="1" dirty="0">
                 <a:solidFill>
                   <a:srgbClr val="FFC000"/>
@@ -8031,7 +9239,7 @@
 </p:sld>
 </file>
 
-<file path=ppt/slides/slide21.xml><?xml version="1.0" encoding="utf-8"?>
+<file path=ppt/slides/slide25.xml><?xml version="1.0" encoding="utf-8"?>
 <p:sld xmlns:a="http://schemas.openxmlformats.org/drawingml/2006/main" xmlns:r="http://schemas.openxmlformats.org/officeDocument/2006/relationships" xmlns:p="http://schemas.openxmlformats.org/presentationml/2006/main">
   <p:cSld>
     <p:spTree>
@@ -8106,7 +9314,7 @@
               <a:pPr algn="ctr">
                 <a:defRPr/>
               </a:pPr>
-              <a:t>21</a:t>
+              <a:t>25</a:t>
             </a:fld>
             <a:endParaRPr lang="uk-UA" sz="2400" b="1" dirty="0">
               <a:solidFill>

--- a/lesson06.pptx
+++ b/lesson06.pptx
@@ -153,7 +153,7 @@
 <file path=ppt/revisionInfo.xml><?xml version="1.0" encoding="utf-8"?>
 <p1510:revInfo xmlns:a="http://schemas.openxmlformats.org/drawingml/2006/main" xmlns:r="http://schemas.openxmlformats.org/officeDocument/2006/relationships" xmlns:p1510="http://schemas.microsoft.com/office/powerpoint/2015/10/main">
   <p1510:revLst>
-    <p1510:client id="{009658F8-EC3F-4639-93EB-76429AFEA6B9}" v="1" dt="2023-12-29T17:45:16.069"/>
+    <p1510:client id="{009658F8-EC3F-4639-93EB-76429AFEA6B9}" v="7" dt="2024-01-04T18:48:05.057"/>
   </p1510:revLst>
 </p1510:revInfo>
 </file>
@@ -2260,8 +2260,8 @@
   </pc:docChgLst>
   <pc:docChgLst>
     <pc:chgData name="Anatoliy Kigel" userId="7432c6c4687b0a9c" providerId="LiveId" clId="{009658F8-EC3F-4639-93EB-76429AFEA6B9}"/>
-    <pc:docChg chg="custSel addSld modSld">
-      <pc:chgData name="Anatoliy Kigel" userId="7432c6c4687b0a9c" providerId="LiveId" clId="{009658F8-EC3F-4639-93EB-76429AFEA6B9}" dt="2023-12-29T17:45:59.963" v="46" actId="207"/>
+    <pc:docChg chg="undo custSel addSld modSld">
+      <pc:chgData name="Anatoliy Kigel" userId="7432c6c4687b0a9c" providerId="LiveId" clId="{009658F8-EC3F-4639-93EB-76429AFEA6B9}" dt="2024-01-04T18:48:22.457" v="112" actId="1076"/>
       <pc:docMkLst>
         <pc:docMk/>
       </pc:docMkLst>
@@ -2325,26 +2325,73 @@
           <pc:sldMk cId="2495425632" sldId="498"/>
         </pc:sldMkLst>
       </pc:sldChg>
-      <pc:sldChg chg="add">
-        <pc:chgData name="Anatoliy Kigel" userId="7432c6c4687b0a9c" providerId="LiveId" clId="{009658F8-EC3F-4639-93EB-76429AFEA6B9}" dt="2023-12-29T17:45:16.069" v="0"/>
+      <pc:sldChg chg="modSp add mod">
+        <pc:chgData name="Anatoliy Kigel" userId="7432c6c4687b0a9c" providerId="LiveId" clId="{009658F8-EC3F-4639-93EB-76429AFEA6B9}" dt="2024-01-04T18:46:07.440" v="75" actId="6549"/>
         <pc:sldMkLst>
           <pc:docMk/>
           <pc:sldMk cId="1532842395" sldId="499"/>
         </pc:sldMkLst>
-      </pc:sldChg>
-      <pc:sldChg chg="add">
-        <pc:chgData name="Anatoliy Kigel" userId="7432c6c4687b0a9c" providerId="LiveId" clId="{009658F8-EC3F-4639-93EB-76429AFEA6B9}" dt="2023-12-29T17:45:16.069" v="0"/>
+        <pc:spChg chg="mod">
+          <ac:chgData name="Anatoliy Kigel" userId="7432c6c4687b0a9c" providerId="LiveId" clId="{009658F8-EC3F-4639-93EB-76429AFEA6B9}" dt="2024-01-04T18:46:07.440" v="75" actId="6549"/>
+          <ac:spMkLst>
+            <pc:docMk/>
+            <pc:sldMk cId="1532842395" sldId="499"/>
+            <ac:spMk id="10" creationId="{00000000-0000-0000-0000-000000000000}"/>
+          </ac:spMkLst>
+        </pc:spChg>
+      </pc:sldChg>
+      <pc:sldChg chg="addSp delSp modSp add mod">
+        <pc:chgData name="Anatoliy Kigel" userId="7432c6c4687b0a9c" providerId="LiveId" clId="{009658F8-EC3F-4639-93EB-76429AFEA6B9}" dt="2024-01-04T18:46:15.918" v="84" actId="1035"/>
         <pc:sldMkLst>
           <pc:docMk/>
           <pc:sldMk cId="2453015292" sldId="500"/>
         </pc:sldMkLst>
-      </pc:sldChg>
-      <pc:sldChg chg="add">
-        <pc:chgData name="Anatoliy Kigel" userId="7432c6c4687b0a9c" providerId="LiveId" clId="{009658F8-EC3F-4639-93EB-76429AFEA6B9}" dt="2023-12-29T17:45:16.069" v="0"/>
+        <pc:spChg chg="add mod">
+          <ac:chgData name="Anatoliy Kigel" userId="7432c6c4687b0a9c" providerId="LiveId" clId="{009658F8-EC3F-4639-93EB-76429AFEA6B9}" dt="2024-01-04T18:46:15.918" v="84" actId="1035"/>
+          <ac:spMkLst>
+            <pc:docMk/>
+            <pc:sldMk cId="2453015292" sldId="500"/>
+            <ac:spMk id="3" creationId="{C46A7132-A9EE-4846-D324-B5E7C3C7411B}"/>
+          </ac:spMkLst>
+        </pc:spChg>
+        <pc:spChg chg="del">
+          <ac:chgData name="Anatoliy Kigel" userId="7432c6c4687b0a9c" providerId="LiveId" clId="{009658F8-EC3F-4639-93EB-76429AFEA6B9}" dt="2024-01-04T18:46:13.692" v="76" actId="478"/>
+          <ac:spMkLst>
+            <pc:docMk/>
+            <pc:sldMk cId="2453015292" sldId="500"/>
+            <ac:spMk id="7" creationId="{00000000-0000-0000-0000-000000000000}"/>
+          </ac:spMkLst>
+        </pc:spChg>
+      </pc:sldChg>
+      <pc:sldChg chg="modSp add mod">
+        <pc:chgData name="Anatoliy Kigel" userId="7432c6c4687b0a9c" providerId="LiveId" clId="{009658F8-EC3F-4639-93EB-76429AFEA6B9}" dt="2024-01-04T18:46:48.048" v="87" actId="6549"/>
         <pc:sldMkLst>
           <pc:docMk/>
           <pc:sldMk cId="1657804849" sldId="501"/>
         </pc:sldMkLst>
+        <pc:spChg chg="mod">
+          <ac:chgData name="Anatoliy Kigel" userId="7432c6c4687b0a9c" providerId="LiveId" clId="{009658F8-EC3F-4639-93EB-76429AFEA6B9}" dt="2024-01-04T18:46:48.048" v="87" actId="6549"/>
+          <ac:spMkLst>
+            <pc:docMk/>
+            <pc:sldMk cId="1657804849" sldId="501"/>
+            <ac:spMk id="10" creationId="{00000000-0000-0000-0000-000000000000}"/>
+          </ac:spMkLst>
+        </pc:spChg>
+      </pc:sldChg>
+      <pc:sldChg chg="addSp modSp mod">
+        <pc:chgData name="Anatoliy Kigel" userId="7432c6c4687b0a9c" providerId="LiveId" clId="{009658F8-EC3F-4639-93EB-76429AFEA6B9}" dt="2024-01-04T18:48:22.457" v="112" actId="1076"/>
+        <pc:sldMkLst>
+          <pc:docMk/>
+          <pc:sldMk cId="4023351221" sldId="527"/>
+        </pc:sldMkLst>
+        <pc:spChg chg="add mod">
+          <ac:chgData name="Anatoliy Kigel" userId="7432c6c4687b0a9c" providerId="LiveId" clId="{009658F8-EC3F-4639-93EB-76429AFEA6B9}" dt="2024-01-04T18:48:22.457" v="112" actId="1076"/>
+          <ac:spMkLst>
+            <pc:docMk/>
+            <pc:sldMk cId="4023351221" sldId="527"/>
+            <ac:spMk id="4" creationId="{737439A7-0312-DE6E-208D-456AE5BF5639}"/>
+          </ac:spMkLst>
+        </pc:spChg>
       </pc:sldChg>
     </pc:docChg>
   </pc:docChgLst>
@@ -2550,7 +2597,7 @@
             <a:fld id="{85522811-C5C6-42D2-A409-F8556720C93F}" type="datetimeFigureOut">
               <a:rPr lang="uk-UA" smtClean="0"/>
               <a:pPr/>
-              <a:t>29.12.2023</a:t>
+              <a:t>04.01.2024</a:t>
             </a:fld>
             <a:endParaRPr lang="uk-UA"/>
           </a:p>
@@ -3090,7 +3137,7 @@
             <a:fld id="{E6FC6B0D-6115-4D7C-8040-9C8E2349BB6E}" type="datetime1">
               <a:rPr lang="uk-UA" smtClean="0"/>
               <a:pPr/>
-              <a:t>29.12.2023</a:t>
+              <a:t>04.01.2024</a:t>
             </a:fld>
             <a:endParaRPr lang="uk-UA"/>
           </a:p>
@@ -3257,7 +3304,7 @@
             <a:fld id="{996367BA-0A39-4DE2-BFC3-D5290044365E}" type="datetime1">
               <a:rPr lang="uk-UA" smtClean="0"/>
               <a:pPr/>
-              <a:t>29.12.2023</a:t>
+              <a:t>04.01.2024</a:t>
             </a:fld>
             <a:endParaRPr lang="uk-UA"/>
           </a:p>
@@ -3434,7 +3481,7 @@
             <a:fld id="{1BD6A67F-6C29-47DC-AF8A-FDB3C787DF70}" type="datetime1">
               <a:rPr lang="uk-UA" smtClean="0"/>
               <a:pPr/>
-              <a:t>29.12.2023</a:t>
+              <a:t>04.01.2024</a:t>
             </a:fld>
             <a:endParaRPr lang="uk-UA"/>
           </a:p>
@@ -3601,7 +3648,7 @@
             <a:fld id="{1657D9C5-7FF1-434F-B56E-9BAD559744E9}" type="datetime1">
               <a:rPr lang="uk-UA" smtClean="0"/>
               <a:pPr/>
-              <a:t>29.12.2023</a:t>
+              <a:t>04.01.2024</a:t>
             </a:fld>
             <a:endParaRPr lang="uk-UA"/>
           </a:p>
@@ -3844,7 +3891,7 @@
             <a:fld id="{2CEB0FC9-DE63-476B-A1A9-BE934D9049F8}" type="datetime1">
               <a:rPr lang="uk-UA" smtClean="0"/>
               <a:pPr/>
-              <a:t>29.12.2023</a:t>
+              <a:t>04.01.2024</a:t>
             </a:fld>
             <a:endParaRPr lang="uk-UA"/>
           </a:p>
@@ -4129,7 +4176,7 @@
             <a:fld id="{F964460F-86E2-4DF6-9D0F-12F5005CF375}" type="datetime1">
               <a:rPr lang="uk-UA" smtClean="0"/>
               <a:pPr/>
-              <a:t>29.12.2023</a:t>
+              <a:t>04.01.2024</a:t>
             </a:fld>
             <a:endParaRPr lang="uk-UA"/>
           </a:p>
@@ -4548,7 +4595,7 @@
             <a:fld id="{C521715E-DDCD-4267-B0A5-2918B6F6768A}" type="datetime1">
               <a:rPr lang="uk-UA" smtClean="0"/>
               <a:pPr/>
-              <a:t>29.12.2023</a:t>
+              <a:t>04.01.2024</a:t>
             </a:fld>
             <a:endParaRPr lang="uk-UA"/>
           </a:p>
@@ -4663,7 +4710,7 @@
             <a:fld id="{9289842C-EB2D-4EBB-A272-2F6A49D9794D}" type="datetime1">
               <a:rPr lang="uk-UA" smtClean="0"/>
               <a:pPr/>
-              <a:t>29.12.2023</a:t>
+              <a:t>04.01.2024</a:t>
             </a:fld>
             <a:endParaRPr lang="uk-UA"/>
           </a:p>
@@ -4755,7 +4802,7 @@
             <a:fld id="{D036F091-B700-4B52-99AC-85D0FD94D904}" type="datetime1">
               <a:rPr lang="uk-UA" smtClean="0"/>
               <a:pPr/>
-              <a:t>29.12.2023</a:t>
+              <a:t>04.01.2024</a:t>
             </a:fld>
             <a:endParaRPr lang="uk-UA"/>
           </a:p>
@@ -5029,7 +5076,7 @@
             <a:fld id="{B35DFABA-3811-4634-B803-2EAC4CD0063B}" type="datetime1">
               <a:rPr lang="uk-UA" smtClean="0"/>
               <a:pPr/>
-              <a:t>29.12.2023</a:t>
+              <a:t>04.01.2024</a:t>
             </a:fld>
             <a:endParaRPr lang="uk-UA"/>
           </a:p>
@@ -5279,7 +5326,7 @@
             <a:fld id="{8A9EA25E-F88E-463A-A119-D1E55A881002}" type="datetime1">
               <a:rPr lang="uk-UA" smtClean="0"/>
               <a:pPr/>
-              <a:t>29.12.2023</a:t>
+              <a:t>04.01.2024</a:t>
             </a:fld>
             <a:endParaRPr lang="uk-UA"/>
           </a:p>
@@ -5489,7 +5536,7 @@
             <a:fld id="{E708ED03-0080-49A2-B709-7DA4ACB3A1C3}" type="datetime1">
               <a:rPr lang="uk-UA" smtClean="0"/>
               <a:pPr/>
-              <a:t>29.12.2023</a:t>
+              <a:t>04.01.2024</a:t>
             </a:fld>
             <a:endParaRPr lang="uk-UA"/>
           </a:p>
@@ -6905,7 +6952,7 @@
         <p:spPr>
           <a:xfrm>
             <a:off x="1" y="5805264"/>
-            <a:ext cx="12191999" cy="369332"/>
+            <a:ext cx="12191999" cy="461665"/>
           </a:xfrm>
           <a:prstGeom prst="rect">
             <a:avLst/>
@@ -6920,16 +6967,16 @@
           <a:p>
             <a:pPr algn="ctr"/>
             <a:r>
-              <a:rPr lang="ru-RU" b="1" dirty="0"/>
+              <a:rPr lang="ru-RU" sz="2400" b="1" dirty="0"/>
               <a:t>Подробнее: </a:t>
             </a:r>
             <a:r>
-              <a:rPr lang="ru-RU" b="1" dirty="0">
+              <a:rPr lang="ru-RU" sz="2400" b="1" dirty="0">
                 <a:hlinkClick r:id="rId3"/>
               </a:rPr>
               <a:t>https://learn.javascript.ru/datetime</a:t>
             </a:r>
-            <a:endParaRPr lang="ru-RU" b="1" dirty="0"/>
+            <a:endParaRPr lang="ru-RU" sz="2400" b="1" dirty="0"/>
           </a:p>
         </p:txBody>
       </p:sp>
@@ -7122,43 +7169,6 @@
           </a:p>
         </p:txBody>
       </p:sp>
-      <p:sp>
-        <p:nvSpPr>
-          <p:cNvPr id="7" name="TextBox 6"/>
-          <p:cNvSpPr txBox="1"/>
-          <p:nvPr/>
-        </p:nvSpPr>
-        <p:spPr>
-          <a:xfrm>
-            <a:off x="1" y="6228020"/>
-            <a:ext cx="12191999" cy="369332"/>
-          </a:xfrm>
-          <a:prstGeom prst="rect">
-            <a:avLst/>
-          </a:prstGeom>
-          <a:noFill/>
-        </p:spPr>
-        <p:txBody>
-          <a:bodyPr wrap="square" rtlCol="0">
-            <a:spAutoFit/>
-          </a:bodyPr>
-          <a:lstStyle/>
-          <a:p>
-            <a:pPr algn="ctr"/>
-            <a:r>
-              <a:rPr lang="ru-RU" b="1" dirty="0"/>
-              <a:t>Подробнее: </a:t>
-            </a:r>
-            <a:r>
-              <a:rPr lang="ru-RU" b="1" dirty="0">
-                <a:hlinkClick r:id="rId2"/>
-              </a:rPr>
-              <a:t>https://learn.javascript.ru/datetime</a:t>
-            </a:r>
-            <a:endParaRPr lang="ru-RU" b="1" dirty="0"/>
-          </a:p>
-        </p:txBody>
-      </p:sp>
       <p:pic>
         <p:nvPicPr>
           <p:cNvPr id="8" name="Рисунок 7"/>
@@ -7168,7 +7178,7 @@
           <p:nvPr/>
         </p:nvPicPr>
         <p:blipFill>
-          <a:blip r:embed="rId3"/>
+          <a:blip r:embed="rId2"/>
           <a:stretch>
             <a:fillRect/>
           </a:stretch>
@@ -7193,6 +7203,49 @@
           </a:effectLst>
         </p:spPr>
       </p:pic>
+      <p:sp>
+        <p:nvSpPr>
+          <p:cNvPr id="3" name="TextBox 2">
+            <a:extLst>
+              <a:ext uri="{FF2B5EF4-FFF2-40B4-BE49-F238E27FC236}">
+                <a16:creationId xmlns:a16="http://schemas.microsoft.com/office/drawing/2014/main" id="{C46A7132-A9EE-4846-D324-B5E7C3C7411B}"/>
+              </a:ext>
+            </a:extLst>
+          </p:cNvPr>
+          <p:cNvSpPr txBox="1"/>
+          <p:nvPr/>
+        </p:nvSpPr>
+        <p:spPr>
+          <a:xfrm>
+            <a:off x="1" y="6165304"/>
+            <a:ext cx="12191999" cy="461665"/>
+          </a:xfrm>
+          <a:prstGeom prst="rect">
+            <a:avLst/>
+          </a:prstGeom>
+          <a:noFill/>
+        </p:spPr>
+        <p:txBody>
+          <a:bodyPr wrap="square" rtlCol="0">
+            <a:spAutoFit/>
+          </a:bodyPr>
+          <a:lstStyle/>
+          <a:p>
+            <a:pPr algn="ctr"/>
+            <a:r>
+              <a:rPr lang="ru-RU" sz="2400" b="1" dirty="0"/>
+              <a:t>Подробнее: </a:t>
+            </a:r>
+            <a:r>
+              <a:rPr lang="ru-RU" sz="2400" b="1" dirty="0">
+                <a:hlinkClick r:id="rId3"/>
+              </a:rPr>
+              <a:t>https://learn.javascript.ru/datetime</a:t>
+            </a:r>
+            <a:endParaRPr lang="ru-RU" sz="2400" b="1" dirty="0"/>
+          </a:p>
+        </p:txBody>
+      </p:sp>
     </p:spTree>
     <p:extLst>
       <p:ext uri="{BB962C8B-B14F-4D97-AF65-F5344CB8AC3E}">
@@ -7364,7 +7417,7 @@
               <a:rPr lang="en-US" b="1" dirty="0">
                 <a:hlinkClick r:id="rId2"/>
               </a:rPr>
-              <a:t>https://habr.com/ru/company/mailru/blog/438286/</a:t>
+              <a:t>https://habr.com/ru/companies/vk/articles/438286/</a:t>
             </a:r>
             <a:endParaRPr lang="ru-RU" b="1" dirty="0"/>
           </a:p>
@@ -9599,6 +9652,48 @@
           </a:extLst>
         </p:spPr>
       </p:pic>
+      <p:sp>
+        <p:nvSpPr>
+          <p:cNvPr id="4" name="TextBox 3">
+            <a:extLst>
+              <a:ext uri="{FF2B5EF4-FFF2-40B4-BE49-F238E27FC236}">
+                <a16:creationId xmlns:a16="http://schemas.microsoft.com/office/drawing/2014/main" id="{737439A7-0312-DE6E-208D-456AE5BF5639}"/>
+              </a:ext>
+            </a:extLst>
+          </p:cNvPr>
+          <p:cNvSpPr txBox="1"/>
+          <p:nvPr/>
+        </p:nvSpPr>
+        <p:spPr>
+          <a:xfrm>
+            <a:off x="5807968" y="5549186"/>
+            <a:ext cx="7583771" cy="461665"/>
+          </a:xfrm>
+          <a:prstGeom prst="rect">
+            <a:avLst/>
+          </a:prstGeom>
+          <a:noFill/>
+        </p:spPr>
+        <p:txBody>
+          <a:bodyPr wrap="square">
+            <a:spAutoFit/>
+          </a:bodyPr>
+          <a:lstStyle/>
+          <a:p>
+            <a:r>
+              <a:rPr lang="ru-RU" sz="2400" b="1" dirty="0"/>
+              <a:t>Демо-пример: </a:t>
+            </a:r>
+            <a:r>
+              <a:rPr lang="uk-UA" sz="2400" b="1" dirty="0">
+                <a:hlinkClick r:id="rId3"/>
+              </a:rPr>
+              <a:t>https://decode.org.ua/inn</a:t>
+            </a:r>
+            <a:endParaRPr lang="uk-UA" sz="2400" b="1" dirty="0"/>
+          </a:p>
+        </p:txBody>
+      </p:sp>
     </p:spTree>
     <p:extLst>
       <p:ext uri="{BB962C8B-B14F-4D97-AF65-F5344CB8AC3E}">
